--- a/pptx/7-21-2023.pptx
+++ b/pptx/7-21-2023.pptx
@@ -7,14 +7,18 @@
   <p:sldIdLst>
     <p:sldId id="256" r:id="rId2"/>
     <p:sldId id="258" r:id="rId3"/>
-    <p:sldId id="257" r:id="rId4"/>
-    <p:sldId id="259" r:id="rId5"/>
-    <p:sldId id="260" r:id="rId6"/>
-    <p:sldId id="262" r:id="rId7"/>
-    <p:sldId id="261" r:id="rId8"/>
-    <p:sldId id="263" r:id="rId9"/>
-    <p:sldId id="264" r:id="rId10"/>
-    <p:sldId id="265" r:id="rId11"/>
+    <p:sldId id="260" r:id="rId4"/>
+    <p:sldId id="266" r:id="rId5"/>
+    <p:sldId id="267" r:id="rId6"/>
+    <p:sldId id="271" r:id="rId7"/>
+    <p:sldId id="269" r:id="rId8"/>
+    <p:sldId id="262" r:id="rId9"/>
+    <p:sldId id="275" r:id="rId10"/>
+    <p:sldId id="272" r:id="rId11"/>
+    <p:sldId id="276" r:id="rId12"/>
+    <p:sldId id="278" r:id="rId13"/>
+    <p:sldId id="277" r:id="rId14"/>
+    <p:sldId id="265" r:id="rId15"/>
   </p:sldIdLst>
   <p:sldSz cx="12192000" cy="6858000"/>
   <p:notesSz cx="6858000" cy="9144000"/>
@@ -113,6 +117,11 @@
       </a:defRPr>
     </a:lvl9pPr>
   </p:defaultTextStyle>
+  <p:extLst>
+    <p:ext uri="{EFAFB233-063F-42B5-8137-9DF3F51BA10A}">
+      <p15:sldGuideLst xmlns:p15="http://schemas.microsoft.com/office/powerpoint/2012/main"/>
+    </p:ext>
+  </p:extLst>
 </p:presentation>
 </file>
 
@@ -263,7 +272,7 @@
           <a:p>
             <a:fld id="{F7842B2E-8DDA-9C43-995D-9B6DF5138199}" type="datetimeFigureOut">
               <a:rPr lang="en-US" smtClean="0"/>
-              <a:t>7/11/23</a:t>
+              <a:t>7/21/23</a:t>
             </a:fld>
             <a:endParaRPr lang="en-US"/>
           </a:p>
@@ -461,7 +470,7 @@
           <a:p>
             <a:fld id="{F7842B2E-8DDA-9C43-995D-9B6DF5138199}" type="datetimeFigureOut">
               <a:rPr lang="en-US" smtClean="0"/>
-              <a:t>7/11/23</a:t>
+              <a:t>7/21/23</a:t>
             </a:fld>
             <a:endParaRPr lang="en-US"/>
           </a:p>
@@ -669,7 +678,7 @@
           <a:p>
             <a:fld id="{F7842B2E-8DDA-9C43-995D-9B6DF5138199}" type="datetimeFigureOut">
               <a:rPr lang="en-US" smtClean="0"/>
-              <a:t>7/11/23</a:t>
+              <a:t>7/21/23</a:t>
             </a:fld>
             <a:endParaRPr lang="en-US"/>
           </a:p>
@@ -867,7 +876,7 @@
           <a:p>
             <a:fld id="{F7842B2E-8DDA-9C43-995D-9B6DF5138199}" type="datetimeFigureOut">
               <a:rPr lang="en-US" smtClean="0"/>
-              <a:t>7/11/23</a:t>
+              <a:t>7/21/23</a:t>
             </a:fld>
             <a:endParaRPr lang="en-US"/>
           </a:p>
@@ -1142,7 +1151,7 @@
           <a:p>
             <a:fld id="{F7842B2E-8DDA-9C43-995D-9B6DF5138199}" type="datetimeFigureOut">
               <a:rPr lang="en-US" smtClean="0"/>
-              <a:t>7/11/23</a:t>
+              <a:t>7/21/23</a:t>
             </a:fld>
             <a:endParaRPr lang="en-US"/>
           </a:p>
@@ -1407,7 +1416,7 @@
           <a:p>
             <a:fld id="{F7842B2E-8DDA-9C43-995D-9B6DF5138199}" type="datetimeFigureOut">
               <a:rPr lang="en-US" smtClean="0"/>
-              <a:t>7/11/23</a:t>
+              <a:t>7/21/23</a:t>
             </a:fld>
             <a:endParaRPr lang="en-US"/>
           </a:p>
@@ -1819,7 +1828,7 @@
           <a:p>
             <a:fld id="{F7842B2E-8DDA-9C43-995D-9B6DF5138199}" type="datetimeFigureOut">
               <a:rPr lang="en-US" smtClean="0"/>
-              <a:t>7/11/23</a:t>
+              <a:t>7/21/23</a:t>
             </a:fld>
             <a:endParaRPr lang="en-US"/>
           </a:p>
@@ -1960,7 +1969,7 @@
           <a:p>
             <a:fld id="{F7842B2E-8DDA-9C43-995D-9B6DF5138199}" type="datetimeFigureOut">
               <a:rPr lang="en-US" smtClean="0"/>
-              <a:t>7/11/23</a:t>
+              <a:t>7/21/23</a:t>
             </a:fld>
             <a:endParaRPr lang="en-US"/>
           </a:p>
@@ -2073,7 +2082,7 @@
           <a:p>
             <a:fld id="{F7842B2E-8DDA-9C43-995D-9B6DF5138199}" type="datetimeFigureOut">
               <a:rPr lang="en-US" smtClean="0"/>
-              <a:t>7/11/23</a:t>
+              <a:t>7/21/23</a:t>
             </a:fld>
             <a:endParaRPr lang="en-US"/>
           </a:p>
@@ -2384,7 +2393,7 @@
           <a:p>
             <a:fld id="{F7842B2E-8DDA-9C43-995D-9B6DF5138199}" type="datetimeFigureOut">
               <a:rPr lang="en-US" smtClean="0"/>
-              <a:t>7/11/23</a:t>
+              <a:t>7/21/23</a:t>
             </a:fld>
             <a:endParaRPr lang="en-US"/>
           </a:p>
@@ -2672,7 +2681,7 @@
           <a:p>
             <a:fld id="{F7842B2E-8DDA-9C43-995D-9B6DF5138199}" type="datetimeFigureOut">
               <a:rPr lang="en-US" smtClean="0"/>
-              <a:t>7/11/23</a:t>
+              <a:t>7/21/23</a:t>
             </a:fld>
             <a:endParaRPr lang="en-US"/>
           </a:p>
@@ -2913,7 +2922,7 @@
           <a:p>
             <a:fld id="{F7842B2E-8DDA-9C43-995D-9B6DF5138199}" type="datetimeFigureOut">
               <a:rPr lang="en-US" smtClean="0"/>
-              <a:t>7/11/23</a:t>
+              <a:t>7/21/23</a:t>
             </a:fld>
             <a:endParaRPr lang="en-US"/>
           </a:p>
@@ -3352,12 +3361,8 @@
           <a:lstStyle/>
           <a:p>
             <a:r>
-              <a:rPr lang="en-US" dirty="0" err="1"/>
-              <a:t>CoT</a:t>
-            </a:r>
-            <a:r>
               <a:rPr lang="en-US" dirty="0"/>
-              <a:t> Prediction</a:t>
+              <a:t>Update</a:t>
             </a:r>
           </a:p>
         </p:txBody>
@@ -3385,7 +3390,7 @@
           <a:p>
             <a:r>
               <a:rPr lang="en-US" dirty="0"/>
-              <a:t>John Lee - 7/11/2023</a:t>
+              <a:t>John Lee - 7/21/2023</a:t>
             </a:r>
           </a:p>
         </p:txBody>
@@ -3420,659 +3425,12 @@
           <a:chExt cx="0" cy="0"/>
         </a:xfrm>
       </p:grpSpPr>
-      <p:sp>
-        <p:nvSpPr>
-          <p:cNvPr id="2" name="Title 1">
-            <a:extLst>
-              <a:ext uri="{FF2B5EF4-FFF2-40B4-BE49-F238E27FC236}">
-                <a16:creationId xmlns:a16="http://schemas.microsoft.com/office/drawing/2014/main" id="{6F02B924-D14E-BC3C-87E8-50E59C0D8747}"/>
-              </a:ext>
-            </a:extLst>
-          </p:cNvPr>
-          <p:cNvSpPr>
-            <a:spLocks noGrp="1"/>
-          </p:cNvSpPr>
-          <p:nvPr>
-            <p:ph type="title"/>
-          </p:nvPr>
-        </p:nvSpPr>
-        <p:spPr/>
-        <p:txBody>
-          <a:bodyPr/>
-          <a:lstStyle/>
-          <a:p>
-            <a:r>
-              <a:rPr lang="en-US" dirty="0"/>
-              <a:t>Ideas</a:t>
-            </a:r>
-          </a:p>
-        </p:txBody>
-      </p:sp>
-      <p:sp>
-        <p:nvSpPr>
-          <p:cNvPr id="3" name="Content Placeholder 2">
-            <a:extLst>
-              <a:ext uri="{FF2B5EF4-FFF2-40B4-BE49-F238E27FC236}">
-                <a16:creationId xmlns:a16="http://schemas.microsoft.com/office/drawing/2014/main" id="{FC99BFE6-124C-BE80-8641-71A098A20160}"/>
-              </a:ext>
-            </a:extLst>
-          </p:cNvPr>
-          <p:cNvSpPr>
-            <a:spLocks noGrp="1"/>
-          </p:cNvSpPr>
-          <p:nvPr>
-            <p:ph idx="1"/>
-          </p:nvPr>
-        </p:nvSpPr>
-        <p:spPr/>
-        <p:txBody>
-          <a:bodyPr>
-            <a:normAutofit fontScale="70000" lnSpcReduction="20000"/>
-          </a:bodyPr>
-          <a:lstStyle/>
-          <a:p>
-            <a:pPr marL="0" indent="0">
-              <a:buNone/>
-            </a:pPr>
-            <a:r>
-              <a:rPr lang="en-US" dirty="0"/>
-              <a:t>Distinguish between ICL samples &amp; use more natural language in </a:t>
-            </a:r>
-            <a:r>
-              <a:rPr lang="en-US" dirty="0" err="1"/>
-              <a:t>CoT</a:t>
-            </a:r>
-            <a:r>
-              <a:rPr lang="en-US" dirty="0"/>
-              <a:t> (3)</a:t>
-            </a:r>
-          </a:p>
-          <a:p>
-            <a:pPr marL="0" indent="0">
-              <a:buNone/>
-            </a:pPr>
-            <a:r>
-              <a:rPr lang="en-US" dirty="0"/>
-              <a:t>Try just with intermediates to predict the next intermediate (2)</a:t>
-            </a:r>
-          </a:p>
-          <a:p>
-            <a:pPr lvl="1"/>
-            <a:r>
-              <a:rPr lang="en-US" dirty="0"/>
-              <a:t>Try to treat it as a string addition</a:t>
-            </a:r>
-          </a:p>
-          <a:p>
-            <a:r>
-              <a:rPr lang="en-US" dirty="0"/>
-              <a:t>Ask is it a LEF? -&gt; Can use ICL w/ yes or no with samples that aren’t LEF too</a:t>
-            </a:r>
-          </a:p>
-          <a:p>
-            <a:pPr lvl="1"/>
-            <a:r>
-              <a:rPr lang="en-US" dirty="0"/>
-              <a:t>We can be more specific with our prompts</a:t>
-            </a:r>
-          </a:p>
-          <a:p>
-            <a:pPr lvl="1"/>
-            <a:r>
-              <a:rPr lang="en-US" dirty="0"/>
-              <a:t>Test if we just give it a ton of information about LEF reactions</a:t>
-            </a:r>
-          </a:p>
-          <a:p>
-            <a:r>
-              <a:rPr lang="en-US" dirty="0"/>
-              <a:t>Use Scaffold </a:t>
-            </a:r>
-            <a:r>
-              <a:rPr lang="en-US"/>
-              <a:t>Similarity (4)</a:t>
-            </a:r>
-            <a:endParaRPr lang="en-US" dirty="0"/>
-          </a:p>
-          <a:p>
-            <a:r>
-              <a:rPr lang="en-US" dirty="0"/>
-              <a:t>Can use intermediate1 and generate int + product vs just product alone. (1)</a:t>
-            </a:r>
-          </a:p>
-          <a:p>
-            <a:endParaRPr lang="en-US" dirty="0"/>
-          </a:p>
-          <a:p>
-            <a:r>
-              <a:rPr lang="en-US" dirty="0"/>
-              <a:t>Ask it more specific prompts, such as what is the most likely atom to have an electron be removed</a:t>
-            </a:r>
-          </a:p>
-          <a:p>
-            <a:pPr lvl="1"/>
-            <a:r>
-              <a:rPr lang="en-US" dirty="0"/>
-              <a:t>Multi-Step solution</a:t>
-            </a:r>
-          </a:p>
-          <a:p>
-            <a:r>
-              <a:rPr lang="en-US" dirty="0"/>
-              <a:t>Could provide it some Valid options according to chemistry rules and have it select?</a:t>
-            </a:r>
-          </a:p>
-          <a:p>
-            <a:pPr lvl="1"/>
-            <a:r>
-              <a:rPr lang="en-US" dirty="0"/>
-              <a:t>Seems kind of like a poor solution</a:t>
-            </a:r>
-          </a:p>
-          <a:p>
-            <a:pPr lvl="1"/>
-            <a:endParaRPr lang="en-US" dirty="0"/>
-          </a:p>
-          <a:p>
-            <a:endParaRPr lang="en-US" dirty="0"/>
-          </a:p>
-          <a:p>
-            <a:endParaRPr lang="en-US" dirty="0"/>
-          </a:p>
-        </p:txBody>
-      </p:sp>
-    </p:spTree>
-    <p:extLst>
-      <p:ext uri="{BB962C8B-B14F-4D97-AF65-F5344CB8AC3E}">
-        <p14:creationId xmlns:p14="http://schemas.microsoft.com/office/powerpoint/2010/main" val="2588232990"/>
-      </p:ext>
-    </p:extLst>
-  </p:cSld>
-  <p:clrMapOvr>
-    <a:masterClrMapping/>
-  </p:clrMapOvr>
-</p:sld>
-</file>
-
-<file path=ppt/slides/slide2.xml><?xml version="1.0" encoding="utf-8"?>
-<p:sld xmlns:a="http://schemas.openxmlformats.org/drawingml/2006/main" xmlns:r="http://schemas.openxmlformats.org/officeDocument/2006/relationships" xmlns:p="http://schemas.openxmlformats.org/presentationml/2006/main">
-  <p:cSld>
-    <p:spTree>
-      <p:nvGrpSpPr>
-        <p:cNvPr id="1" name=""/>
-        <p:cNvGrpSpPr/>
-        <p:nvPr/>
-      </p:nvGrpSpPr>
-      <p:grpSpPr>
-        <a:xfrm>
-          <a:off x="0" y="0"/>
-          <a:ext cx="0" cy="0"/>
-          <a:chOff x="0" y="0"/>
-          <a:chExt cx="0" cy="0"/>
-        </a:xfrm>
-      </p:grpSpPr>
-      <p:sp>
-        <p:nvSpPr>
-          <p:cNvPr id="2" name="Title 1">
-            <a:extLst>
-              <a:ext uri="{FF2B5EF4-FFF2-40B4-BE49-F238E27FC236}">
-                <a16:creationId xmlns:a16="http://schemas.microsoft.com/office/drawing/2014/main" id="{77E650D5-EDD2-02B9-73DC-256ED2C11C74}"/>
-              </a:ext>
-            </a:extLst>
-          </p:cNvPr>
-          <p:cNvSpPr>
-            <a:spLocks noGrp="1"/>
-          </p:cNvSpPr>
-          <p:nvPr>
-            <p:ph type="title"/>
-          </p:nvPr>
-        </p:nvSpPr>
-        <p:spPr/>
-        <p:txBody>
-          <a:bodyPr/>
-          <a:lstStyle/>
-          <a:p>
-            <a:r>
-              <a:rPr lang="en-US" dirty="0" err="1"/>
-              <a:t>CoT</a:t>
-            </a:r>
-            <a:endParaRPr lang="en-US" dirty="0"/>
-          </a:p>
-        </p:txBody>
-      </p:sp>
-      <p:sp>
-        <p:nvSpPr>
-          <p:cNvPr id="3" name="Text Placeholder 2">
-            <a:extLst>
-              <a:ext uri="{FF2B5EF4-FFF2-40B4-BE49-F238E27FC236}">
-                <a16:creationId xmlns:a16="http://schemas.microsoft.com/office/drawing/2014/main" id="{8D8D7D66-0B87-CFCB-3BAE-D3B0B0C4311C}"/>
-              </a:ext>
-            </a:extLst>
-          </p:cNvPr>
-          <p:cNvSpPr>
-            <a:spLocks noGrp="1"/>
-          </p:cNvSpPr>
-          <p:nvPr>
-            <p:ph type="body" idx="1"/>
-          </p:nvPr>
-        </p:nvSpPr>
-        <p:spPr/>
-        <p:txBody>
-          <a:bodyPr/>
-          <a:lstStyle/>
-          <a:p>
-            <a:endParaRPr lang="en-US"/>
-          </a:p>
-        </p:txBody>
-      </p:sp>
-    </p:spTree>
-    <p:extLst>
-      <p:ext uri="{BB962C8B-B14F-4D97-AF65-F5344CB8AC3E}">
-        <p14:creationId xmlns:p14="http://schemas.microsoft.com/office/powerpoint/2010/main" val="3897145291"/>
-      </p:ext>
-    </p:extLst>
-  </p:cSld>
-  <p:clrMapOvr>
-    <a:masterClrMapping/>
-  </p:clrMapOvr>
-</p:sld>
-</file>
-
-<file path=ppt/slides/slide3.xml><?xml version="1.0" encoding="utf-8"?>
-<p:sld xmlns:a="http://schemas.openxmlformats.org/drawingml/2006/main" xmlns:r="http://schemas.openxmlformats.org/officeDocument/2006/relationships" xmlns:p="http://schemas.openxmlformats.org/presentationml/2006/main">
-  <p:cSld>
-    <p:spTree>
-      <p:nvGrpSpPr>
-        <p:cNvPr id="1" name=""/>
-        <p:cNvGrpSpPr/>
-        <p:nvPr/>
-      </p:nvGrpSpPr>
-      <p:grpSpPr>
-        <a:xfrm>
-          <a:off x="0" y="0"/>
-          <a:ext cx="0" cy="0"/>
-          <a:chOff x="0" y="0"/>
-          <a:chExt cx="0" cy="0"/>
-        </a:xfrm>
-      </p:grpSpPr>
-      <p:sp>
-        <p:nvSpPr>
-          <p:cNvPr id="2" name="Title 1">
-            <a:extLst>
-              <a:ext uri="{FF2B5EF4-FFF2-40B4-BE49-F238E27FC236}">
-                <a16:creationId xmlns:a16="http://schemas.microsoft.com/office/drawing/2014/main" id="{3EB884C2-2E78-16CF-282E-14A388EF6A23}"/>
-              </a:ext>
-            </a:extLst>
-          </p:cNvPr>
-          <p:cNvSpPr>
-            <a:spLocks noGrp="1"/>
-          </p:cNvSpPr>
-          <p:nvPr>
-            <p:ph type="title"/>
-          </p:nvPr>
-        </p:nvSpPr>
-        <p:spPr/>
-        <p:txBody>
-          <a:bodyPr/>
-          <a:lstStyle/>
-          <a:p>
-            <a:r>
-              <a:rPr lang="en-US" dirty="0"/>
-              <a:t>Setup</a:t>
-            </a:r>
-          </a:p>
-        </p:txBody>
-      </p:sp>
-      <p:sp>
-        <p:nvSpPr>
-          <p:cNvPr id="3" name="Content Placeholder 2">
-            <a:extLst>
-              <a:ext uri="{FF2B5EF4-FFF2-40B4-BE49-F238E27FC236}">
-                <a16:creationId xmlns:a16="http://schemas.microsoft.com/office/drawing/2014/main" id="{5B702423-EA2E-687F-B2B0-7AB8E49261BD}"/>
-              </a:ext>
-            </a:extLst>
-          </p:cNvPr>
-          <p:cNvSpPr>
-            <a:spLocks noGrp="1"/>
-          </p:cNvSpPr>
-          <p:nvPr>
-            <p:ph idx="1"/>
-          </p:nvPr>
-        </p:nvSpPr>
-        <p:spPr/>
-        <p:txBody>
-          <a:bodyPr/>
-          <a:lstStyle/>
-          <a:p>
-            <a:r>
-              <a:rPr lang="en-US" dirty="0"/>
-              <a:t>We utilize an ICL Few-Shot approach with n = 5, and only get 1 output</a:t>
-            </a:r>
-          </a:p>
-          <a:p>
-            <a:endParaRPr lang="en-US" dirty="0"/>
-          </a:p>
-        </p:txBody>
-      </p:sp>
-    </p:spTree>
-    <p:extLst>
-      <p:ext uri="{BB962C8B-B14F-4D97-AF65-F5344CB8AC3E}">
-        <p14:creationId xmlns:p14="http://schemas.microsoft.com/office/powerpoint/2010/main" val="2708228503"/>
-      </p:ext>
-    </p:extLst>
-  </p:cSld>
-  <p:clrMapOvr>
-    <a:masterClrMapping/>
-  </p:clrMapOvr>
-</p:sld>
-</file>
-
-<file path=ppt/slides/slide4.xml><?xml version="1.0" encoding="utf-8"?>
-<p:sld xmlns:a="http://schemas.openxmlformats.org/drawingml/2006/main" xmlns:r="http://schemas.openxmlformats.org/officeDocument/2006/relationships" xmlns:p="http://schemas.openxmlformats.org/presentationml/2006/main">
-  <p:cSld>
-    <p:spTree>
-      <p:nvGrpSpPr>
-        <p:cNvPr id="1" name=""/>
-        <p:cNvGrpSpPr/>
-        <p:nvPr/>
-      </p:nvGrpSpPr>
-      <p:grpSpPr>
-        <a:xfrm>
-          <a:off x="0" y="0"/>
-          <a:ext cx="0" cy="0"/>
-          <a:chOff x="0" y="0"/>
-          <a:chExt cx="0" cy="0"/>
-        </a:xfrm>
-      </p:grpSpPr>
-      <p:sp>
-        <p:nvSpPr>
-          <p:cNvPr id="2" name="Title 1">
-            <a:extLst>
-              <a:ext uri="{FF2B5EF4-FFF2-40B4-BE49-F238E27FC236}">
-                <a16:creationId xmlns:a16="http://schemas.microsoft.com/office/drawing/2014/main" id="{FF984CAB-A456-3427-B1A0-8F6676F19826}"/>
-              </a:ext>
-            </a:extLst>
-          </p:cNvPr>
-          <p:cNvSpPr>
-            <a:spLocks noGrp="1"/>
-          </p:cNvSpPr>
-          <p:nvPr>
-            <p:ph type="title"/>
-          </p:nvPr>
-        </p:nvSpPr>
-        <p:spPr/>
-        <p:txBody>
-          <a:bodyPr/>
-          <a:lstStyle/>
-          <a:p>
-            <a:r>
-              <a:rPr lang="en-US" dirty="0"/>
-              <a:t>Prompt</a:t>
-            </a:r>
-          </a:p>
-        </p:txBody>
-      </p:sp>
-      <p:sp>
-        <p:nvSpPr>
-          <p:cNvPr id="10" name="Content Placeholder 2">
-            <a:extLst>
-              <a:ext uri="{FF2B5EF4-FFF2-40B4-BE49-F238E27FC236}">
-                <a16:creationId xmlns:a16="http://schemas.microsoft.com/office/drawing/2014/main" id="{E38145A6-4BC2-476B-55EE-6A1E76429EB7}"/>
-              </a:ext>
-            </a:extLst>
-          </p:cNvPr>
-          <p:cNvSpPr>
-            <a:spLocks noGrp="1"/>
-          </p:cNvSpPr>
-          <p:nvPr>
-            <p:ph sz="half" idx="1"/>
-          </p:nvPr>
-        </p:nvSpPr>
-        <p:spPr>
-          <a:xfrm>
-            <a:off x="437322" y="1490870"/>
-            <a:ext cx="11062252" cy="4711147"/>
-          </a:xfrm>
-        </p:spPr>
-        <p:txBody>
-          <a:bodyPr>
-            <a:normAutofit fontScale="47500" lnSpcReduction="20000"/>
-          </a:bodyPr>
-          <a:lstStyle/>
-          <a:p>
-            <a:pPr marL="0" indent="0">
-              <a:buNone/>
-            </a:pPr>
-            <a:r>
-              <a:rPr lang="en-US" sz="2900" b="0" dirty="0">
-                <a:effectLst/>
-                <a:latin typeface="Menlo" panose="020B0609030804020204" pitchFamily="49" charset="0"/>
-              </a:rPr>
-              <a:t>You are an expert chemist. Your task is to predict the the resulting product given the given the reactants and reagents, several examples including intermediate steps, and your experienced reaction prediction knowledge. There are some rules to follow.</a:t>
-            </a:r>
-          </a:p>
-          <a:p>
-            <a:pPr marL="0" indent="0">
-              <a:buNone/>
-            </a:pPr>
-            <a:r>
-              <a:rPr lang="en-US" sz="2900" b="0" dirty="0">
-                <a:effectLst/>
-                <a:latin typeface="Menlo" panose="020B0609030804020204" pitchFamily="49" charset="0"/>
-              </a:rPr>
-              <a:t>1. Strictly follow the given format, and only respond with an atom mapped SMILES string.</a:t>
-            </a:r>
-          </a:p>
-          <a:p>
-            <a:pPr marL="0" indent="0">
-              <a:buNone/>
-            </a:pPr>
-            <a:r>
-              <a:rPr lang="en-US" sz="2900" b="0" dirty="0">
-                <a:effectLst/>
-                <a:latin typeface="Menlo" panose="020B0609030804020204" pitchFamily="49" charset="0"/>
-              </a:rPr>
-              <a:t>2. Numbers immediately following : represent the atom mapping.</a:t>
-            </a:r>
-          </a:p>
-          <a:p>
-            <a:pPr marL="0" indent="0">
-              <a:buNone/>
-            </a:pPr>
-            <a:r>
-              <a:rPr lang="en-US" sz="2900" b="0" dirty="0">
-                <a:effectLst/>
-                <a:latin typeface="Menlo" panose="020B0609030804020204" pitchFamily="49" charset="0"/>
-              </a:rPr>
-              <a:t>3. A . is used to distinguish between multiple molecules in the SMILES strings.</a:t>
-            </a:r>
-          </a:p>
-          <a:p>
-            <a:pPr marL="0" indent="0">
-              <a:buNone/>
-            </a:pPr>
-            <a:r>
-              <a:rPr lang="en-US" sz="2900" b="0" dirty="0">
-                <a:effectLst/>
-                <a:latin typeface="Menlo" panose="020B0609030804020204" pitchFamily="49" charset="0"/>
-              </a:rPr>
-              <a:t>4. If no reagents exist, it is left blank.</a:t>
-            </a:r>
-          </a:p>
-          <a:p>
-            <a:pPr marL="0" indent="0">
-              <a:buNone/>
-            </a:pPr>
-            <a:r>
-              <a:rPr lang="en-US" sz="2900" dirty="0">
-                <a:latin typeface="Menlo" panose="020B0609030804020204" pitchFamily="49" charset="0"/>
-              </a:rPr>
-              <a:t>5. The resulting product must be be chemically reasonable and valid.</a:t>
-            </a:r>
-          </a:p>
-          <a:p>
-            <a:pPr marL="0" indent="0">
-              <a:buNone/>
-            </a:pPr>
-            <a:r>
-              <a:rPr lang="en-US" sz="2900" dirty="0">
-                <a:latin typeface="Menlo" panose="020B0609030804020204" pitchFamily="49" charset="0"/>
-              </a:rPr>
-              <a:t>Reactants: …</a:t>
-            </a:r>
-          </a:p>
-          <a:p>
-            <a:pPr marL="0" indent="0">
-              <a:buNone/>
-            </a:pPr>
-            <a:r>
-              <a:rPr lang="en-US" sz="2900" b="0" dirty="0">
-                <a:effectLst/>
-                <a:latin typeface="Menlo" panose="020B0609030804020204" pitchFamily="49" charset="0"/>
-              </a:rPr>
-              <a:t>Reagents: …</a:t>
-            </a:r>
-          </a:p>
-          <a:p>
-            <a:pPr marL="0" indent="0">
-              <a:buNone/>
-            </a:pPr>
-            <a:r>
-              <a:rPr lang="en-US" sz="2900" dirty="0">
-                <a:latin typeface="Menlo" panose="020B0609030804020204" pitchFamily="49" charset="0"/>
-              </a:rPr>
-              <a:t>Intermediate 1:</a:t>
-            </a:r>
-          </a:p>
-          <a:p>
-            <a:pPr marL="0" indent="0">
-              <a:buNone/>
-            </a:pPr>
-            <a:r>
-              <a:rPr lang="en-US" sz="2900" b="0" dirty="0">
-                <a:effectLst/>
-                <a:latin typeface="Menlo" panose="020B0609030804020204" pitchFamily="49" charset="0"/>
-              </a:rPr>
-              <a:t>…</a:t>
-            </a:r>
-          </a:p>
-          <a:p>
-            <a:pPr marL="0" indent="0">
-              <a:buNone/>
-            </a:pPr>
-            <a:r>
-              <a:rPr lang="en-US" sz="2900" b="0" dirty="0">
-                <a:effectLst/>
-                <a:latin typeface="Menlo" panose="020B0609030804020204" pitchFamily="49" charset="0"/>
-              </a:rPr>
-              <a:t>Intermediate (n):</a:t>
-            </a:r>
-          </a:p>
-          <a:p>
-            <a:pPr marL="0" indent="0">
-              <a:buNone/>
-            </a:pPr>
-            <a:r>
-              <a:rPr lang="en-US" sz="2900" dirty="0">
-                <a:latin typeface="Menlo" panose="020B0609030804020204" pitchFamily="49" charset="0"/>
-              </a:rPr>
-              <a:t>Products: …</a:t>
-            </a:r>
-          </a:p>
-          <a:p>
-            <a:pPr marL="0" indent="0">
-              <a:buNone/>
-            </a:pPr>
-            <a:r>
-              <a:rPr lang="en-US" sz="2900" b="0" dirty="0">
-                <a:effectLst/>
-                <a:latin typeface="Menlo" panose="020B0609030804020204" pitchFamily="49" charset="0"/>
-              </a:rPr>
-              <a:t>…</a:t>
-            </a:r>
-          </a:p>
-          <a:p>
-            <a:pPr marL="0" indent="0">
-              <a:buNone/>
-            </a:pPr>
-            <a:r>
-              <a:rPr lang="en-US" sz="2900" dirty="0">
-                <a:latin typeface="Menlo" panose="020B0609030804020204" pitchFamily="49" charset="0"/>
-              </a:rPr>
-              <a:t>Reactants: …</a:t>
-            </a:r>
-          </a:p>
-          <a:p>
-            <a:pPr marL="0" indent="0">
-              <a:buNone/>
-            </a:pPr>
-            <a:r>
-              <a:rPr lang="en-US" sz="2900" b="0" dirty="0">
-                <a:effectLst/>
-                <a:latin typeface="Menlo" panose="020B0609030804020204" pitchFamily="49" charset="0"/>
-              </a:rPr>
-              <a:t>Reagents: …</a:t>
-            </a:r>
-          </a:p>
-          <a:p>
-            <a:pPr marL="0" indent="0">
-              <a:buNone/>
-            </a:pPr>
-            <a:r>
-              <a:rPr lang="en-US" sz="2900" dirty="0">
-                <a:latin typeface="Menlo" panose="020B0609030804020204" pitchFamily="49" charset="0"/>
-              </a:rPr>
-              <a:t>Products: </a:t>
-            </a:r>
-            <a:endParaRPr lang="en-US" sz="2900" b="0" dirty="0">
-              <a:effectLst/>
-              <a:latin typeface="Menlo" panose="020B0609030804020204" pitchFamily="49" charset="0"/>
-            </a:endParaRPr>
-          </a:p>
-          <a:p>
-            <a:pPr marL="0" indent="0">
-              <a:buNone/>
-            </a:pPr>
-            <a:endParaRPr lang="en-US" dirty="0"/>
-          </a:p>
-        </p:txBody>
-      </p:sp>
-    </p:spTree>
-    <p:extLst>
-      <p:ext uri="{BB962C8B-B14F-4D97-AF65-F5344CB8AC3E}">
-        <p14:creationId xmlns:p14="http://schemas.microsoft.com/office/powerpoint/2010/main" val="335030660"/>
-      </p:ext>
-    </p:extLst>
-  </p:cSld>
-  <p:clrMapOvr>
-    <a:masterClrMapping/>
-  </p:clrMapOvr>
-</p:sld>
-</file>
-
-<file path=ppt/slides/slide5.xml><?xml version="1.0" encoding="utf-8"?>
-<p:sld xmlns:a="http://schemas.openxmlformats.org/drawingml/2006/main" xmlns:r="http://schemas.openxmlformats.org/officeDocument/2006/relationships" xmlns:p="http://schemas.openxmlformats.org/presentationml/2006/main">
-  <p:cSld>
-    <p:spTree>
-      <p:nvGrpSpPr>
-        <p:cNvPr id="1" name=""/>
-        <p:cNvGrpSpPr/>
-        <p:nvPr/>
-      </p:nvGrpSpPr>
-      <p:grpSpPr>
-        <a:xfrm>
-          <a:off x="0" y="0"/>
-          <a:ext cx="0" cy="0"/>
-          <a:chOff x="0" y="0"/>
-          <a:chExt cx="0" cy="0"/>
-        </a:xfrm>
-      </p:grpSpPr>
       <p:graphicFrame>
         <p:nvGraphicFramePr>
           <p:cNvPr id="4" name="Content Placeholder 3">
             <a:extLst>
               <a:ext uri="{FF2B5EF4-FFF2-40B4-BE49-F238E27FC236}">
-                <a16:creationId xmlns:a16="http://schemas.microsoft.com/office/drawing/2014/main" id="{C41455FC-E422-4ABC-AA0B-5DC1143600B6}"/>
+                <a16:creationId xmlns:a16="http://schemas.microsoft.com/office/drawing/2014/main" id="{99E3EDE9-3C1D-6865-CDE6-94D4849DD4C8}"/>
               </a:ext>
             </a:extLst>
           </p:cNvPr>
@@ -4083,624 +3441,7 @@
             <p:ph idx="1"/>
             <p:extLst>
               <p:ext uri="{D42A27DB-BD31-4B8C-83A1-F6EECF244321}">
-                <p14:modId xmlns:p14="http://schemas.microsoft.com/office/powerpoint/2010/main" val="3440257817"/>
-              </p:ext>
-            </p:extLst>
-          </p:nvPr>
-        </p:nvGraphicFramePr>
-        <p:xfrm>
-          <a:off x="728870" y="682625"/>
-          <a:ext cx="10279744" cy="4925334"/>
-        </p:xfrm>
-        <a:graphic>
-          <a:graphicData uri="http://schemas.openxmlformats.org/drawingml/2006/table">
-            <a:tbl>
-              <a:tblPr firstRow="1" bandRow="1">
-                <a:tableStyleId>{5C22544A-7EE6-4342-B048-85BDC9FD1C3A}</a:tableStyleId>
-              </a:tblPr>
-              <a:tblGrid>
-                <a:gridCol w="2569936">
-                  <a:extLst>
-                    <a:ext uri="{9D8B030D-6E8A-4147-A177-3AD203B41FA5}">
-                      <a16:colId xmlns:a16="http://schemas.microsoft.com/office/drawing/2014/main" val="963128114"/>
-                    </a:ext>
-                  </a:extLst>
-                </a:gridCol>
-                <a:gridCol w="2569936">
-                  <a:extLst>
-                    <a:ext uri="{9D8B030D-6E8A-4147-A177-3AD203B41FA5}">
-                      <a16:colId xmlns:a16="http://schemas.microsoft.com/office/drawing/2014/main" val="960655308"/>
-                    </a:ext>
-                  </a:extLst>
-                </a:gridCol>
-                <a:gridCol w="2569936">
-                  <a:extLst>
-                    <a:ext uri="{9D8B030D-6E8A-4147-A177-3AD203B41FA5}">
-                      <a16:colId xmlns:a16="http://schemas.microsoft.com/office/drawing/2014/main" val="676507202"/>
-                    </a:ext>
-                  </a:extLst>
-                </a:gridCol>
-                <a:gridCol w="2569936">
-                  <a:extLst>
-                    <a:ext uri="{9D8B030D-6E8A-4147-A177-3AD203B41FA5}">
-                      <a16:colId xmlns:a16="http://schemas.microsoft.com/office/drawing/2014/main" val="938938723"/>
-                    </a:ext>
-                  </a:extLst>
-                </a:gridCol>
-              </a:tblGrid>
-              <a:tr h="820889">
-                <a:tc>
-                  <a:txBody>
-                    <a:bodyPr/>
-                    <a:lstStyle/>
-                    <a:p>
-                      <a:r>
-                        <a:rPr lang="en-US" dirty="0"/>
-                        <a:t>Method (20 test samples)</a:t>
-                      </a:r>
-                    </a:p>
-                  </a:txBody>
-                  <a:tcPr/>
-                </a:tc>
-                <a:tc>
-                  <a:txBody>
-                    <a:bodyPr/>
-                    <a:lstStyle/>
-                    <a:p>
-                      <a:r>
-                        <a:rPr lang="en-US" dirty="0"/>
-                        <a:t>Model</a:t>
-                      </a:r>
-                    </a:p>
-                  </a:txBody>
-                  <a:tcPr/>
-                </a:tc>
-                <a:tc>
-                  <a:txBody>
-                    <a:bodyPr/>
-                    <a:lstStyle/>
-                    <a:p>
-                      <a:r>
-                        <a:rPr lang="en-US" dirty="0"/>
-                        <a:t>Top1</a:t>
-                      </a:r>
-                    </a:p>
-                  </a:txBody>
-                  <a:tcPr/>
-                </a:tc>
-                <a:tc>
-                  <a:txBody>
-                    <a:bodyPr/>
-                    <a:lstStyle/>
-                    <a:p>
-                      <a:r>
-                        <a:rPr lang="en-US" dirty="0"/>
-                        <a:t># Invalid</a:t>
-                      </a:r>
-                    </a:p>
-                  </a:txBody>
-                  <a:tcPr/>
-                </a:tc>
-                <a:extLst>
-                  <a:ext uri="{0D108BD9-81ED-4DB2-BD59-A6C34878D82A}">
-                    <a16:rowId xmlns:a16="http://schemas.microsoft.com/office/drawing/2014/main" val="113282996"/>
-                  </a:ext>
-                </a:extLst>
-              </a:tr>
-              <a:tr h="820889">
-                <a:tc>
-                  <a:txBody>
-                    <a:bodyPr/>
-                    <a:lstStyle/>
-                    <a:p>
-                      <a:r>
-                        <a:rPr lang="en-US" dirty="0" err="1"/>
-                        <a:t>CoT</a:t>
-                      </a:r>
-                      <a:r>
-                        <a:rPr lang="en-US" dirty="0"/>
-                        <a:t> Few Shot (k = 5) </a:t>
-                      </a:r>
-                    </a:p>
-                  </a:txBody>
-                  <a:tcPr/>
-                </a:tc>
-                <a:tc>
-                  <a:txBody>
-                    <a:bodyPr/>
-                    <a:lstStyle/>
-                    <a:p>
-                      <a:r>
-                        <a:rPr lang="en-US" dirty="0"/>
-                        <a:t>GPT-4</a:t>
-                      </a:r>
-                    </a:p>
-                  </a:txBody>
-                  <a:tcPr/>
-                </a:tc>
-                <a:tc>
-                  <a:txBody>
-                    <a:bodyPr/>
-                    <a:lstStyle/>
-                    <a:p>
-                      <a:r>
-                        <a:rPr lang="en-US" dirty="0"/>
-                        <a:t>0</a:t>
-                      </a:r>
-                    </a:p>
-                  </a:txBody>
-                  <a:tcPr/>
-                </a:tc>
-                <a:tc>
-                  <a:txBody>
-                    <a:bodyPr/>
-                    <a:lstStyle/>
-                    <a:p>
-                      <a:r>
-                        <a:rPr lang="en-US" dirty="0"/>
-                        <a:t>3</a:t>
-                      </a:r>
-                    </a:p>
-                  </a:txBody>
-                  <a:tcPr/>
-                </a:tc>
-                <a:extLst>
-                  <a:ext uri="{0D108BD9-81ED-4DB2-BD59-A6C34878D82A}">
-                    <a16:rowId xmlns:a16="http://schemas.microsoft.com/office/drawing/2014/main" val="1962525592"/>
-                  </a:ext>
-                </a:extLst>
-              </a:tr>
-              <a:tr h="820889">
-                <a:tc>
-                  <a:txBody>
-                    <a:bodyPr/>
-                    <a:lstStyle/>
-                    <a:p>
-                      <a:r>
-                        <a:rPr lang="en-US" dirty="0"/>
-                        <a:t>\</a:t>
-                      </a:r>
-                    </a:p>
-                  </a:txBody>
-                  <a:tcPr/>
-                </a:tc>
-                <a:tc>
-                  <a:txBody>
-                    <a:bodyPr/>
-                    <a:lstStyle/>
-                    <a:p>
-                      <a:endParaRPr lang="en-US" dirty="0"/>
-                    </a:p>
-                  </a:txBody>
-                  <a:tcPr/>
-                </a:tc>
-                <a:tc>
-                  <a:txBody>
-                    <a:bodyPr/>
-                    <a:lstStyle/>
-                    <a:p>
-                      <a:endParaRPr lang="en-US" dirty="0"/>
-                    </a:p>
-                  </a:txBody>
-                  <a:tcPr/>
-                </a:tc>
-                <a:tc>
-                  <a:txBody>
-                    <a:bodyPr/>
-                    <a:lstStyle/>
-                    <a:p>
-                      <a:endParaRPr lang="en-US" dirty="0"/>
-                    </a:p>
-                  </a:txBody>
-                  <a:tcPr/>
-                </a:tc>
-                <a:extLst>
-                  <a:ext uri="{0D108BD9-81ED-4DB2-BD59-A6C34878D82A}">
-                    <a16:rowId xmlns:a16="http://schemas.microsoft.com/office/drawing/2014/main" val="480962539"/>
-                  </a:ext>
-                </a:extLst>
-              </a:tr>
-              <a:tr h="820889">
-                <a:tc>
-                  <a:txBody>
-                    <a:bodyPr/>
-                    <a:lstStyle/>
-                    <a:p>
-                      <a:endParaRPr lang="en-US" dirty="0"/>
-                    </a:p>
-                  </a:txBody>
-                  <a:tcPr/>
-                </a:tc>
-                <a:tc>
-                  <a:txBody>
-                    <a:bodyPr/>
-                    <a:lstStyle/>
-                    <a:p>
-                      <a:endParaRPr lang="en-US" dirty="0"/>
-                    </a:p>
-                  </a:txBody>
-                  <a:tcPr/>
-                </a:tc>
-                <a:tc>
-                  <a:txBody>
-                    <a:bodyPr/>
-                    <a:lstStyle/>
-                    <a:p>
-                      <a:endParaRPr lang="en-US" dirty="0"/>
-                    </a:p>
-                  </a:txBody>
-                  <a:tcPr/>
-                </a:tc>
-                <a:tc>
-                  <a:txBody>
-                    <a:bodyPr/>
-                    <a:lstStyle/>
-                    <a:p>
-                      <a:endParaRPr lang="en-US" dirty="0"/>
-                    </a:p>
-                  </a:txBody>
-                  <a:tcPr/>
-                </a:tc>
-                <a:extLst>
-                  <a:ext uri="{0D108BD9-81ED-4DB2-BD59-A6C34878D82A}">
-                    <a16:rowId xmlns:a16="http://schemas.microsoft.com/office/drawing/2014/main" val="3796483168"/>
-                  </a:ext>
-                </a:extLst>
-              </a:tr>
-              <a:tr h="820889">
-                <a:tc>
-                  <a:txBody>
-                    <a:bodyPr/>
-                    <a:lstStyle/>
-                    <a:p>
-                      <a:endParaRPr lang="en-US" dirty="0"/>
-                    </a:p>
-                  </a:txBody>
-                  <a:tcPr/>
-                </a:tc>
-                <a:tc>
-                  <a:txBody>
-                    <a:bodyPr/>
-                    <a:lstStyle/>
-                    <a:p>
-                      <a:endParaRPr lang="en-US" dirty="0"/>
-                    </a:p>
-                  </a:txBody>
-                  <a:tcPr/>
-                </a:tc>
-                <a:tc>
-                  <a:txBody>
-                    <a:bodyPr/>
-                    <a:lstStyle/>
-                    <a:p>
-                      <a:endParaRPr lang="en-US" dirty="0"/>
-                    </a:p>
-                  </a:txBody>
-                  <a:tcPr/>
-                </a:tc>
-                <a:tc>
-                  <a:txBody>
-                    <a:bodyPr/>
-                    <a:lstStyle/>
-                    <a:p>
-                      <a:endParaRPr lang="en-US" dirty="0"/>
-                    </a:p>
-                  </a:txBody>
-                  <a:tcPr/>
-                </a:tc>
-                <a:extLst>
-                  <a:ext uri="{0D108BD9-81ED-4DB2-BD59-A6C34878D82A}">
-                    <a16:rowId xmlns:a16="http://schemas.microsoft.com/office/drawing/2014/main" val="464696613"/>
-                  </a:ext>
-                </a:extLst>
-              </a:tr>
-              <a:tr h="820889">
-                <a:tc>
-                  <a:txBody>
-                    <a:bodyPr/>
-                    <a:lstStyle/>
-                    <a:p>
-                      <a:endParaRPr lang="en-US" dirty="0"/>
-                    </a:p>
-                  </a:txBody>
-                  <a:tcPr/>
-                </a:tc>
-                <a:tc>
-                  <a:txBody>
-                    <a:bodyPr/>
-                    <a:lstStyle/>
-                    <a:p>
-                      <a:endParaRPr lang="en-US" dirty="0"/>
-                    </a:p>
-                  </a:txBody>
-                  <a:tcPr/>
-                </a:tc>
-                <a:tc>
-                  <a:txBody>
-                    <a:bodyPr/>
-                    <a:lstStyle/>
-                    <a:p>
-                      <a:endParaRPr lang="en-US" dirty="0"/>
-                    </a:p>
-                  </a:txBody>
-                  <a:tcPr/>
-                </a:tc>
-                <a:tc>
-                  <a:txBody>
-                    <a:bodyPr/>
-                    <a:lstStyle/>
-                    <a:p>
-                      <a:endParaRPr lang="en-US" dirty="0"/>
-                    </a:p>
-                  </a:txBody>
-                  <a:tcPr/>
-                </a:tc>
-                <a:extLst>
-                  <a:ext uri="{0D108BD9-81ED-4DB2-BD59-A6C34878D82A}">
-                    <a16:rowId xmlns:a16="http://schemas.microsoft.com/office/drawing/2014/main" val="3913006389"/>
-                  </a:ext>
-                </a:extLst>
-              </a:tr>
-            </a:tbl>
-          </a:graphicData>
-        </a:graphic>
-      </p:graphicFrame>
-    </p:spTree>
-    <p:extLst>
-      <p:ext uri="{BB962C8B-B14F-4D97-AF65-F5344CB8AC3E}">
-        <p14:creationId xmlns:p14="http://schemas.microsoft.com/office/powerpoint/2010/main" val="753807649"/>
-      </p:ext>
-    </p:extLst>
-  </p:cSld>
-  <p:clrMapOvr>
-    <a:masterClrMapping/>
-  </p:clrMapOvr>
-</p:sld>
-</file>
-
-<file path=ppt/slides/slide6.xml><?xml version="1.0" encoding="utf-8"?>
-<p:sld xmlns:a="http://schemas.openxmlformats.org/drawingml/2006/main" xmlns:r="http://schemas.openxmlformats.org/officeDocument/2006/relationships" xmlns:p="http://schemas.openxmlformats.org/presentationml/2006/main">
-  <p:cSld>
-    <p:spTree>
-      <p:nvGrpSpPr>
-        <p:cNvPr id="1" name=""/>
-        <p:cNvGrpSpPr/>
-        <p:nvPr/>
-      </p:nvGrpSpPr>
-      <p:grpSpPr>
-        <a:xfrm>
-          <a:off x="0" y="0"/>
-          <a:ext cx="0" cy="0"/>
-          <a:chOff x="0" y="0"/>
-          <a:chExt cx="0" cy="0"/>
-        </a:xfrm>
-      </p:grpSpPr>
-      <p:sp>
-        <p:nvSpPr>
-          <p:cNvPr id="2" name="Title 1">
-            <a:extLst>
-              <a:ext uri="{FF2B5EF4-FFF2-40B4-BE49-F238E27FC236}">
-                <a16:creationId xmlns:a16="http://schemas.microsoft.com/office/drawing/2014/main" id="{E0F81C4D-916B-D03A-1DAF-DB9C7F4F9487}"/>
-              </a:ext>
-            </a:extLst>
-          </p:cNvPr>
-          <p:cNvSpPr>
-            <a:spLocks noGrp="1"/>
-          </p:cNvSpPr>
-          <p:nvPr>
-            <p:ph type="title"/>
-          </p:nvPr>
-        </p:nvSpPr>
-        <p:spPr/>
-        <p:txBody>
-          <a:bodyPr/>
-          <a:lstStyle/>
-          <a:p>
-            <a:r>
-              <a:rPr lang="en-US" dirty="0"/>
-              <a:t>More Step Prediction</a:t>
-            </a:r>
-          </a:p>
-        </p:txBody>
-      </p:sp>
-      <p:sp>
-        <p:nvSpPr>
-          <p:cNvPr id="3" name="Text Placeholder 2">
-            <a:extLst>
-              <a:ext uri="{FF2B5EF4-FFF2-40B4-BE49-F238E27FC236}">
-                <a16:creationId xmlns:a16="http://schemas.microsoft.com/office/drawing/2014/main" id="{074A2FDA-9CBE-30CD-945F-ACCE93068C5B}"/>
-              </a:ext>
-            </a:extLst>
-          </p:cNvPr>
-          <p:cNvSpPr>
-            <a:spLocks noGrp="1"/>
-          </p:cNvSpPr>
-          <p:nvPr>
-            <p:ph type="body" idx="1"/>
-          </p:nvPr>
-        </p:nvSpPr>
-        <p:spPr/>
-        <p:txBody>
-          <a:bodyPr/>
-          <a:lstStyle/>
-          <a:p>
-            <a:endParaRPr lang="en-US" dirty="0"/>
-          </a:p>
-        </p:txBody>
-      </p:sp>
-    </p:spTree>
-    <p:extLst>
-      <p:ext uri="{BB962C8B-B14F-4D97-AF65-F5344CB8AC3E}">
-        <p14:creationId xmlns:p14="http://schemas.microsoft.com/office/powerpoint/2010/main" val="3899765202"/>
-      </p:ext>
-    </p:extLst>
-  </p:cSld>
-  <p:clrMapOvr>
-    <a:masterClrMapping/>
-  </p:clrMapOvr>
-</p:sld>
-</file>
-
-<file path=ppt/slides/slide7.xml><?xml version="1.0" encoding="utf-8"?>
-<p:sld xmlns:a="http://schemas.openxmlformats.org/drawingml/2006/main" xmlns:r="http://schemas.openxmlformats.org/officeDocument/2006/relationships" xmlns:p="http://schemas.openxmlformats.org/presentationml/2006/main">
-  <p:cSld>
-    <p:spTree>
-      <p:nvGrpSpPr>
-        <p:cNvPr id="1" name=""/>
-        <p:cNvGrpSpPr/>
-        <p:nvPr/>
-      </p:nvGrpSpPr>
-      <p:grpSpPr>
-        <a:xfrm>
-          <a:off x="0" y="0"/>
-          <a:ext cx="0" cy="0"/>
-          <a:chOff x="0" y="0"/>
-          <a:chExt cx="0" cy="0"/>
-        </a:xfrm>
-      </p:grpSpPr>
-      <p:sp>
-        <p:nvSpPr>
-          <p:cNvPr id="2" name="Title 1">
-            <a:extLst>
-              <a:ext uri="{FF2B5EF4-FFF2-40B4-BE49-F238E27FC236}">
-                <a16:creationId xmlns:a16="http://schemas.microsoft.com/office/drawing/2014/main" id="{6D44363F-DD24-90B0-7754-FD273CADA434}"/>
-              </a:ext>
-            </a:extLst>
-          </p:cNvPr>
-          <p:cNvSpPr>
-            <a:spLocks noGrp="1"/>
-          </p:cNvSpPr>
-          <p:nvPr>
-            <p:ph type="title"/>
-          </p:nvPr>
-        </p:nvSpPr>
-        <p:spPr/>
-        <p:txBody>
-          <a:bodyPr/>
-          <a:lstStyle/>
-          <a:p>
-            <a:r>
-              <a:rPr lang="en-US" dirty="0"/>
-              <a:t>Setup</a:t>
-            </a:r>
-          </a:p>
-        </p:txBody>
-      </p:sp>
-      <p:sp>
-        <p:nvSpPr>
-          <p:cNvPr id="3" name="Content Placeholder 2">
-            <a:extLst>
-              <a:ext uri="{FF2B5EF4-FFF2-40B4-BE49-F238E27FC236}">
-                <a16:creationId xmlns:a16="http://schemas.microsoft.com/office/drawing/2014/main" id="{61CBBBB6-5391-30C2-006E-6D2F177A1D8B}"/>
-              </a:ext>
-            </a:extLst>
-          </p:cNvPr>
-          <p:cNvSpPr>
-            <a:spLocks noGrp="1"/>
-          </p:cNvSpPr>
-          <p:nvPr>
-            <p:ph idx="1"/>
-          </p:nvPr>
-        </p:nvSpPr>
-        <p:spPr/>
-        <p:txBody>
-          <a:bodyPr/>
-          <a:lstStyle/>
-          <a:p>
-            <a:r>
-              <a:rPr lang="en-US" dirty="0"/>
-              <a:t>Step1-Full</a:t>
-            </a:r>
-          </a:p>
-          <a:p>
-            <a:pPr lvl="1"/>
-            <a:r>
-              <a:rPr lang="en-US" dirty="0"/>
-              <a:t>Use ICL with all intermediates listed + product</a:t>
-            </a:r>
-          </a:p>
-          <a:p>
-            <a:r>
-              <a:rPr lang="en-US" dirty="0"/>
-              <a:t>Step2</a:t>
-            </a:r>
-          </a:p>
-          <a:p>
-            <a:pPr lvl="1"/>
-            <a:r>
-              <a:rPr lang="en-US" dirty="0"/>
-              <a:t>Use ICL w/ all intermediates listed + products</a:t>
-            </a:r>
-          </a:p>
-          <a:p>
-            <a:pPr lvl="1"/>
-            <a:r>
-              <a:rPr lang="en-US" dirty="0"/>
-              <a:t>Include true intermediate1 of test sample.</a:t>
-            </a:r>
-          </a:p>
-          <a:p>
-            <a:r>
-              <a:rPr lang="en-US" dirty="0"/>
-              <a:t>Step2-Partial</a:t>
-            </a:r>
-          </a:p>
-          <a:p>
-            <a:pPr lvl="1"/>
-            <a:r>
-              <a:rPr lang="en-US" dirty="0"/>
-              <a:t>ICL with only up to 2 intermediates</a:t>
-            </a:r>
-          </a:p>
-        </p:txBody>
-      </p:sp>
-    </p:spTree>
-    <p:extLst>
-      <p:ext uri="{BB962C8B-B14F-4D97-AF65-F5344CB8AC3E}">
-        <p14:creationId xmlns:p14="http://schemas.microsoft.com/office/powerpoint/2010/main" val="1525024875"/>
-      </p:ext>
-    </p:extLst>
-  </p:cSld>
-  <p:clrMapOvr>
-    <a:masterClrMapping/>
-  </p:clrMapOvr>
-</p:sld>
-</file>
-
-<file path=ppt/slides/slide8.xml><?xml version="1.0" encoding="utf-8"?>
-<p:sld xmlns:a="http://schemas.openxmlformats.org/drawingml/2006/main" xmlns:r="http://schemas.openxmlformats.org/officeDocument/2006/relationships" xmlns:p="http://schemas.openxmlformats.org/presentationml/2006/main">
-  <p:cSld>
-    <p:spTree>
-      <p:nvGrpSpPr>
-        <p:cNvPr id="1" name=""/>
-        <p:cNvGrpSpPr/>
-        <p:nvPr/>
-      </p:nvGrpSpPr>
-      <p:grpSpPr>
-        <a:xfrm>
-          <a:off x="0" y="0"/>
-          <a:ext cx="0" cy="0"/>
-          <a:chOff x="0" y="0"/>
-          <a:chExt cx="0" cy="0"/>
-        </a:xfrm>
-      </p:grpSpPr>
-      <p:graphicFrame>
-        <p:nvGraphicFramePr>
-          <p:cNvPr id="4" name="Content Placeholder 3">
-            <a:extLst>
-              <a:ext uri="{FF2B5EF4-FFF2-40B4-BE49-F238E27FC236}">
-                <a16:creationId xmlns:a16="http://schemas.microsoft.com/office/drawing/2014/main" id="{99E3EDE9-3C1D-6865-CDE6-94D4849DD4C8}"/>
-              </a:ext>
-            </a:extLst>
-          </p:cNvPr>
-          <p:cNvGraphicFramePr>
-            <a:graphicFrameLocks noGrp="1"/>
-          </p:cNvGraphicFramePr>
-          <p:nvPr>
-            <p:ph idx="1"/>
-            <p:extLst>
-              <p:ext uri="{D42A27DB-BD31-4B8C-83A1-F6EECF244321}">
-                <p14:modId xmlns:p14="http://schemas.microsoft.com/office/powerpoint/2010/main" val="771824641"/>
+                <p14:modId xmlns:p14="http://schemas.microsoft.com/office/powerpoint/2010/main" val="239219682"/>
               </p:ext>
             </p:extLst>
           </p:nvPr>
@@ -4812,7 +3553,7 @@
                     <a:p>
                       <a:r>
                         <a:rPr lang="en-US" dirty="0"/>
-                        <a:t>Step1 Full(k = 5) </a:t>
+                        <a:t>Step 2 (string addition)</a:t>
                       </a:r>
                     </a:p>
                   </a:txBody>
@@ -4838,20 +3579,20 @@
                     <a:p>
                       <a:r>
                         <a:rPr lang="en-US" dirty="0"/>
-                        <a:t>11</a:t>
-                      </a:r>
-                    </a:p>
-                  </a:txBody>
-                  <a:tcPr/>
-                </a:tc>
-                <a:tc>
-                  <a:txBody>
-                    <a:bodyPr/>
-                    <a:lstStyle/>
-                    <a:p>
-                      <a:r>
-                        <a:rPr lang="en-US" dirty="0"/>
-                        <a:t>4</a:t>
+                        <a:t>7</a:t>
+                      </a:r>
+                    </a:p>
+                  </a:txBody>
+                  <a:tcPr/>
+                </a:tc>
+                <a:tc>
+                  <a:txBody>
+                    <a:bodyPr/>
+                    <a:lstStyle/>
+                    <a:p>
+                      <a:r>
+                        <a:rPr lang="en-US" dirty="0"/>
+                        <a:t>2</a:t>
                       </a:r>
                     </a:p>
                   </a:txBody>
@@ -4869,49 +3610,37 @@
                     <a:bodyPr/>
                     <a:lstStyle/>
                     <a:p>
-                      <a:r>
-                        <a:rPr lang="en-US" dirty="0"/>
-                        <a:t>Step2 – Given Intermediate 1</a:t>
-                      </a:r>
-                    </a:p>
-                  </a:txBody>
-                  <a:tcPr/>
-                </a:tc>
-                <a:tc>
-                  <a:txBody>
-                    <a:bodyPr/>
-                    <a:lstStyle/>
-                    <a:p>
-                      <a:r>
-                        <a:rPr lang="en-US" dirty="0"/>
-                        <a:t>GPT-4</a:t>
-                      </a:r>
-                    </a:p>
-                  </a:txBody>
-                  <a:tcPr/>
-                </a:tc>
-                <a:tc>
-                  <a:txBody>
-                    <a:bodyPr/>
-                    <a:lstStyle/>
-                    <a:p>
-                      <a:r>
-                        <a:rPr lang="en-US" dirty="0"/>
-                        <a:t>1</a:t>
-                      </a:r>
-                    </a:p>
-                  </a:txBody>
-                  <a:tcPr/>
-                </a:tc>
-                <a:tc>
-                  <a:txBody>
-                    <a:bodyPr/>
-                    <a:lstStyle/>
-                    <a:p>
-                      <a:r>
-                        <a:rPr lang="en-US" dirty="0"/>
-                        <a:t>1</a:t>
-                      </a:r>
+                      <a:endParaRPr lang="en-US" dirty="0"/>
+                    </a:p>
+                  </a:txBody>
+                  <a:tcPr/>
+                </a:tc>
+                <a:tc>
+                  <a:txBody>
+                    <a:bodyPr/>
+                    <a:lstStyle/>
+                    <a:p>
+                      <a:endParaRPr lang="en-US" dirty="0"/>
+                    </a:p>
+                  </a:txBody>
+                  <a:tcPr/>
+                </a:tc>
+                <a:tc>
+                  <a:txBody>
+                    <a:bodyPr/>
+                    <a:lstStyle/>
+                    <a:p>
+                      <a:endParaRPr lang="en-US" dirty="0"/>
+                    </a:p>
+                  </a:txBody>
+                  <a:tcPr/>
+                </a:tc>
+                <a:tc>
+                  <a:txBody>
+                    <a:bodyPr/>
+                    <a:lstStyle/>
+                    <a:p>
+                      <a:endParaRPr lang="en-US" dirty="0"/>
                     </a:p>
                   </a:txBody>
                   <a:tcPr/>
@@ -4928,49 +3657,37 @@
                     <a:bodyPr/>
                     <a:lstStyle/>
                     <a:p>
-                      <a:r>
-                        <a:rPr lang="en-US" dirty="0"/>
-                        <a:t>Step2 Partial</a:t>
-                      </a:r>
-                    </a:p>
-                  </a:txBody>
-                  <a:tcPr/>
-                </a:tc>
-                <a:tc>
-                  <a:txBody>
-                    <a:bodyPr/>
-                    <a:lstStyle/>
-                    <a:p>
-                      <a:r>
-                        <a:rPr lang="en-US" dirty="0"/>
-                        <a:t>GPT-4</a:t>
-                      </a:r>
-                    </a:p>
-                  </a:txBody>
-                  <a:tcPr/>
-                </a:tc>
-                <a:tc>
-                  <a:txBody>
-                    <a:bodyPr/>
-                    <a:lstStyle/>
-                    <a:p>
-                      <a:r>
-                        <a:rPr lang="en-US" dirty="0"/>
-                        <a:t>0</a:t>
-                      </a:r>
-                    </a:p>
-                  </a:txBody>
-                  <a:tcPr/>
-                </a:tc>
-                <a:tc>
-                  <a:txBody>
-                    <a:bodyPr/>
-                    <a:lstStyle/>
-                    <a:p>
-                      <a:r>
-                        <a:rPr lang="en-US" dirty="0"/>
-                        <a:t>1</a:t>
-                      </a:r>
+                      <a:endParaRPr lang="en-US" dirty="0"/>
+                    </a:p>
+                  </a:txBody>
+                  <a:tcPr/>
+                </a:tc>
+                <a:tc>
+                  <a:txBody>
+                    <a:bodyPr/>
+                    <a:lstStyle/>
+                    <a:p>
+                      <a:endParaRPr lang="en-US" dirty="0"/>
+                    </a:p>
+                  </a:txBody>
+                  <a:tcPr/>
+                </a:tc>
+                <a:tc>
+                  <a:txBody>
+                    <a:bodyPr/>
+                    <a:lstStyle/>
+                    <a:p>
+                      <a:endParaRPr lang="en-US" dirty="0"/>
+                    </a:p>
+                  </a:txBody>
+                  <a:tcPr/>
+                </a:tc>
+                <a:tc>
+                  <a:txBody>
+                    <a:bodyPr/>
+                    <a:lstStyle/>
+                    <a:p>
+                      <a:endParaRPr lang="en-US" dirty="0"/>
                     </a:p>
                   </a:txBody>
                   <a:tcPr/>
@@ -5082,7 +3799,2723 @@
     </p:spTree>
     <p:extLst>
       <p:ext uri="{BB962C8B-B14F-4D97-AF65-F5344CB8AC3E}">
-        <p14:creationId xmlns:p14="http://schemas.microsoft.com/office/powerpoint/2010/main" val="2852149033"/>
+        <p14:creationId xmlns:p14="http://schemas.microsoft.com/office/powerpoint/2010/main" val="1690523873"/>
+      </p:ext>
+    </p:extLst>
+  </p:cSld>
+  <p:clrMapOvr>
+    <a:masterClrMapping/>
+  </p:clrMapOvr>
+</p:sld>
+</file>
+
+<file path=ppt/slides/slide11.xml><?xml version="1.0" encoding="utf-8"?>
+<p:sld xmlns:a="http://schemas.openxmlformats.org/drawingml/2006/main" xmlns:r="http://schemas.openxmlformats.org/officeDocument/2006/relationships" xmlns:p="http://schemas.openxmlformats.org/presentationml/2006/main">
+  <p:cSld>
+    <p:spTree>
+      <p:nvGrpSpPr>
+        <p:cNvPr id="1" name=""/>
+        <p:cNvGrpSpPr/>
+        <p:nvPr/>
+      </p:nvGrpSpPr>
+      <p:grpSpPr>
+        <a:xfrm>
+          <a:off x="0" y="0"/>
+          <a:ext cx="0" cy="0"/>
+          <a:chOff x="0" y="0"/>
+          <a:chExt cx="0" cy="0"/>
+        </a:xfrm>
+      </p:grpSpPr>
+      <p:sp>
+        <p:nvSpPr>
+          <p:cNvPr id="2" name="Title 1">
+            <a:extLst>
+              <a:ext uri="{FF2B5EF4-FFF2-40B4-BE49-F238E27FC236}">
+                <a16:creationId xmlns:a16="http://schemas.microsoft.com/office/drawing/2014/main" id="{E0F81C4D-916B-D03A-1DAF-DB9C7F4F9487}"/>
+              </a:ext>
+            </a:extLst>
+          </p:cNvPr>
+          <p:cNvSpPr>
+            <a:spLocks noGrp="1"/>
+          </p:cNvSpPr>
+          <p:nvPr>
+            <p:ph type="title"/>
+          </p:nvPr>
+        </p:nvSpPr>
+        <p:spPr/>
+        <p:txBody>
+          <a:bodyPr/>
+          <a:lstStyle/>
+          <a:p>
+            <a:r>
+              <a:rPr lang="en-US" dirty="0" err="1"/>
+              <a:t>CoT</a:t>
+            </a:r>
+            <a:endParaRPr lang="en-US" dirty="0"/>
+          </a:p>
+        </p:txBody>
+      </p:sp>
+      <p:sp>
+        <p:nvSpPr>
+          <p:cNvPr id="3" name="Text Placeholder 2">
+            <a:extLst>
+              <a:ext uri="{FF2B5EF4-FFF2-40B4-BE49-F238E27FC236}">
+                <a16:creationId xmlns:a16="http://schemas.microsoft.com/office/drawing/2014/main" id="{074A2FDA-9CBE-30CD-945F-ACCE93068C5B}"/>
+              </a:ext>
+            </a:extLst>
+          </p:cNvPr>
+          <p:cNvSpPr>
+            <a:spLocks noGrp="1"/>
+          </p:cNvSpPr>
+          <p:nvPr>
+            <p:ph type="body" idx="1"/>
+          </p:nvPr>
+        </p:nvSpPr>
+        <p:spPr/>
+        <p:txBody>
+          <a:bodyPr/>
+          <a:lstStyle/>
+          <a:p>
+            <a:endParaRPr lang="en-US" dirty="0"/>
+          </a:p>
+        </p:txBody>
+      </p:sp>
+    </p:spTree>
+    <p:extLst>
+      <p:ext uri="{BB962C8B-B14F-4D97-AF65-F5344CB8AC3E}">
+        <p14:creationId xmlns:p14="http://schemas.microsoft.com/office/powerpoint/2010/main" val="1402137188"/>
+      </p:ext>
+    </p:extLst>
+  </p:cSld>
+  <p:clrMapOvr>
+    <a:masterClrMapping/>
+  </p:clrMapOvr>
+</p:sld>
+</file>
+
+<file path=ppt/slides/slide12.xml><?xml version="1.0" encoding="utf-8"?>
+<p:sld xmlns:a="http://schemas.openxmlformats.org/drawingml/2006/main" xmlns:r="http://schemas.openxmlformats.org/officeDocument/2006/relationships" xmlns:p="http://schemas.openxmlformats.org/presentationml/2006/main">
+  <p:cSld>
+    <p:spTree>
+      <p:nvGrpSpPr>
+        <p:cNvPr id="1" name=""/>
+        <p:cNvGrpSpPr/>
+        <p:nvPr/>
+      </p:nvGrpSpPr>
+      <p:grpSpPr>
+        <a:xfrm>
+          <a:off x="0" y="0"/>
+          <a:ext cx="0" cy="0"/>
+          <a:chOff x="0" y="0"/>
+          <a:chExt cx="0" cy="0"/>
+        </a:xfrm>
+      </p:grpSpPr>
+      <p:sp>
+        <p:nvSpPr>
+          <p:cNvPr id="2" name="Title 1">
+            <a:extLst>
+              <a:ext uri="{FF2B5EF4-FFF2-40B4-BE49-F238E27FC236}">
+                <a16:creationId xmlns:a16="http://schemas.microsoft.com/office/drawing/2014/main" id="{CC50B107-F44D-CF37-0B17-DC71597C7307}"/>
+              </a:ext>
+            </a:extLst>
+          </p:cNvPr>
+          <p:cNvSpPr>
+            <a:spLocks noGrp="1"/>
+          </p:cNvSpPr>
+          <p:nvPr>
+            <p:ph type="title"/>
+          </p:nvPr>
+        </p:nvSpPr>
+        <p:spPr/>
+        <p:txBody>
+          <a:bodyPr/>
+          <a:lstStyle/>
+          <a:p>
+            <a:r>
+              <a:rPr lang="en-US" dirty="0"/>
+              <a:t>Methods</a:t>
+            </a:r>
+          </a:p>
+        </p:txBody>
+      </p:sp>
+      <p:sp>
+        <p:nvSpPr>
+          <p:cNvPr id="3" name="Content Placeholder 2">
+            <a:extLst>
+              <a:ext uri="{FF2B5EF4-FFF2-40B4-BE49-F238E27FC236}">
+                <a16:creationId xmlns:a16="http://schemas.microsoft.com/office/drawing/2014/main" id="{7BABD31A-3258-6BE4-CA21-74ADEBD7DE3D}"/>
+              </a:ext>
+            </a:extLst>
+          </p:cNvPr>
+          <p:cNvSpPr>
+            <a:spLocks noGrp="1"/>
+          </p:cNvSpPr>
+          <p:nvPr>
+            <p:ph idx="1"/>
+          </p:nvPr>
+        </p:nvSpPr>
+        <p:spPr/>
+        <p:txBody>
+          <a:bodyPr/>
+          <a:lstStyle/>
+          <a:p>
+            <a:r>
+              <a:rPr lang="en-US" dirty="0" err="1"/>
+              <a:t>CoT</a:t>
+            </a:r>
+            <a:endParaRPr lang="en-US" dirty="0"/>
+          </a:p>
+          <a:p>
+            <a:pPr lvl="1"/>
+            <a:r>
+              <a:rPr lang="en-US" dirty="0"/>
+              <a:t>Ask GPT to fill in all intermediates and product</a:t>
+            </a:r>
+          </a:p>
+          <a:p>
+            <a:r>
+              <a:rPr lang="en-US" dirty="0" err="1"/>
+              <a:t>CoT</a:t>
+            </a:r>
+            <a:r>
+              <a:rPr lang="en-US" dirty="0"/>
+              <a:t> (product only)</a:t>
+            </a:r>
+          </a:p>
+          <a:p>
+            <a:pPr lvl="1"/>
+            <a:r>
+              <a:rPr lang="en-US" dirty="0"/>
+              <a:t>Ask GPT to only fill in product</a:t>
+            </a:r>
+          </a:p>
+          <a:p>
+            <a:r>
+              <a:rPr lang="en-US" dirty="0" err="1"/>
+              <a:t>CoT</a:t>
+            </a:r>
+            <a:r>
+              <a:rPr lang="en-US" dirty="0"/>
+              <a:t> (specific)</a:t>
+            </a:r>
+          </a:p>
+          <a:p>
+            <a:pPr lvl="1"/>
+            <a:r>
+              <a:rPr lang="en-US" dirty="0"/>
+              <a:t>Give GPT knowledge of LEF</a:t>
+            </a:r>
+          </a:p>
+          <a:p>
+            <a:r>
+              <a:rPr lang="en-US" dirty="0" err="1"/>
+              <a:t>CoT</a:t>
+            </a:r>
+            <a:r>
+              <a:rPr lang="en-US" dirty="0"/>
+              <a:t> (Natural Language)</a:t>
+            </a:r>
+          </a:p>
+          <a:p>
+            <a:pPr lvl="1"/>
+            <a:r>
+              <a:rPr lang="en-US" dirty="0"/>
+              <a:t>Turn </a:t>
+            </a:r>
+            <a:r>
+              <a:rPr lang="en-US" dirty="0" err="1"/>
+              <a:t>CoT</a:t>
+            </a:r>
+            <a:r>
+              <a:rPr lang="en-US" dirty="0"/>
+              <a:t> into more natural language.</a:t>
+            </a:r>
+          </a:p>
+        </p:txBody>
+      </p:sp>
+    </p:spTree>
+    <p:extLst>
+      <p:ext uri="{BB962C8B-B14F-4D97-AF65-F5344CB8AC3E}">
+        <p14:creationId xmlns:p14="http://schemas.microsoft.com/office/powerpoint/2010/main" val="1037098716"/>
+      </p:ext>
+    </p:extLst>
+  </p:cSld>
+  <p:clrMapOvr>
+    <a:masterClrMapping/>
+  </p:clrMapOvr>
+</p:sld>
+</file>
+
+<file path=ppt/slides/slide13.xml><?xml version="1.0" encoding="utf-8"?>
+<p:sld xmlns:a="http://schemas.openxmlformats.org/drawingml/2006/main" xmlns:r="http://schemas.openxmlformats.org/officeDocument/2006/relationships" xmlns:p="http://schemas.openxmlformats.org/presentationml/2006/main">
+  <p:cSld>
+    <p:spTree>
+      <p:nvGrpSpPr>
+        <p:cNvPr id="1" name=""/>
+        <p:cNvGrpSpPr/>
+        <p:nvPr/>
+      </p:nvGrpSpPr>
+      <p:grpSpPr>
+        <a:xfrm>
+          <a:off x="0" y="0"/>
+          <a:ext cx="0" cy="0"/>
+          <a:chOff x="0" y="0"/>
+          <a:chExt cx="0" cy="0"/>
+        </a:xfrm>
+      </p:grpSpPr>
+      <p:graphicFrame>
+        <p:nvGraphicFramePr>
+          <p:cNvPr id="4" name="Content Placeholder 3">
+            <a:extLst>
+              <a:ext uri="{FF2B5EF4-FFF2-40B4-BE49-F238E27FC236}">
+                <a16:creationId xmlns:a16="http://schemas.microsoft.com/office/drawing/2014/main" id="{99E3EDE9-3C1D-6865-CDE6-94D4849DD4C8}"/>
+              </a:ext>
+            </a:extLst>
+          </p:cNvPr>
+          <p:cNvGraphicFramePr>
+            <a:graphicFrameLocks noGrp="1"/>
+          </p:cNvGraphicFramePr>
+          <p:nvPr>
+            <p:ph idx="1"/>
+            <p:extLst>
+              <p:ext uri="{D42A27DB-BD31-4B8C-83A1-F6EECF244321}">
+                <p14:modId xmlns:p14="http://schemas.microsoft.com/office/powerpoint/2010/main" val="3363804818"/>
+              </p:ext>
+            </p:extLst>
+          </p:nvPr>
+        </p:nvGraphicFramePr>
+        <p:xfrm>
+          <a:off x="768626" y="384451"/>
+          <a:ext cx="10279744" cy="4925334"/>
+        </p:xfrm>
+        <a:graphic>
+          <a:graphicData uri="http://schemas.openxmlformats.org/drawingml/2006/table">
+            <a:tbl>
+              <a:tblPr firstRow="1" bandRow="1">
+                <a:tableStyleId>{5C22544A-7EE6-4342-B048-85BDC9FD1C3A}</a:tableStyleId>
+              </a:tblPr>
+              <a:tblGrid>
+                <a:gridCol w="2569936">
+                  <a:extLst>
+                    <a:ext uri="{9D8B030D-6E8A-4147-A177-3AD203B41FA5}">
+                      <a16:colId xmlns:a16="http://schemas.microsoft.com/office/drawing/2014/main" val="963128114"/>
+                    </a:ext>
+                  </a:extLst>
+                </a:gridCol>
+                <a:gridCol w="2569936">
+                  <a:extLst>
+                    <a:ext uri="{9D8B030D-6E8A-4147-A177-3AD203B41FA5}">
+                      <a16:colId xmlns:a16="http://schemas.microsoft.com/office/drawing/2014/main" val="960655308"/>
+                    </a:ext>
+                  </a:extLst>
+                </a:gridCol>
+                <a:gridCol w="2569936">
+                  <a:extLst>
+                    <a:ext uri="{9D8B030D-6E8A-4147-A177-3AD203B41FA5}">
+                      <a16:colId xmlns:a16="http://schemas.microsoft.com/office/drawing/2014/main" val="676507202"/>
+                    </a:ext>
+                  </a:extLst>
+                </a:gridCol>
+                <a:gridCol w="2569936">
+                  <a:extLst>
+                    <a:ext uri="{9D8B030D-6E8A-4147-A177-3AD203B41FA5}">
+                      <a16:colId xmlns:a16="http://schemas.microsoft.com/office/drawing/2014/main" val="938938723"/>
+                    </a:ext>
+                  </a:extLst>
+                </a:gridCol>
+              </a:tblGrid>
+              <a:tr h="820889">
+                <a:tc>
+                  <a:txBody>
+                    <a:bodyPr/>
+                    <a:lstStyle/>
+                    <a:p>
+                      <a:r>
+                        <a:rPr lang="en-US" dirty="0"/>
+                        <a:t>Method (20 test samples)</a:t>
+                      </a:r>
+                    </a:p>
+                  </a:txBody>
+                  <a:tcPr/>
+                </a:tc>
+                <a:tc>
+                  <a:txBody>
+                    <a:bodyPr/>
+                    <a:lstStyle/>
+                    <a:p>
+                      <a:r>
+                        <a:rPr lang="en-US" dirty="0"/>
+                        <a:t>Model</a:t>
+                      </a:r>
+                    </a:p>
+                  </a:txBody>
+                  <a:tcPr/>
+                </a:tc>
+                <a:tc>
+                  <a:txBody>
+                    <a:bodyPr/>
+                    <a:lstStyle/>
+                    <a:p>
+                      <a:r>
+                        <a:rPr lang="en-US" dirty="0"/>
+                        <a:t>Top1</a:t>
+                      </a:r>
+                    </a:p>
+                  </a:txBody>
+                  <a:tcPr/>
+                </a:tc>
+                <a:tc>
+                  <a:txBody>
+                    <a:bodyPr/>
+                    <a:lstStyle/>
+                    <a:p>
+                      <a:r>
+                        <a:rPr lang="en-US" dirty="0"/>
+                        <a:t># Invalid</a:t>
+                      </a:r>
+                    </a:p>
+                  </a:txBody>
+                  <a:tcPr/>
+                </a:tc>
+                <a:extLst>
+                  <a:ext uri="{0D108BD9-81ED-4DB2-BD59-A6C34878D82A}">
+                    <a16:rowId xmlns:a16="http://schemas.microsoft.com/office/drawing/2014/main" val="113282996"/>
+                  </a:ext>
+                </a:extLst>
+              </a:tr>
+              <a:tr h="820889">
+                <a:tc>
+                  <a:txBody>
+                    <a:bodyPr/>
+                    <a:lstStyle/>
+                    <a:p>
+                      <a:r>
+                        <a:rPr lang="en-US" dirty="0" err="1"/>
+                        <a:t>CoT</a:t>
+                      </a:r>
+                      <a:endParaRPr lang="en-US" dirty="0"/>
+                    </a:p>
+                  </a:txBody>
+                  <a:tcPr/>
+                </a:tc>
+                <a:tc>
+                  <a:txBody>
+                    <a:bodyPr/>
+                    <a:lstStyle/>
+                    <a:p>
+                      <a:r>
+                        <a:rPr lang="en-US" dirty="0"/>
+                        <a:t>GPT-4</a:t>
+                      </a:r>
+                    </a:p>
+                  </a:txBody>
+                  <a:tcPr/>
+                </a:tc>
+                <a:tc>
+                  <a:txBody>
+                    <a:bodyPr/>
+                    <a:lstStyle/>
+                    <a:p>
+                      <a:r>
+                        <a:rPr lang="en-US" dirty="0"/>
+                        <a:t>4</a:t>
+                      </a:r>
+                    </a:p>
+                  </a:txBody>
+                  <a:tcPr/>
+                </a:tc>
+                <a:tc>
+                  <a:txBody>
+                    <a:bodyPr/>
+                    <a:lstStyle/>
+                    <a:p>
+                      <a:r>
+                        <a:rPr lang="en-US" dirty="0"/>
+                        <a:t>6</a:t>
+                      </a:r>
+                    </a:p>
+                  </a:txBody>
+                  <a:tcPr/>
+                </a:tc>
+                <a:extLst>
+                  <a:ext uri="{0D108BD9-81ED-4DB2-BD59-A6C34878D82A}">
+                    <a16:rowId xmlns:a16="http://schemas.microsoft.com/office/drawing/2014/main" val="1962525592"/>
+                  </a:ext>
+                </a:extLst>
+              </a:tr>
+              <a:tr h="820889">
+                <a:tc>
+                  <a:txBody>
+                    <a:bodyPr/>
+                    <a:lstStyle/>
+                    <a:p>
+                      <a:r>
+                        <a:rPr lang="en-US" dirty="0" err="1"/>
+                        <a:t>CoT</a:t>
+                      </a:r>
+                      <a:r>
+                        <a:rPr lang="en-US" dirty="0"/>
+                        <a:t> (Product)</a:t>
+                      </a:r>
+                    </a:p>
+                  </a:txBody>
+                  <a:tcPr/>
+                </a:tc>
+                <a:tc>
+                  <a:txBody>
+                    <a:bodyPr/>
+                    <a:lstStyle/>
+                    <a:p>
+                      <a:r>
+                        <a:rPr lang="en-US" dirty="0"/>
+                        <a:t>GPT-4</a:t>
+                      </a:r>
+                    </a:p>
+                  </a:txBody>
+                  <a:tcPr/>
+                </a:tc>
+                <a:tc>
+                  <a:txBody>
+                    <a:bodyPr/>
+                    <a:lstStyle/>
+                    <a:p>
+                      <a:r>
+                        <a:rPr lang="en-US" dirty="0"/>
+                        <a:t>7</a:t>
+                      </a:r>
+                    </a:p>
+                  </a:txBody>
+                  <a:tcPr/>
+                </a:tc>
+                <a:tc>
+                  <a:txBody>
+                    <a:bodyPr/>
+                    <a:lstStyle/>
+                    <a:p>
+                      <a:r>
+                        <a:rPr lang="en-US" dirty="0"/>
+                        <a:t>5</a:t>
+                      </a:r>
+                    </a:p>
+                  </a:txBody>
+                  <a:tcPr/>
+                </a:tc>
+                <a:extLst>
+                  <a:ext uri="{0D108BD9-81ED-4DB2-BD59-A6C34878D82A}">
+                    <a16:rowId xmlns:a16="http://schemas.microsoft.com/office/drawing/2014/main" val="480962539"/>
+                  </a:ext>
+                </a:extLst>
+              </a:tr>
+              <a:tr h="820889">
+                <a:tc>
+                  <a:txBody>
+                    <a:bodyPr/>
+                    <a:lstStyle/>
+                    <a:p>
+                      <a:r>
+                        <a:rPr lang="en-US" dirty="0" err="1"/>
+                        <a:t>CoT</a:t>
+                      </a:r>
+                      <a:r>
+                        <a:rPr lang="en-US" dirty="0"/>
+                        <a:t> (Specific)</a:t>
+                      </a:r>
+                    </a:p>
+                  </a:txBody>
+                  <a:tcPr/>
+                </a:tc>
+                <a:tc>
+                  <a:txBody>
+                    <a:bodyPr/>
+                    <a:lstStyle/>
+                    <a:p>
+                      <a:r>
+                        <a:rPr lang="en-US" dirty="0"/>
+                        <a:t>GPT-4</a:t>
+                      </a:r>
+                    </a:p>
+                  </a:txBody>
+                  <a:tcPr/>
+                </a:tc>
+                <a:tc>
+                  <a:txBody>
+                    <a:bodyPr/>
+                    <a:lstStyle/>
+                    <a:p>
+                      <a:r>
+                        <a:rPr lang="en-US" dirty="0"/>
+                        <a:t>4</a:t>
+                      </a:r>
+                    </a:p>
+                  </a:txBody>
+                  <a:tcPr/>
+                </a:tc>
+                <a:tc>
+                  <a:txBody>
+                    <a:bodyPr/>
+                    <a:lstStyle/>
+                    <a:p>
+                      <a:r>
+                        <a:rPr lang="en-US" dirty="0"/>
+                        <a:t>2</a:t>
+                      </a:r>
+                    </a:p>
+                  </a:txBody>
+                  <a:tcPr/>
+                </a:tc>
+                <a:extLst>
+                  <a:ext uri="{0D108BD9-81ED-4DB2-BD59-A6C34878D82A}">
+                    <a16:rowId xmlns:a16="http://schemas.microsoft.com/office/drawing/2014/main" val="3796483168"/>
+                  </a:ext>
+                </a:extLst>
+              </a:tr>
+              <a:tr h="820889">
+                <a:tc>
+                  <a:txBody>
+                    <a:bodyPr/>
+                    <a:lstStyle/>
+                    <a:p>
+                      <a:endParaRPr lang="en-US" dirty="0"/>
+                    </a:p>
+                  </a:txBody>
+                  <a:tcPr/>
+                </a:tc>
+                <a:tc>
+                  <a:txBody>
+                    <a:bodyPr/>
+                    <a:lstStyle/>
+                    <a:p>
+                      <a:endParaRPr lang="en-US" dirty="0"/>
+                    </a:p>
+                  </a:txBody>
+                  <a:tcPr/>
+                </a:tc>
+                <a:tc>
+                  <a:txBody>
+                    <a:bodyPr/>
+                    <a:lstStyle/>
+                    <a:p>
+                      <a:endParaRPr lang="en-US" dirty="0"/>
+                    </a:p>
+                  </a:txBody>
+                  <a:tcPr/>
+                </a:tc>
+                <a:tc>
+                  <a:txBody>
+                    <a:bodyPr/>
+                    <a:lstStyle/>
+                    <a:p>
+                      <a:endParaRPr lang="en-US" dirty="0"/>
+                    </a:p>
+                  </a:txBody>
+                  <a:tcPr/>
+                </a:tc>
+                <a:extLst>
+                  <a:ext uri="{0D108BD9-81ED-4DB2-BD59-A6C34878D82A}">
+                    <a16:rowId xmlns:a16="http://schemas.microsoft.com/office/drawing/2014/main" val="464696613"/>
+                  </a:ext>
+                </a:extLst>
+              </a:tr>
+              <a:tr h="820889">
+                <a:tc>
+                  <a:txBody>
+                    <a:bodyPr/>
+                    <a:lstStyle/>
+                    <a:p>
+                      <a:endParaRPr lang="en-US" dirty="0"/>
+                    </a:p>
+                  </a:txBody>
+                  <a:tcPr/>
+                </a:tc>
+                <a:tc>
+                  <a:txBody>
+                    <a:bodyPr/>
+                    <a:lstStyle/>
+                    <a:p>
+                      <a:endParaRPr lang="en-US" dirty="0"/>
+                    </a:p>
+                  </a:txBody>
+                  <a:tcPr/>
+                </a:tc>
+                <a:tc>
+                  <a:txBody>
+                    <a:bodyPr/>
+                    <a:lstStyle/>
+                    <a:p>
+                      <a:endParaRPr lang="en-US" dirty="0"/>
+                    </a:p>
+                  </a:txBody>
+                  <a:tcPr/>
+                </a:tc>
+                <a:tc>
+                  <a:txBody>
+                    <a:bodyPr/>
+                    <a:lstStyle/>
+                    <a:p>
+                      <a:endParaRPr lang="en-US" dirty="0"/>
+                    </a:p>
+                  </a:txBody>
+                  <a:tcPr/>
+                </a:tc>
+                <a:extLst>
+                  <a:ext uri="{0D108BD9-81ED-4DB2-BD59-A6C34878D82A}">
+                    <a16:rowId xmlns:a16="http://schemas.microsoft.com/office/drawing/2014/main" val="3913006389"/>
+                  </a:ext>
+                </a:extLst>
+              </a:tr>
+            </a:tbl>
+          </a:graphicData>
+        </a:graphic>
+      </p:graphicFrame>
+    </p:spTree>
+    <p:extLst>
+      <p:ext uri="{BB962C8B-B14F-4D97-AF65-F5344CB8AC3E}">
+        <p14:creationId xmlns:p14="http://schemas.microsoft.com/office/powerpoint/2010/main" val="3788716220"/>
+      </p:ext>
+    </p:extLst>
+  </p:cSld>
+  <p:clrMapOvr>
+    <a:masterClrMapping/>
+  </p:clrMapOvr>
+</p:sld>
+</file>
+
+<file path=ppt/slides/slide14.xml><?xml version="1.0" encoding="utf-8"?>
+<p:sld xmlns:a="http://schemas.openxmlformats.org/drawingml/2006/main" xmlns:r="http://schemas.openxmlformats.org/officeDocument/2006/relationships" xmlns:p="http://schemas.openxmlformats.org/presentationml/2006/main">
+  <p:cSld>
+    <p:spTree>
+      <p:nvGrpSpPr>
+        <p:cNvPr id="1" name=""/>
+        <p:cNvGrpSpPr/>
+        <p:nvPr/>
+      </p:nvGrpSpPr>
+      <p:grpSpPr>
+        <a:xfrm>
+          <a:off x="0" y="0"/>
+          <a:ext cx="0" cy="0"/>
+          <a:chOff x="0" y="0"/>
+          <a:chExt cx="0" cy="0"/>
+        </a:xfrm>
+      </p:grpSpPr>
+      <p:sp>
+        <p:nvSpPr>
+          <p:cNvPr id="2" name="Title 1">
+            <a:extLst>
+              <a:ext uri="{FF2B5EF4-FFF2-40B4-BE49-F238E27FC236}">
+                <a16:creationId xmlns:a16="http://schemas.microsoft.com/office/drawing/2014/main" id="{6F02B924-D14E-BC3C-87E8-50E59C0D8747}"/>
+              </a:ext>
+            </a:extLst>
+          </p:cNvPr>
+          <p:cNvSpPr>
+            <a:spLocks noGrp="1"/>
+          </p:cNvSpPr>
+          <p:nvPr>
+            <p:ph type="title"/>
+          </p:nvPr>
+        </p:nvSpPr>
+        <p:spPr/>
+        <p:txBody>
+          <a:bodyPr/>
+          <a:lstStyle/>
+          <a:p>
+            <a:r>
+              <a:rPr lang="en-US" dirty="0"/>
+              <a:t>Ideas</a:t>
+            </a:r>
+          </a:p>
+        </p:txBody>
+      </p:sp>
+      <p:sp>
+        <p:nvSpPr>
+          <p:cNvPr id="3" name="Content Placeholder 2">
+            <a:extLst>
+              <a:ext uri="{FF2B5EF4-FFF2-40B4-BE49-F238E27FC236}">
+                <a16:creationId xmlns:a16="http://schemas.microsoft.com/office/drawing/2014/main" id="{FC99BFE6-124C-BE80-8641-71A098A20160}"/>
+              </a:ext>
+            </a:extLst>
+          </p:cNvPr>
+          <p:cNvSpPr>
+            <a:spLocks noGrp="1"/>
+          </p:cNvSpPr>
+          <p:nvPr>
+            <p:ph idx="1"/>
+          </p:nvPr>
+        </p:nvSpPr>
+        <p:spPr/>
+        <p:txBody>
+          <a:bodyPr>
+            <a:normAutofit fontScale="70000" lnSpcReduction="20000"/>
+          </a:bodyPr>
+          <a:lstStyle/>
+          <a:p>
+            <a:pPr marL="0" indent="0">
+              <a:buNone/>
+            </a:pPr>
+            <a:r>
+              <a:rPr lang="en-US" dirty="0"/>
+              <a:t>Distinguish between ICL samples &amp; use more natural language in </a:t>
+            </a:r>
+            <a:r>
+              <a:rPr lang="en-US" dirty="0" err="1"/>
+              <a:t>CoT</a:t>
+            </a:r>
+            <a:r>
+              <a:rPr lang="en-US" dirty="0"/>
+              <a:t> (3)</a:t>
+            </a:r>
+          </a:p>
+          <a:p>
+            <a:pPr marL="0" indent="0">
+              <a:buNone/>
+            </a:pPr>
+            <a:r>
+              <a:rPr lang="en-US" dirty="0"/>
+              <a:t>Try just with intermediates to predict the next intermediate (2)</a:t>
+            </a:r>
+          </a:p>
+          <a:p>
+            <a:pPr lvl="1"/>
+            <a:r>
+              <a:rPr lang="en-US" dirty="0"/>
+              <a:t>Try to treat it as a string addition</a:t>
+            </a:r>
+          </a:p>
+          <a:p>
+            <a:r>
+              <a:rPr lang="en-US" dirty="0"/>
+              <a:t>Ask is it a LEF? -&gt; Can use ICL w/ yes or no with samples that aren’t LEF too</a:t>
+            </a:r>
+          </a:p>
+          <a:p>
+            <a:pPr lvl="1"/>
+            <a:r>
+              <a:rPr lang="en-US" dirty="0"/>
+              <a:t>We can be more specific with our prompts</a:t>
+            </a:r>
+          </a:p>
+          <a:p>
+            <a:pPr lvl="1"/>
+            <a:r>
+              <a:rPr lang="en-US" dirty="0"/>
+              <a:t>Test if we just give it a ton of information about LEF reactions</a:t>
+            </a:r>
+          </a:p>
+          <a:p>
+            <a:r>
+              <a:rPr lang="en-US" dirty="0"/>
+              <a:t>Use Scaffold </a:t>
+            </a:r>
+            <a:r>
+              <a:rPr lang="en-US"/>
+              <a:t>Similarity (4)</a:t>
+            </a:r>
+            <a:endParaRPr lang="en-US" dirty="0"/>
+          </a:p>
+          <a:p>
+            <a:r>
+              <a:rPr lang="en-US" dirty="0"/>
+              <a:t>Can use intermediate1 and generate int + product vs just product alone. (1)</a:t>
+            </a:r>
+          </a:p>
+          <a:p>
+            <a:endParaRPr lang="en-US" dirty="0"/>
+          </a:p>
+          <a:p>
+            <a:r>
+              <a:rPr lang="en-US" dirty="0"/>
+              <a:t>Ask it more specific prompts, such as what is the most likely atom to have an electron be removed</a:t>
+            </a:r>
+          </a:p>
+          <a:p>
+            <a:pPr lvl="1"/>
+            <a:r>
+              <a:rPr lang="en-US" dirty="0"/>
+              <a:t>Multi-Step solution</a:t>
+            </a:r>
+          </a:p>
+          <a:p>
+            <a:r>
+              <a:rPr lang="en-US" dirty="0"/>
+              <a:t>Could provide it some Valid options according to chemistry rules and have it select?</a:t>
+            </a:r>
+          </a:p>
+          <a:p>
+            <a:pPr lvl="1"/>
+            <a:r>
+              <a:rPr lang="en-US" dirty="0"/>
+              <a:t>Seems kind of like a poor solution</a:t>
+            </a:r>
+          </a:p>
+          <a:p>
+            <a:pPr lvl="1"/>
+            <a:endParaRPr lang="en-US" dirty="0"/>
+          </a:p>
+          <a:p>
+            <a:endParaRPr lang="en-US" dirty="0"/>
+          </a:p>
+          <a:p>
+            <a:endParaRPr lang="en-US" dirty="0"/>
+          </a:p>
+        </p:txBody>
+      </p:sp>
+    </p:spTree>
+    <p:extLst>
+      <p:ext uri="{BB962C8B-B14F-4D97-AF65-F5344CB8AC3E}">
+        <p14:creationId xmlns:p14="http://schemas.microsoft.com/office/powerpoint/2010/main" val="2588232990"/>
+      </p:ext>
+    </p:extLst>
+  </p:cSld>
+  <p:clrMapOvr>
+    <a:masterClrMapping/>
+  </p:clrMapOvr>
+</p:sld>
+</file>
+
+<file path=ppt/slides/slide2.xml><?xml version="1.0" encoding="utf-8"?>
+<p:sld xmlns:a="http://schemas.openxmlformats.org/drawingml/2006/main" xmlns:r="http://schemas.openxmlformats.org/officeDocument/2006/relationships" xmlns:p="http://schemas.openxmlformats.org/presentationml/2006/main">
+  <p:cSld>
+    <p:spTree>
+      <p:nvGrpSpPr>
+        <p:cNvPr id="1" name=""/>
+        <p:cNvGrpSpPr/>
+        <p:nvPr/>
+      </p:nvGrpSpPr>
+      <p:grpSpPr>
+        <a:xfrm>
+          <a:off x="0" y="0"/>
+          <a:ext cx="0" cy="0"/>
+          <a:chOff x="0" y="0"/>
+          <a:chExt cx="0" cy="0"/>
+        </a:xfrm>
+      </p:grpSpPr>
+      <p:sp>
+        <p:nvSpPr>
+          <p:cNvPr id="2" name="Title 1">
+            <a:extLst>
+              <a:ext uri="{FF2B5EF4-FFF2-40B4-BE49-F238E27FC236}">
+                <a16:creationId xmlns:a16="http://schemas.microsoft.com/office/drawing/2014/main" id="{77E650D5-EDD2-02B9-73DC-256ED2C11C74}"/>
+              </a:ext>
+            </a:extLst>
+          </p:cNvPr>
+          <p:cNvSpPr>
+            <a:spLocks noGrp="1"/>
+          </p:cNvSpPr>
+          <p:nvPr>
+            <p:ph type="title"/>
+          </p:nvPr>
+        </p:nvSpPr>
+        <p:spPr/>
+        <p:txBody>
+          <a:bodyPr/>
+          <a:lstStyle/>
+          <a:p>
+            <a:r>
+              <a:rPr lang="en-US" dirty="0"/>
+              <a:t>Scaffold Reruns</a:t>
+            </a:r>
+          </a:p>
+        </p:txBody>
+      </p:sp>
+      <p:sp>
+        <p:nvSpPr>
+          <p:cNvPr id="3" name="Text Placeholder 2">
+            <a:extLst>
+              <a:ext uri="{FF2B5EF4-FFF2-40B4-BE49-F238E27FC236}">
+                <a16:creationId xmlns:a16="http://schemas.microsoft.com/office/drawing/2014/main" id="{8D8D7D66-0B87-CFCB-3BAE-D3B0B0C4311C}"/>
+              </a:ext>
+            </a:extLst>
+          </p:cNvPr>
+          <p:cNvSpPr>
+            <a:spLocks noGrp="1"/>
+          </p:cNvSpPr>
+          <p:nvPr>
+            <p:ph type="body" idx="1"/>
+          </p:nvPr>
+        </p:nvSpPr>
+        <p:spPr/>
+        <p:txBody>
+          <a:bodyPr/>
+          <a:lstStyle/>
+          <a:p>
+            <a:endParaRPr lang="en-US"/>
+          </a:p>
+        </p:txBody>
+      </p:sp>
+    </p:spTree>
+    <p:extLst>
+      <p:ext uri="{BB962C8B-B14F-4D97-AF65-F5344CB8AC3E}">
+        <p14:creationId xmlns:p14="http://schemas.microsoft.com/office/powerpoint/2010/main" val="3897145291"/>
+      </p:ext>
+    </p:extLst>
+  </p:cSld>
+  <p:clrMapOvr>
+    <a:masterClrMapping/>
+  </p:clrMapOvr>
+</p:sld>
+</file>
+
+<file path=ppt/slides/slide3.xml><?xml version="1.0" encoding="utf-8"?>
+<p:sld xmlns:a="http://schemas.openxmlformats.org/drawingml/2006/main" xmlns:r="http://schemas.openxmlformats.org/officeDocument/2006/relationships" xmlns:p="http://schemas.openxmlformats.org/presentationml/2006/main">
+  <p:cSld>
+    <p:spTree>
+      <p:nvGrpSpPr>
+        <p:cNvPr id="1" name=""/>
+        <p:cNvGrpSpPr/>
+        <p:nvPr/>
+      </p:nvGrpSpPr>
+      <p:grpSpPr>
+        <a:xfrm>
+          <a:off x="0" y="0"/>
+          <a:ext cx="0" cy="0"/>
+          <a:chOff x="0" y="0"/>
+          <a:chExt cx="0" cy="0"/>
+        </a:xfrm>
+      </p:grpSpPr>
+      <p:graphicFrame>
+        <p:nvGraphicFramePr>
+          <p:cNvPr id="4" name="Content Placeholder 3">
+            <a:extLst>
+              <a:ext uri="{FF2B5EF4-FFF2-40B4-BE49-F238E27FC236}">
+                <a16:creationId xmlns:a16="http://schemas.microsoft.com/office/drawing/2014/main" id="{C41455FC-E422-4ABC-AA0B-5DC1143600B6}"/>
+              </a:ext>
+            </a:extLst>
+          </p:cNvPr>
+          <p:cNvGraphicFramePr>
+            <a:graphicFrameLocks noGrp="1"/>
+          </p:cNvGraphicFramePr>
+          <p:nvPr>
+            <p:ph idx="1"/>
+            <p:extLst>
+              <p:ext uri="{D42A27DB-BD31-4B8C-83A1-F6EECF244321}">
+                <p14:modId xmlns:p14="http://schemas.microsoft.com/office/powerpoint/2010/main" val="3137224601"/>
+              </p:ext>
+            </p:extLst>
+          </p:nvPr>
+        </p:nvGraphicFramePr>
+        <p:xfrm>
+          <a:off x="728870" y="682625"/>
+          <a:ext cx="10279745" cy="4925339"/>
+        </p:xfrm>
+        <a:graphic>
+          <a:graphicData uri="http://schemas.openxmlformats.org/drawingml/2006/table">
+            <a:tbl>
+              <a:tblPr firstRow="1" bandRow="1">
+                <a:tableStyleId>{5C22544A-7EE6-4342-B048-85BDC9FD1C3A}</a:tableStyleId>
+              </a:tblPr>
+              <a:tblGrid>
+                <a:gridCol w="2055949">
+                  <a:extLst>
+                    <a:ext uri="{9D8B030D-6E8A-4147-A177-3AD203B41FA5}">
+                      <a16:colId xmlns:a16="http://schemas.microsoft.com/office/drawing/2014/main" val="963128114"/>
+                    </a:ext>
+                  </a:extLst>
+                </a:gridCol>
+                <a:gridCol w="2055949">
+                  <a:extLst>
+                    <a:ext uri="{9D8B030D-6E8A-4147-A177-3AD203B41FA5}">
+                      <a16:colId xmlns:a16="http://schemas.microsoft.com/office/drawing/2014/main" val="877781667"/>
+                    </a:ext>
+                  </a:extLst>
+                </a:gridCol>
+                <a:gridCol w="2055949">
+                  <a:extLst>
+                    <a:ext uri="{9D8B030D-6E8A-4147-A177-3AD203B41FA5}">
+                      <a16:colId xmlns:a16="http://schemas.microsoft.com/office/drawing/2014/main" val="960655308"/>
+                    </a:ext>
+                  </a:extLst>
+                </a:gridCol>
+                <a:gridCol w="2055949">
+                  <a:extLst>
+                    <a:ext uri="{9D8B030D-6E8A-4147-A177-3AD203B41FA5}">
+                      <a16:colId xmlns:a16="http://schemas.microsoft.com/office/drawing/2014/main" val="676507202"/>
+                    </a:ext>
+                  </a:extLst>
+                </a:gridCol>
+                <a:gridCol w="2055949">
+                  <a:extLst>
+                    <a:ext uri="{9D8B030D-6E8A-4147-A177-3AD203B41FA5}">
+                      <a16:colId xmlns:a16="http://schemas.microsoft.com/office/drawing/2014/main" val="938938723"/>
+                    </a:ext>
+                  </a:extLst>
+                </a:gridCol>
+              </a:tblGrid>
+              <a:tr h="820889">
+                <a:tc>
+                  <a:txBody>
+                    <a:bodyPr/>
+                    <a:lstStyle/>
+                    <a:p>
+                      <a:r>
+                        <a:rPr lang="en-US" dirty="0"/>
+                        <a:t>Method (20 test samples) (k = 5)</a:t>
+                      </a:r>
+                    </a:p>
+                  </a:txBody>
+                  <a:tcPr/>
+                </a:tc>
+                <a:tc>
+                  <a:txBody>
+                    <a:bodyPr/>
+                    <a:lstStyle/>
+                    <a:p>
+                      <a:r>
+                        <a:rPr lang="en-US" dirty="0"/>
+                        <a:t>Model</a:t>
+                      </a:r>
+                    </a:p>
+                  </a:txBody>
+                  <a:tcPr/>
+                </a:tc>
+                <a:tc>
+                  <a:txBody>
+                    <a:bodyPr/>
+                    <a:lstStyle/>
+                    <a:p>
+                      <a:r>
+                        <a:rPr lang="en-US" dirty="0"/>
+                        <a:t>Method</a:t>
+                      </a:r>
+                    </a:p>
+                  </a:txBody>
+                  <a:tcPr/>
+                </a:tc>
+                <a:tc>
+                  <a:txBody>
+                    <a:bodyPr/>
+                    <a:lstStyle/>
+                    <a:p>
+                      <a:r>
+                        <a:rPr lang="en-US" dirty="0"/>
+                        <a:t>Top1</a:t>
+                      </a:r>
+                    </a:p>
+                  </a:txBody>
+                  <a:tcPr/>
+                </a:tc>
+                <a:tc>
+                  <a:txBody>
+                    <a:bodyPr/>
+                    <a:lstStyle/>
+                    <a:p>
+                      <a:r>
+                        <a:rPr lang="en-US" dirty="0"/>
+                        <a:t># Invalid</a:t>
+                      </a:r>
+                    </a:p>
+                  </a:txBody>
+                  <a:tcPr/>
+                </a:tc>
+                <a:extLst>
+                  <a:ext uri="{0D108BD9-81ED-4DB2-BD59-A6C34878D82A}">
+                    <a16:rowId xmlns:a16="http://schemas.microsoft.com/office/drawing/2014/main" val="113282996"/>
+                  </a:ext>
+                </a:extLst>
+              </a:tr>
+              <a:tr h="410445">
+                <a:tc rowSpan="2">
+                  <a:txBody>
+                    <a:bodyPr/>
+                    <a:lstStyle/>
+                    <a:p>
+                      <a:r>
+                        <a:rPr lang="en-US" dirty="0"/>
+                        <a:t>Few Shot (Baseline)</a:t>
+                      </a:r>
+                    </a:p>
+                  </a:txBody>
+                  <a:tcPr/>
+                </a:tc>
+                <a:tc rowSpan="2">
+                  <a:txBody>
+                    <a:bodyPr/>
+                    <a:lstStyle/>
+                    <a:p>
+                      <a:r>
+                        <a:rPr lang="en-US" dirty="0"/>
+                        <a:t>GPT-4</a:t>
+                      </a:r>
+                    </a:p>
+                  </a:txBody>
+                  <a:tcPr/>
+                </a:tc>
+                <a:tc>
+                  <a:txBody>
+                    <a:bodyPr/>
+                    <a:lstStyle/>
+                    <a:p>
+                      <a:r>
+                        <a:rPr lang="en-US" dirty="0"/>
+                        <a:t>Random</a:t>
+                      </a:r>
+                    </a:p>
+                  </a:txBody>
+                  <a:tcPr/>
+                </a:tc>
+                <a:tc>
+                  <a:txBody>
+                    <a:bodyPr/>
+                    <a:lstStyle/>
+                    <a:p>
+                      <a:r>
+                        <a:rPr lang="en-US" dirty="0"/>
+                        <a:t>2</a:t>
+                      </a:r>
+                    </a:p>
+                  </a:txBody>
+                  <a:tcPr/>
+                </a:tc>
+                <a:tc>
+                  <a:txBody>
+                    <a:bodyPr/>
+                    <a:lstStyle/>
+                    <a:p>
+                      <a:r>
+                        <a:rPr lang="en-US" dirty="0"/>
+                        <a:t>3</a:t>
+                      </a:r>
+                    </a:p>
+                  </a:txBody>
+                  <a:tcPr/>
+                </a:tc>
+                <a:extLst>
+                  <a:ext uri="{0D108BD9-81ED-4DB2-BD59-A6C34878D82A}">
+                    <a16:rowId xmlns:a16="http://schemas.microsoft.com/office/drawing/2014/main" val="1962525592"/>
+                  </a:ext>
+                </a:extLst>
+              </a:tr>
+              <a:tr h="410445">
+                <a:tc vMerge="1">
+                  <a:txBody>
+                    <a:bodyPr/>
+                    <a:lstStyle/>
+                    <a:p>
+                      <a:endParaRPr lang="en-US"/>
+                    </a:p>
+                  </a:txBody>
+                  <a:tcPr/>
+                </a:tc>
+                <a:tc vMerge="1">
+                  <a:txBody>
+                    <a:bodyPr/>
+                    <a:lstStyle/>
+                    <a:p>
+                      <a:endParaRPr lang="en-US" dirty="0"/>
+                    </a:p>
+                  </a:txBody>
+                  <a:tcPr/>
+                </a:tc>
+                <a:tc>
+                  <a:txBody>
+                    <a:bodyPr/>
+                    <a:lstStyle/>
+                    <a:p>
+                      <a:r>
+                        <a:rPr lang="en-US" dirty="0"/>
+                        <a:t>Scaffold</a:t>
+                      </a:r>
+                    </a:p>
+                  </a:txBody>
+                  <a:tcPr/>
+                </a:tc>
+                <a:tc>
+                  <a:txBody>
+                    <a:bodyPr/>
+                    <a:lstStyle/>
+                    <a:p>
+                      <a:r>
+                        <a:rPr lang="en-US" dirty="0"/>
+                        <a:t>9</a:t>
+                      </a:r>
+                    </a:p>
+                  </a:txBody>
+                  <a:tcPr/>
+                </a:tc>
+                <a:tc>
+                  <a:txBody>
+                    <a:bodyPr/>
+                    <a:lstStyle/>
+                    <a:p>
+                      <a:r>
+                        <a:rPr lang="en-US" dirty="0"/>
+                        <a:t>3</a:t>
+                      </a:r>
+                    </a:p>
+                  </a:txBody>
+                  <a:tcPr/>
+                </a:tc>
+                <a:extLst>
+                  <a:ext uri="{0D108BD9-81ED-4DB2-BD59-A6C34878D82A}">
+                    <a16:rowId xmlns:a16="http://schemas.microsoft.com/office/drawing/2014/main" val="2869885818"/>
+                  </a:ext>
+                </a:extLst>
+              </a:tr>
+              <a:tr h="410445">
+                <a:tc rowSpan="2">
+                  <a:txBody>
+                    <a:bodyPr/>
+                    <a:lstStyle/>
+                    <a:p>
+                      <a:pPr marL="0" marR="0" lvl="0" indent="0" algn="l" defTabSz="914400" rtl="0" eaLnBrk="1" fontAlgn="auto" latinLnBrk="0" hangingPunct="1">
+                        <a:lnSpc>
+                          <a:spcPct val="100000"/>
+                        </a:lnSpc>
+                        <a:spcBef>
+                          <a:spcPts val="0"/>
+                        </a:spcBef>
+                        <a:spcAft>
+                          <a:spcPts val="0"/>
+                        </a:spcAft>
+                        <a:buClrTx/>
+                        <a:buSzTx/>
+                        <a:buFontTx/>
+                        <a:buNone/>
+                        <a:tabLst/>
+                        <a:defRPr/>
+                      </a:pPr>
+                      <a:r>
+                        <a:rPr lang="en-US" dirty="0"/>
+                        <a:t>Step1 </a:t>
+                      </a:r>
+                    </a:p>
+                    <a:p>
+                      <a:endParaRPr lang="en-US" dirty="0"/>
+                    </a:p>
+                  </a:txBody>
+                  <a:tcPr/>
+                </a:tc>
+                <a:tc rowSpan="2">
+                  <a:txBody>
+                    <a:bodyPr/>
+                    <a:lstStyle/>
+                    <a:p>
+                      <a:r>
+                        <a:rPr lang="en-US" dirty="0"/>
+                        <a:t>GPT-4</a:t>
+                      </a:r>
+                    </a:p>
+                  </a:txBody>
+                  <a:tcPr/>
+                </a:tc>
+                <a:tc>
+                  <a:txBody>
+                    <a:bodyPr/>
+                    <a:lstStyle/>
+                    <a:p>
+                      <a:r>
+                        <a:rPr lang="en-US" dirty="0"/>
+                        <a:t>Random</a:t>
+                      </a:r>
+                    </a:p>
+                  </a:txBody>
+                  <a:tcPr/>
+                </a:tc>
+                <a:tc>
+                  <a:txBody>
+                    <a:bodyPr/>
+                    <a:lstStyle/>
+                    <a:p>
+                      <a:r>
+                        <a:rPr lang="en-US" dirty="0"/>
+                        <a:t>18</a:t>
+                      </a:r>
+                    </a:p>
+                  </a:txBody>
+                  <a:tcPr/>
+                </a:tc>
+                <a:tc>
+                  <a:txBody>
+                    <a:bodyPr/>
+                    <a:lstStyle/>
+                    <a:p>
+                      <a:r>
+                        <a:rPr lang="en-US" dirty="0"/>
+                        <a:t>0</a:t>
+                      </a:r>
+                    </a:p>
+                  </a:txBody>
+                  <a:tcPr/>
+                </a:tc>
+                <a:extLst>
+                  <a:ext uri="{0D108BD9-81ED-4DB2-BD59-A6C34878D82A}">
+                    <a16:rowId xmlns:a16="http://schemas.microsoft.com/office/drawing/2014/main" val="480962539"/>
+                  </a:ext>
+                </a:extLst>
+              </a:tr>
+              <a:tr h="410445">
+                <a:tc vMerge="1">
+                  <a:txBody>
+                    <a:bodyPr/>
+                    <a:lstStyle/>
+                    <a:p>
+                      <a:endParaRPr lang="en-US"/>
+                    </a:p>
+                  </a:txBody>
+                  <a:tcPr/>
+                </a:tc>
+                <a:tc vMerge="1">
+                  <a:txBody>
+                    <a:bodyPr/>
+                    <a:lstStyle/>
+                    <a:p>
+                      <a:endParaRPr lang="en-US" dirty="0"/>
+                    </a:p>
+                  </a:txBody>
+                  <a:tcPr/>
+                </a:tc>
+                <a:tc>
+                  <a:txBody>
+                    <a:bodyPr/>
+                    <a:lstStyle/>
+                    <a:p>
+                      <a:r>
+                        <a:rPr lang="en-US" dirty="0"/>
+                        <a:t>Scaffold</a:t>
+                      </a:r>
+                    </a:p>
+                  </a:txBody>
+                  <a:tcPr/>
+                </a:tc>
+                <a:tc>
+                  <a:txBody>
+                    <a:bodyPr/>
+                    <a:lstStyle/>
+                    <a:p>
+                      <a:r>
+                        <a:rPr lang="en-US" dirty="0"/>
+                        <a:t>13</a:t>
+                      </a:r>
+                    </a:p>
+                  </a:txBody>
+                  <a:tcPr/>
+                </a:tc>
+                <a:tc>
+                  <a:txBody>
+                    <a:bodyPr/>
+                    <a:lstStyle/>
+                    <a:p>
+                      <a:r>
+                        <a:rPr lang="en-US" dirty="0"/>
+                        <a:t>0</a:t>
+                      </a:r>
+                    </a:p>
+                  </a:txBody>
+                  <a:tcPr/>
+                </a:tc>
+                <a:extLst>
+                  <a:ext uri="{0D108BD9-81ED-4DB2-BD59-A6C34878D82A}">
+                    <a16:rowId xmlns:a16="http://schemas.microsoft.com/office/drawing/2014/main" val="175498710"/>
+                  </a:ext>
+                </a:extLst>
+              </a:tr>
+              <a:tr h="410445">
+                <a:tc rowSpan="2">
+                  <a:txBody>
+                    <a:bodyPr/>
+                    <a:lstStyle/>
+                    <a:p>
+                      <a:r>
+                        <a:rPr lang="en-US" dirty="0"/>
+                        <a:t>Step2</a:t>
+                      </a:r>
+                    </a:p>
+                  </a:txBody>
+                  <a:tcPr/>
+                </a:tc>
+                <a:tc rowSpan="2">
+                  <a:txBody>
+                    <a:bodyPr/>
+                    <a:lstStyle/>
+                    <a:p>
+                      <a:pPr marL="0" marR="0" lvl="0" indent="0" algn="l" defTabSz="914400" rtl="0" eaLnBrk="1" fontAlgn="auto" latinLnBrk="0" hangingPunct="1">
+                        <a:lnSpc>
+                          <a:spcPct val="100000"/>
+                        </a:lnSpc>
+                        <a:spcBef>
+                          <a:spcPts val="0"/>
+                        </a:spcBef>
+                        <a:spcAft>
+                          <a:spcPts val="0"/>
+                        </a:spcAft>
+                        <a:buClrTx/>
+                        <a:buSzTx/>
+                        <a:buFontTx/>
+                        <a:buNone/>
+                        <a:tabLst/>
+                        <a:defRPr/>
+                      </a:pPr>
+                      <a:r>
+                        <a:rPr lang="en-US" dirty="0"/>
+                        <a:t>GPT-4</a:t>
+                      </a:r>
+                    </a:p>
+                  </a:txBody>
+                  <a:tcPr/>
+                </a:tc>
+                <a:tc>
+                  <a:txBody>
+                    <a:bodyPr/>
+                    <a:lstStyle/>
+                    <a:p>
+                      <a:r>
+                        <a:rPr lang="en-US" dirty="0"/>
+                        <a:t>Random</a:t>
+                      </a:r>
+                    </a:p>
+                  </a:txBody>
+                  <a:tcPr/>
+                </a:tc>
+                <a:tc>
+                  <a:txBody>
+                    <a:bodyPr/>
+                    <a:lstStyle/>
+                    <a:p>
+                      <a:r>
+                        <a:rPr lang="en-US" dirty="0"/>
+                        <a:t>0</a:t>
+                      </a:r>
+                    </a:p>
+                  </a:txBody>
+                  <a:tcPr/>
+                </a:tc>
+                <a:tc>
+                  <a:txBody>
+                    <a:bodyPr/>
+                    <a:lstStyle/>
+                    <a:p>
+                      <a:r>
+                        <a:rPr lang="en-US" dirty="0"/>
+                        <a:t>1</a:t>
+                      </a:r>
+                    </a:p>
+                  </a:txBody>
+                  <a:tcPr/>
+                </a:tc>
+                <a:extLst>
+                  <a:ext uri="{0D108BD9-81ED-4DB2-BD59-A6C34878D82A}">
+                    <a16:rowId xmlns:a16="http://schemas.microsoft.com/office/drawing/2014/main" val="3796483168"/>
+                  </a:ext>
+                </a:extLst>
+              </a:tr>
+              <a:tr h="410445">
+                <a:tc vMerge="1">
+                  <a:txBody>
+                    <a:bodyPr/>
+                    <a:lstStyle/>
+                    <a:p>
+                      <a:endParaRPr lang="en-US"/>
+                    </a:p>
+                  </a:txBody>
+                  <a:tcPr/>
+                </a:tc>
+                <a:tc vMerge="1">
+                  <a:txBody>
+                    <a:bodyPr/>
+                    <a:lstStyle/>
+                    <a:p>
+                      <a:endParaRPr lang="en-US" dirty="0"/>
+                    </a:p>
+                  </a:txBody>
+                  <a:tcPr/>
+                </a:tc>
+                <a:tc>
+                  <a:txBody>
+                    <a:bodyPr/>
+                    <a:lstStyle/>
+                    <a:p>
+                      <a:r>
+                        <a:rPr lang="en-US" dirty="0"/>
+                        <a:t>Scaffold</a:t>
+                      </a:r>
+                    </a:p>
+                  </a:txBody>
+                  <a:tcPr/>
+                </a:tc>
+                <a:tc>
+                  <a:txBody>
+                    <a:bodyPr/>
+                    <a:lstStyle/>
+                    <a:p>
+                      <a:r>
+                        <a:rPr lang="en-US" dirty="0"/>
+                        <a:t>6</a:t>
+                      </a:r>
+                    </a:p>
+                  </a:txBody>
+                  <a:tcPr/>
+                </a:tc>
+                <a:tc>
+                  <a:txBody>
+                    <a:bodyPr/>
+                    <a:lstStyle/>
+                    <a:p>
+                      <a:r>
+                        <a:rPr lang="en-US" dirty="0"/>
+                        <a:t>2</a:t>
+                      </a:r>
+                    </a:p>
+                  </a:txBody>
+                  <a:tcPr/>
+                </a:tc>
+                <a:extLst>
+                  <a:ext uri="{0D108BD9-81ED-4DB2-BD59-A6C34878D82A}">
+                    <a16:rowId xmlns:a16="http://schemas.microsoft.com/office/drawing/2014/main" val="2715093083"/>
+                  </a:ext>
+                </a:extLst>
+              </a:tr>
+              <a:tr h="410445">
+                <a:tc rowSpan="2">
+                  <a:txBody>
+                    <a:bodyPr/>
+                    <a:lstStyle/>
+                    <a:p>
+                      <a:r>
+                        <a:rPr lang="en-US" dirty="0"/>
+                        <a:t>Few Shot w/ SC (baseline)</a:t>
+                      </a:r>
+                    </a:p>
+                  </a:txBody>
+                  <a:tcPr/>
+                </a:tc>
+                <a:tc rowSpan="2">
+                  <a:txBody>
+                    <a:bodyPr/>
+                    <a:lstStyle/>
+                    <a:p>
+                      <a:pPr marL="0" marR="0" lvl="0" indent="0" algn="l" defTabSz="914400" rtl="0" eaLnBrk="1" fontAlgn="auto" latinLnBrk="0" hangingPunct="1">
+                        <a:lnSpc>
+                          <a:spcPct val="100000"/>
+                        </a:lnSpc>
+                        <a:spcBef>
+                          <a:spcPts val="0"/>
+                        </a:spcBef>
+                        <a:spcAft>
+                          <a:spcPts val="0"/>
+                        </a:spcAft>
+                        <a:buClrTx/>
+                        <a:buSzTx/>
+                        <a:buFontTx/>
+                        <a:buNone/>
+                        <a:tabLst/>
+                        <a:defRPr/>
+                      </a:pPr>
+                      <a:r>
+                        <a:rPr lang="en-US" dirty="0"/>
+                        <a:t>GPT-4</a:t>
+                      </a:r>
+                    </a:p>
+                  </a:txBody>
+                  <a:tcPr/>
+                </a:tc>
+                <a:tc>
+                  <a:txBody>
+                    <a:bodyPr/>
+                    <a:lstStyle/>
+                    <a:p>
+                      <a:r>
+                        <a:rPr lang="en-US" dirty="0"/>
+                        <a:t>Random</a:t>
+                      </a:r>
+                    </a:p>
+                  </a:txBody>
+                  <a:tcPr/>
+                </a:tc>
+                <a:tc>
+                  <a:txBody>
+                    <a:bodyPr/>
+                    <a:lstStyle/>
+                    <a:p>
+                      <a:r>
+                        <a:rPr lang="en-US" dirty="0"/>
+                        <a:t>1</a:t>
+                      </a:r>
+                    </a:p>
+                  </a:txBody>
+                  <a:tcPr/>
+                </a:tc>
+                <a:tc>
+                  <a:txBody>
+                    <a:bodyPr/>
+                    <a:lstStyle/>
+                    <a:p>
+                      <a:r>
+                        <a:rPr lang="en-US" dirty="0"/>
+                        <a:t>0</a:t>
+                      </a:r>
+                    </a:p>
+                  </a:txBody>
+                  <a:tcPr/>
+                </a:tc>
+                <a:extLst>
+                  <a:ext uri="{0D108BD9-81ED-4DB2-BD59-A6C34878D82A}">
+                    <a16:rowId xmlns:a16="http://schemas.microsoft.com/office/drawing/2014/main" val="464696613"/>
+                  </a:ext>
+                </a:extLst>
+              </a:tr>
+              <a:tr h="410445">
+                <a:tc vMerge="1">
+                  <a:txBody>
+                    <a:bodyPr/>
+                    <a:lstStyle/>
+                    <a:p>
+                      <a:endParaRPr lang="en-US"/>
+                    </a:p>
+                  </a:txBody>
+                  <a:tcPr/>
+                </a:tc>
+                <a:tc vMerge="1">
+                  <a:txBody>
+                    <a:bodyPr/>
+                    <a:lstStyle/>
+                    <a:p>
+                      <a:endParaRPr lang="en-US" dirty="0"/>
+                    </a:p>
+                  </a:txBody>
+                  <a:tcPr/>
+                </a:tc>
+                <a:tc>
+                  <a:txBody>
+                    <a:bodyPr/>
+                    <a:lstStyle/>
+                    <a:p>
+                      <a:r>
+                        <a:rPr lang="en-US" dirty="0"/>
+                        <a:t>Scaffold</a:t>
+                      </a:r>
+                    </a:p>
+                  </a:txBody>
+                  <a:tcPr/>
+                </a:tc>
+                <a:tc>
+                  <a:txBody>
+                    <a:bodyPr/>
+                    <a:lstStyle/>
+                    <a:p>
+                      <a:r>
+                        <a:rPr lang="en-US" dirty="0"/>
+                        <a:t>10</a:t>
+                      </a:r>
+                    </a:p>
+                  </a:txBody>
+                  <a:tcPr/>
+                </a:tc>
+                <a:tc>
+                  <a:txBody>
+                    <a:bodyPr/>
+                    <a:lstStyle/>
+                    <a:p>
+                      <a:r>
+                        <a:rPr lang="en-US" dirty="0"/>
+                        <a:t>0</a:t>
+                      </a:r>
+                    </a:p>
+                  </a:txBody>
+                  <a:tcPr/>
+                </a:tc>
+                <a:extLst>
+                  <a:ext uri="{0D108BD9-81ED-4DB2-BD59-A6C34878D82A}">
+                    <a16:rowId xmlns:a16="http://schemas.microsoft.com/office/drawing/2014/main" val="532176015"/>
+                  </a:ext>
+                </a:extLst>
+              </a:tr>
+              <a:tr h="410445">
+                <a:tc rowSpan="2">
+                  <a:txBody>
+                    <a:bodyPr/>
+                    <a:lstStyle/>
+                    <a:p>
+                      <a:endParaRPr lang="en-US" dirty="0"/>
+                    </a:p>
+                  </a:txBody>
+                  <a:tcPr/>
+                </a:tc>
+                <a:tc rowSpan="2">
+                  <a:txBody>
+                    <a:bodyPr/>
+                    <a:lstStyle/>
+                    <a:p>
+                      <a:pPr marL="0" marR="0" lvl="0" indent="0" algn="l" defTabSz="914400" rtl="0" eaLnBrk="1" fontAlgn="auto" latinLnBrk="0" hangingPunct="1">
+                        <a:lnSpc>
+                          <a:spcPct val="100000"/>
+                        </a:lnSpc>
+                        <a:spcBef>
+                          <a:spcPts val="0"/>
+                        </a:spcBef>
+                        <a:spcAft>
+                          <a:spcPts val="0"/>
+                        </a:spcAft>
+                        <a:buClrTx/>
+                        <a:buSzTx/>
+                        <a:buFontTx/>
+                        <a:buNone/>
+                        <a:tabLst/>
+                        <a:defRPr/>
+                      </a:pPr>
+                      <a:endParaRPr lang="en-US" dirty="0"/>
+                    </a:p>
+                  </a:txBody>
+                  <a:tcPr/>
+                </a:tc>
+                <a:tc>
+                  <a:txBody>
+                    <a:bodyPr/>
+                    <a:lstStyle/>
+                    <a:p>
+                      <a:endParaRPr lang="en-US" dirty="0"/>
+                    </a:p>
+                  </a:txBody>
+                  <a:tcPr/>
+                </a:tc>
+                <a:tc>
+                  <a:txBody>
+                    <a:bodyPr/>
+                    <a:lstStyle/>
+                    <a:p>
+                      <a:endParaRPr lang="en-US" dirty="0"/>
+                    </a:p>
+                  </a:txBody>
+                  <a:tcPr/>
+                </a:tc>
+                <a:tc>
+                  <a:txBody>
+                    <a:bodyPr/>
+                    <a:lstStyle/>
+                    <a:p>
+                      <a:endParaRPr lang="en-US" dirty="0"/>
+                    </a:p>
+                  </a:txBody>
+                  <a:tcPr/>
+                </a:tc>
+                <a:extLst>
+                  <a:ext uri="{0D108BD9-81ED-4DB2-BD59-A6C34878D82A}">
+                    <a16:rowId xmlns:a16="http://schemas.microsoft.com/office/drawing/2014/main" val="3913006389"/>
+                  </a:ext>
+                </a:extLst>
+              </a:tr>
+              <a:tr h="410445">
+                <a:tc vMerge="1">
+                  <a:txBody>
+                    <a:bodyPr/>
+                    <a:lstStyle/>
+                    <a:p>
+                      <a:endParaRPr lang="en-US"/>
+                    </a:p>
+                  </a:txBody>
+                  <a:tcPr/>
+                </a:tc>
+                <a:tc vMerge="1">
+                  <a:txBody>
+                    <a:bodyPr/>
+                    <a:lstStyle/>
+                    <a:p>
+                      <a:endParaRPr lang="en-US" dirty="0"/>
+                    </a:p>
+                  </a:txBody>
+                  <a:tcPr/>
+                </a:tc>
+                <a:tc>
+                  <a:txBody>
+                    <a:bodyPr/>
+                    <a:lstStyle/>
+                    <a:p>
+                      <a:endParaRPr lang="en-US"/>
+                    </a:p>
+                  </a:txBody>
+                  <a:tcPr/>
+                </a:tc>
+                <a:tc>
+                  <a:txBody>
+                    <a:bodyPr/>
+                    <a:lstStyle/>
+                    <a:p>
+                      <a:endParaRPr lang="en-US" dirty="0"/>
+                    </a:p>
+                  </a:txBody>
+                  <a:tcPr/>
+                </a:tc>
+                <a:tc>
+                  <a:txBody>
+                    <a:bodyPr/>
+                    <a:lstStyle/>
+                    <a:p>
+                      <a:endParaRPr lang="en-US" dirty="0"/>
+                    </a:p>
+                  </a:txBody>
+                  <a:tcPr/>
+                </a:tc>
+                <a:extLst>
+                  <a:ext uri="{0D108BD9-81ED-4DB2-BD59-A6C34878D82A}">
+                    <a16:rowId xmlns:a16="http://schemas.microsoft.com/office/drawing/2014/main" val="3848695342"/>
+                  </a:ext>
+                </a:extLst>
+              </a:tr>
+            </a:tbl>
+          </a:graphicData>
+        </a:graphic>
+      </p:graphicFrame>
+    </p:spTree>
+    <p:extLst>
+      <p:ext uri="{BB962C8B-B14F-4D97-AF65-F5344CB8AC3E}">
+        <p14:creationId xmlns:p14="http://schemas.microsoft.com/office/powerpoint/2010/main" val="753807649"/>
+      </p:ext>
+    </p:extLst>
+  </p:cSld>
+  <p:clrMapOvr>
+    <a:masterClrMapping/>
+  </p:clrMapOvr>
+</p:sld>
+</file>
+
+<file path=ppt/slides/slide4.xml><?xml version="1.0" encoding="utf-8"?>
+<p:sld xmlns:a="http://schemas.openxmlformats.org/drawingml/2006/main" xmlns:r="http://schemas.openxmlformats.org/officeDocument/2006/relationships" xmlns:p="http://schemas.openxmlformats.org/presentationml/2006/main">
+  <p:cSld>
+    <p:spTree>
+      <p:nvGrpSpPr>
+        <p:cNvPr id="1" name=""/>
+        <p:cNvGrpSpPr/>
+        <p:nvPr/>
+      </p:nvGrpSpPr>
+      <p:grpSpPr>
+        <a:xfrm>
+          <a:off x="0" y="0"/>
+          <a:ext cx="0" cy="0"/>
+          <a:chOff x="0" y="0"/>
+          <a:chExt cx="0" cy="0"/>
+        </a:xfrm>
+      </p:grpSpPr>
+      <p:sp>
+        <p:nvSpPr>
+          <p:cNvPr id="2" name="Title 1">
+            <a:extLst>
+              <a:ext uri="{FF2B5EF4-FFF2-40B4-BE49-F238E27FC236}">
+                <a16:creationId xmlns:a16="http://schemas.microsoft.com/office/drawing/2014/main" id="{9760E932-8A5A-0583-3DFE-9FA5CC095F61}"/>
+              </a:ext>
+            </a:extLst>
+          </p:cNvPr>
+          <p:cNvSpPr>
+            <a:spLocks noGrp="1"/>
+          </p:cNvSpPr>
+          <p:nvPr>
+            <p:ph type="title"/>
+          </p:nvPr>
+        </p:nvSpPr>
+        <p:spPr/>
+        <p:txBody>
+          <a:bodyPr/>
+          <a:lstStyle/>
+          <a:p>
+            <a:r>
+              <a:rPr lang="en-US" dirty="0"/>
+              <a:t>Discussion</a:t>
+            </a:r>
+          </a:p>
+        </p:txBody>
+      </p:sp>
+      <p:sp>
+        <p:nvSpPr>
+          <p:cNvPr id="3" name="Content Placeholder 2">
+            <a:extLst>
+              <a:ext uri="{FF2B5EF4-FFF2-40B4-BE49-F238E27FC236}">
+                <a16:creationId xmlns:a16="http://schemas.microsoft.com/office/drawing/2014/main" id="{C7252A9E-6B10-5951-6A41-A2173EBB089D}"/>
+              </a:ext>
+            </a:extLst>
+          </p:cNvPr>
+          <p:cNvSpPr>
+            <a:spLocks noGrp="1"/>
+          </p:cNvSpPr>
+          <p:nvPr>
+            <p:ph idx="1"/>
+          </p:nvPr>
+        </p:nvSpPr>
+        <p:spPr/>
+        <p:txBody>
+          <a:bodyPr/>
+          <a:lstStyle/>
+          <a:p>
+            <a:r>
+              <a:rPr lang="en-US" dirty="0"/>
+              <a:t>Scaffolding increases the few-shot baseline accuracy significantly</a:t>
+            </a:r>
+          </a:p>
+          <a:p>
+            <a:r>
+              <a:rPr lang="en-US" dirty="0"/>
+              <a:t>It decreases the accuracy of the Step1</a:t>
+            </a:r>
+          </a:p>
+          <a:p>
+            <a:r>
+              <a:rPr lang="en-US" dirty="0"/>
+              <a:t>It increases the accuracy of the Step2</a:t>
+            </a:r>
+          </a:p>
+        </p:txBody>
+      </p:sp>
+    </p:spTree>
+    <p:extLst>
+      <p:ext uri="{BB962C8B-B14F-4D97-AF65-F5344CB8AC3E}">
+        <p14:creationId xmlns:p14="http://schemas.microsoft.com/office/powerpoint/2010/main" val="1189779479"/>
+      </p:ext>
+    </p:extLst>
+  </p:cSld>
+  <p:clrMapOvr>
+    <a:masterClrMapping/>
+  </p:clrMapOvr>
+</p:sld>
+</file>
+
+<file path=ppt/slides/slide5.xml><?xml version="1.0" encoding="utf-8"?>
+<p:sld xmlns:a="http://schemas.openxmlformats.org/drawingml/2006/main" xmlns:r="http://schemas.openxmlformats.org/officeDocument/2006/relationships" xmlns:p="http://schemas.openxmlformats.org/presentationml/2006/main">
+  <p:cSld>
+    <p:spTree>
+      <p:nvGrpSpPr>
+        <p:cNvPr id="1" name=""/>
+        <p:cNvGrpSpPr/>
+        <p:nvPr/>
+      </p:nvGrpSpPr>
+      <p:grpSpPr>
+        <a:xfrm>
+          <a:off x="0" y="0"/>
+          <a:ext cx="0" cy="0"/>
+          <a:chOff x="0" y="0"/>
+          <a:chExt cx="0" cy="0"/>
+        </a:xfrm>
+      </p:grpSpPr>
+      <p:sp>
+        <p:nvSpPr>
+          <p:cNvPr id="2" name="Title 1">
+            <a:extLst>
+              <a:ext uri="{FF2B5EF4-FFF2-40B4-BE49-F238E27FC236}">
+                <a16:creationId xmlns:a16="http://schemas.microsoft.com/office/drawing/2014/main" id="{FBE0201C-9589-6C27-687E-D08E1682A211}"/>
+              </a:ext>
+            </a:extLst>
+          </p:cNvPr>
+          <p:cNvSpPr>
+            <a:spLocks noGrp="1"/>
+          </p:cNvSpPr>
+          <p:nvPr>
+            <p:ph type="title"/>
+          </p:nvPr>
+        </p:nvSpPr>
+        <p:spPr/>
+        <p:txBody>
+          <a:bodyPr/>
+          <a:lstStyle/>
+          <a:p>
+            <a:r>
+              <a:rPr lang="en-US" dirty="0"/>
+              <a:t>LEF Knowledge</a:t>
+            </a:r>
+          </a:p>
+        </p:txBody>
+      </p:sp>
+      <p:sp>
+        <p:nvSpPr>
+          <p:cNvPr id="3" name="Text Placeholder 2">
+            <a:extLst>
+              <a:ext uri="{FF2B5EF4-FFF2-40B4-BE49-F238E27FC236}">
+                <a16:creationId xmlns:a16="http://schemas.microsoft.com/office/drawing/2014/main" id="{9E07FEA0-1A49-D1A3-14B0-BD2F2F2E1C7C}"/>
+              </a:ext>
+            </a:extLst>
+          </p:cNvPr>
+          <p:cNvSpPr>
+            <a:spLocks noGrp="1"/>
+          </p:cNvSpPr>
+          <p:nvPr>
+            <p:ph type="body" idx="1"/>
+          </p:nvPr>
+        </p:nvSpPr>
+        <p:spPr/>
+        <p:txBody>
+          <a:bodyPr/>
+          <a:lstStyle/>
+          <a:p>
+            <a:endParaRPr lang="en-US"/>
+          </a:p>
+        </p:txBody>
+      </p:sp>
+    </p:spTree>
+    <p:extLst>
+      <p:ext uri="{BB962C8B-B14F-4D97-AF65-F5344CB8AC3E}">
+        <p14:creationId xmlns:p14="http://schemas.microsoft.com/office/powerpoint/2010/main" val="2958370681"/>
+      </p:ext>
+    </p:extLst>
+  </p:cSld>
+  <p:clrMapOvr>
+    <a:masterClrMapping/>
+  </p:clrMapOvr>
+</p:sld>
+</file>
+
+<file path=ppt/slides/slide6.xml><?xml version="1.0" encoding="utf-8"?>
+<p:sld xmlns:a="http://schemas.openxmlformats.org/drawingml/2006/main" xmlns:r="http://schemas.openxmlformats.org/officeDocument/2006/relationships" xmlns:p="http://schemas.openxmlformats.org/presentationml/2006/main">
+  <p:cSld>
+    <p:spTree>
+      <p:nvGrpSpPr>
+        <p:cNvPr id="1" name=""/>
+        <p:cNvGrpSpPr/>
+        <p:nvPr/>
+      </p:nvGrpSpPr>
+      <p:grpSpPr>
+        <a:xfrm>
+          <a:off x="0" y="0"/>
+          <a:ext cx="0" cy="0"/>
+          <a:chOff x="0" y="0"/>
+          <a:chExt cx="0" cy="0"/>
+        </a:xfrm>
+      </p:grpSpPr>
+      <p:sp>
+        <p:nvSpPr>
+          <p:cNvPr id="2" name="Title 1">
+            <a:extLst>
+              <a:ext uri="{FF2B5EF4-FFF2-40B4-BE49-F238E27FC236}">
+                <a16:creationId xmlns:a16="http://schemas.microsoft.com/office/drawing/2014/main" id="{09CB3E67-21B2-B3CD-D6D2-68B91AB4B6CC}"/>
+              </a:ext>
+            </a:extLst>
+          </p:cNvPr>
+          <p:cNvSpPr>
+            <a:spLocks noGrp="1"/>
+          </p:cNvSpPr>
+          <p:nvPr>
+            <p:ph type="title"/>
+          </p:nvPr>
+        </p:nvSpPr>
+        <p:spPr/>
+        <p:txBody>
+          <a:bodyPr/>
+          <a:lstStyle/>
+          <a:p>
+            <a:r>
+              <a:rPr lang="en-US" dirty="0"/>
+              <a:t>Difference</a:t>
+            </a:r>
+          </a:p>
+        </p:txBody>
+      </p:sp>
+      <p:pic>
+        <p:nvPicPr>
+          <p:cNvPr id="7" name="Picture 6" descr="A black screen with white text&#10;&#10;Description automatically generated">
+            <a:extLst>
+              <a:ext uri="{FF2B5EF4-FFF2-40B4-BE49-F238E27FC236}">
+                <a16:creationId xmlns:a16="http://schemas.microsoft.com/office/drawing/2014/main" id="{69EAE7B1-5D69-F2E9-6AF0-A201C37E153F}"/>
+              </a:ext>
+            </a:extLst>
+          </p:cNvPr>
+          <p:cNvPicPr>
+            <a:picLocks noChangeAspect="1"/>
+          </p:cNvPicPr>
+          <p:nvPr/>
+        </p:nvPicPr>
+        <p:blipFill>
+          <a:blip r:embed="rId2"/>
+          <a:stretch>
+            <a:fillRect/>
+          </a:stretch>
+        </p:blipFill>
+        <p:spPr>
+          <a:xfrm>
+            <a:off x="663301" y="1460034"/>
+            <a:ext cx="10603414" cy="2364487"/>
+          </a:xfrm>
+          <a:prstGeom prst="rect">
+            <a:avLst/>
+          </a:prstGeom>
+        </p:spPr>
+      </p:pic>
+      <p:pic>
+        <p:nvPicPr>
+          <p:cNvPr id="18" name="Picture 17" descr="A screenshot of a computer program&#10;&#10;Description automatically generated">
+            <a:extLst>
+              <a:ext uri="{FF2B5EF4-FFF2-40B4-BE49-F238E27FC236}">
+                <a16:creationId xmlns:a16="http://schemas.microsoft.com/office/drawing/2014/main" id="{7DC07060-F8CF-3D18-4A61-1365D90CAB0E}"/>
+              </a:ext>
+            </a:extLst>
+          </p:cNvPr>
+          <p:cNvPicPr>
+            <a:picLocks noChangeAspect="1"/>
+          </p:cNvPicPr>
+          <p:nvPr/>
+        </p:nvPicPr>
+        <p:blipFill>
+          <a:blip r:embed="rId3"/>
+          <a:stretch>
+            <a:fillRect/>
+          </a:stretch>
+        </p:blipFill>
+        <p:spPr>
+          <a:xfrm>
+            <a:off x="663301" y="3959650"/>
+            <a:ext cx="10603414" cy="2563242"/>
+          </a:xfrm>
+          <a:prstGeom prst="rect">
+            <a:avLst/>
+          </a:prstGeom>
+        </p:spPr>
+      </p:pic>
+    </p:spTree>
+    <p:extLst>
+      <p:ext uri="{BB962C8B-B14F-4D97-AF65-F5344CB8AC3E}">
+        <p14:creationId xmlns:p14="http://schemas.microsoft.com/office/powerpoint/2010/main" val="817295702"/>
+      </p:ext>
+    </p:extLst>
+  </p:cSld>
+  <p:clrMapOvr>
+    <a:masterClrMapping/>
+  </p:clrMapOvr>
+</p:sld>
+</file>
+
+<file path=ppt/slides/slide7.xml><?xml version="1.0" encoding="utf-8"?>
+<p:sld xmlns:a="http://schemas.openxmlformats.org/drawingml/2006/main" xmlns:r="http://schemas.openxmlformats.org/officeDocument/2006/relationships" xmlns:p="http://schemas.openxmlformats.org/presentationml/2006/main">
+  <p:cSld>
+    <p:spTree>
+      <p:nvGrpSpPr>
+        <p:cNvPr id="1" name=""/>
+        <p:cNvGrpSpPr/>
+        <p:nvPr/>
+      </p:nvGrpSpPr>
+      <p:grpSpPr>
+        <a:xfrm>
+          <a:off x="0" y="0"/>
+          <a:ext cx="0" cy="0"/>
+          <a:chOff x="0" y="0"/>
+          <a:chExt cx="0" cy="0"/>
+        </a:xfrm>
+      </p:grpSpPr>
+      <p:graphicFrame>
+        <p:nvGraphicFramePr>
+          <p:cNvPr id="4" name="Content Placeholder 3">
+            <a:extLst>
+              <a:ext uri="{FF2B5EF4-FFF2-40B4-BE49-F238E27FC236}">
+                <a16:creationId xmlns:a16="http://schemas.microsoft.com/office/drawing/2014/main" id="{99E3EDE9-3C1D-6865-CDE6-94D4849DD4C8}"/>
+              </a:ext>
+            </a:extLst>
+          </p:cNvPr>
+          <p:cNvGraphicFramePr>
+            <a:graphicFrameLocks noGrp="1"/>
+          </p:cNvGraphicFramePr>
+          <p:nvPr>
+            <p:ph idx="1"/>
+            <p:extLst>
+              <p:ext uri="{D42A27DB-BD31-4B8C-83A1-F6EECF244321}">
+                <p14:modId xmlns:p14="http://schemas.microsoft.com/office/powerpoint/2010/main" val="1160661863"/>
+              </p:ext>
+            </p:extLst>
+          </p:nvPr>
+        </p:nvGraphicFramePr>
+        <p:xfrm>
+          <a:off x="768626" y="384451"/>
+          <a:ext cx="10279744" cy="4925334"/>
+        </p:xfrm>
+        <a:graphic>
+          <a:graphicData uri="http://schemas.openxmlformats.org/drawingml/2006/table">
+            <a:tbl>
+              <a:tblPr firstRow="1" bandRow="1">
+                <a:tableStyleId>{5C22544A-7EE6-4342-B048-85BDC9FD1C3A}</a:tableStyleId>
+              </a:tblPr>
+              <a:tblGrid>
+                <a:gridCol w="2569936">
+                  <a:extLst>
+                    <a:ext uri="{9D8B030D-6E8A-4147-A177-3AD203B41FA5}">
+                      <a16:colId xmlns:a16="http://schemas.microsoft.com/office/drawing/2014/main" val="963128114"/>
+                    </a:ext>
+                  </a:extLst>
+                </a:gridCol>
+                <a:gridCol w="2569936">
+                  <a:extLst>
+                    <a:ext uri="{9D8B030D-6E8A-4147-A177-3AD203B41FA5}">
+                      <a16:colId xmlns:a16="http://schemas.microsoft.com/office/drawing/2014/main" val="960655308"/>
+                    </a:ext>
+                  </a:extLst>
+                </a:gridCol>
+                <a:gridCol w="2569936">
+                  <a:extLst>
+                    <a:ext uri="{9D8B030D-6E8A-4147-A177-3AD203B41FA5}">
+                      <a16:colId xmlns:a16="http://schemas.microsoft.com/office/drawing/2014/main" val="676507202"/>
+                    </a:ext>
+                  </a:extLst>
+                </a:gridCol>
+                <a:gridCol w="2569936">
+                  <a:extLst>
+                    <a:ext uri="{9D8B030D-6E8A-4147-A177-3AD203B41FA5}">
+                      <a16:colId xmlns:a16="http://schemas.microsoft.com/office/drawing/2014/main" val="938938723"/>
+                    </a:ext>
+                  </a:extLst>
+                </a:gridCol>
+              </a:tblGrid>
+              <a:tr h="820889">
+                <a:tc>
+                  <a:txBody>
+                    <a:bodyPr/>
+                    <a:lstStyle/>
+                    <a:p>
+                      <a:r>
+                        <a:rPr lang="en-US" dirty="0"/>
+                        <a:t>Method (20 test samples)</a:t>
+                      </a:r>
+                    </a:p>
+                  </a:txBody>
+                  <a:tcPr/>
+                </a:tc>
+                <a:tc>
+                  <a:txBody>
+                    <a:bodyPr/>
+                    <a:lstStyle/>
+                    <a:p>
+                      <a:r>
+                        <a:rPr lang="en-US" dirty="0"/>
+                        <a:t>Model</a:t>
+                      </a:r>
+                    </a:p>
+                  </a:txBody>
+                  <a:tcPr/>
+                </a:tc>
+                <a:tc>
+                  <a:txBody>
+                    <a:bodyPr/>
+                    <a:lstStyle/>
+                    <a:p>
+                      <a:r>
+                        <a:rPr lang="en-US" dirty="0"/>
+                        <a:t>Top1</a:t>
+                      </a:r>
+                    </a:p>
+                  </a:txBody>
+                  <a:tcPr/>
+                </a:tc>
+                <a:tc>
+                  <a:txBody>
+                    <a:bodyPr/>
+                    <a:lstStyle/>
+                    <a:p>
+                      <a:r>
+                        <a:rPr lang="en-US" dirty="0"/>
+                        <a:t># Invalid</a:t>
+                      </a:r>
+                    </a:p>
+                  </a:txBody>
+                  <a:tcPr/>
+                </a:tc>
+                <a:extLst>
+                  <a:ext uri="{0D108BD9-81ED-4DB2-BD59-A6C34878D82A}">
+                    <a16:rowId xmlns:a16="http://schemas.microsoft.com/office/drawing/2014/main" val="113282996"/>
+                  </a:ext>
+                </a:extLst>
+              </a:tr>
+              <a:tr h="820889">
+                <a:tc>
+                  <a:txBody>
+                    <a:bodyPr/>
+                    <a:lstStyle/>
+                    <a:p>
+                      <a:r>
+                        <a:rPr lang="en-US" dirty="0"/>
+                        <a:t>Few Shot (Specific)</a:t>
+                      </a:r>
+                    </a:p>
+                  </a:txBody>
+                  <a:tcPr/>
+                </a:tc>
+                <a:tc>
+                  <a:txBody>
+                    <a:bodyPr/>
+                    <a:lstStyle/>
+                    <a:p>
+                      <a:r>
+                        <a:rPr lang="en-US" dirty="0"/>
+                        <a:t>GPT-4</a:t>
+                      </a:r>
+                    </a:p>
+                  </a:txBody>
+                  <a:tcPr/>
+                </a:tc>
+                <a:tc>
+                  <a:txBody>
+                    <a:bodyPr/>
+                    <a:lstStyle/>
+                    <a:p>
+                      <a:r>
+                        <a:rPr lang="en-US" dirty="0"/>
+                        <a:t>10</a:t>
+                      </a:r>
+                    </a:p>
+                  </a:txBody>
+                  <a:tcPr/>
+                </a:tc>
+                <a:tc>
+                  <a:txBody>
+                    <a:bodyPr/>
+                    <a:lstStyle/>
+                    <a:p>
+                      <a:r>
+                        <a:rPr lang="en-US" dirty="0"/>
+                        <a:t>2</a:t>
+                      </a:r>
+                    </a:p>
+                  </a:txBody>
+                  <a:tcPr/>
+                </a:tc>
+                <a:extLst>
+                  <a:ext uri="{0D108BD9-81ED-4DB2-BD59-A6C34878D82A}">
+                    <a16:rowId xmlns:a16="http://schemas.microsoft.com/office/drawing/2014/main" val="1962525592"/>
+                  </a:ext>
+                </a:extLst>
+              </a:tr>
+              <a:tr h="820889">
+                <a:tc>
+                  <a:txBody>
+                    <a:bodyPr/>
+                    <a:lstStyle/>
+                    <a:p>
+                      <a:r>
+                        <a:rPr lang="en-US" dirty="0"/>
+                        <a:t>Step1 (Specific)</a:t>
+                      </a:r>
+                    </a:p>
+                  </a:txBody>
+                  <a:tcPr/>
+                </a:tc>
+                <a:tc>
+                  <a:txBody>
+                    <a:bodyPr/>
+                    <a:lstStyle/>
+                    <a:p>
+                      <a:pPr marL="0" marR="0" lvl="0" indent="0" algn="l" defTabSz="914400" rtl="0" eaLnBrk="1" fontAlgn="auto" latinLnBrk="0" hangingPunct="1">
+                        <a:lnSpc>
+                          <a:spcPct val="100000"/>
+                        </a:lnSpc>
+                        <a:spcBef>
+                          <a:spcPts val="0"/>
+                        </a:spcBef>
+                        <a:spcAft>
+                          <a:spcPts val="0"/>
+                        </a:spcAft>
+                        <a:buClrTx/>
+                        <a:buSzTx/>
+                        <a:buFontTx/>
+                        <a:buNone/>
+                        <a:tabLst/>
+                        <a:defRPr/>
+                      </a:pPr>
+                      <a:r>
+                        <a:rPr lang="en-US" dirty="0"/>
+                        <a:t>GPT-4</a:t>
+                      </a:r>
+                    </a:p>
+                    <a:p>
+                      <a:endParaRPr lang="en-US" dirty="0"/>
+                    </a:p>
+                  </a:txBody>
+                  <a:tcPr/>
+                </a:tc>
+                <a:tc>
+                  <a:txBody>
+                    <a:bodyPr/>
+                    <a:lstStyle/>
+                    <a:p>
+                      <a:r>
+                        <a:rPr lang="en-US" dirty="0"/>
+                        <a:t>14</a:t>
+                      </a:r>
+                    </a:p>
+                  </a:txBody>
+                  <a:tcPr/>
+                </a:tc>
+                <a:tc>
+                  <a:txBody>
+                    <a:bodyPr/>
+                    <a:lstStyle/>
+                    <a:p>
+                      <a:r>
+                        <a:rPr lang="en-US" dirty="0"/>
+                        <a:t>0</a:t>
+                      </a:r>
+                    </a:p>
+                  </a:txBody>
+                  <a:tcPr/>
+                </a:tc>
+                <a:extLst>
+                  <a:ext uri="{0D108BD9-81ED-4DB2-BD59-A6C34878D82A}">
+                    <a16:rowId xmlns:a16="http://schemas.microsoft.com/office/drawing/2014/main" val="480962539"/>
+                  </a:ext>
+                </a:extLst>
+              </a:tr>
+              <a:tr h="820889">
+                <a:tc>
+                  <a:txBody>
+                    <a:bodyPr/>
+                    <a:lstStyle/>
+                    <a:p>
+                      <a:r>
+                        <a:rPr lang="en-US" dirty="0"/>
+                        <a:t>Step2 (Specific)</a:t>
+                      </a:r>
+                    </a:p>
+                  </a:txBody>
+                  <a:tcPr/>
+                </a:tc>
+                <a:tc>
+                  <a:txBody>
+                    <a:bodyPr/>
+                    <a:lstStyle/>
+                    <a:p>
+                      <a:r>
+                        <a:rPr lang="en-US" dirty="0"/>
+                        <a:t>GPT-4</a:t>
+                      </a:r>
+                    </a:p>
+                  </a:txBody>
+                  <a:tcPr/>
+                </a:tc>
+                <a:tc>
+                  <a:txBody>
+                    <a:bodyPr/>
+                    <a:lstStyle/>
+                    <a:p>
+                      <a:r>
+                        <a:rPr lang="en-US" dirty="0"/>
+                        <a:t>5</a:t>
+                      </a:r>
+                    </a:p>
+                  </a:txBody>
+                  <a:tcPr/>
+                </a:tc>
+                <a:tc>
+                  <a:txBody>
+                    <a:bodyPr/>
+                    <a:lstStyle/>
+                    <a:p>
+                      <a:r>
+                        <a:rPr lang="en-US" dirty="0"/>
+                        <a:t>2</a:t>
+                      </a:r>
+                    </a:p>
+                  </a:txBody>
+                  <a:tcPr/>
+                </a:tc>
+                <a:extLst>
+                  <a:ext uri="{0D108BD9-81ED-4DB2-BD59-A6C34878D82A}">
+                    <a16:rowId xmlns:a16="http://schemas.microsoft.com/office/drawing/2014/main" val="3796483168"/>
+                  </a:ext>
+                </a:extLst>
+              </a:tr>
+              <a:tr h="820889">
+                <a:tc>
+                  <a:txBody>
+                    <a:bodyPr/>
+                    <a:lstStyle/>
+                    <a:p>
+                      <a:pPr marL="0" marR="0" lvl="0" indent="0" algn="l" defTabSz="914400" rtl="0" eaLnBrk="1" fontAlgn="auto" latinLnBrk="0" hangingPunct="1">
+                        <a:lnSpc>
+                          <a:spcPct val="100000"/>
+                        </a:lnSpc>
+                        <a:spcBef>
+                          <a:spcPts val="0"/>
+                        </a:spcBef>
+                        <a:spcAft>
+                          <a:spcPts val="0"/>
+                        </a:spcAft>
+                        <a:buClrTx/>
+                        <a:buSzTx/>
+                        <a:buFontTx/>
+                        <a:buNone/>
+                        <a:tabLst/>
+                        <a:defRPr/>
+                      </a:pPr>
+                      <a:r>
+                        <a:rPr lang="en-US" dirty="0"/>
+                        <a:t>Few Shot w/ SC (Specific)</a:t>
+                      </a:r>
+                    </a:p>
+                    <a:p>
+                      <a:endParaRPr lang="en-US" dirty="0"/>
+                    </a:p>
+                  </a:txBody>
+                  <a:tcPr/>
+                </a:tc>
+                <a:tc>
+                  <a:txBody>
+                    <a:bodyPr/>
+                    <a:lstStyle/>
+                    <a:p>
+                      <a:r>
+                        <a:rPr lang="en-US"/>
+                        <a:t>GPT-4</a:t>
+                      </a:r>
+                      <a:endParaRPr lang="en-US" dirty="0"/>
+                    </a:p>
+                  </a:txBody>
+                  <a:tcPr/>
+                </a:tc>
+                <a:tc>
+                  <a:txBody>
+                    <a:bodyPr/>
+                    <a:lstStyle/>
+                    <a:p>
+                      <a:r>
+                        <a:rPr lang="en-US" dirty="0"/>
+                        <a:t>9</a:t>
+                      </a:r>
+                    </a:p>
+                  </a:txBody>
+                  <a:tcPr/>
+                </a:tc>
+                <a:tc>
+                  <a:txBody>
+                    <a:bodyPr/>
+                    <a:lstStyle/>
+                    <a:p>
+                      <a:r>
+                        <a:rPr lang="en-US" dirty="0"/>
+                        <a:t>0</a:t>
+                      </a:r>
+                    </a:p>
+                  </a:txBody>
+                  <a:tcPr/>
+                </a:tc>
+                <a:extLst>
+                  <a:ext uri="{0D108BD9-81ED-4DB2-BD59-A6C34878D82A}">
+                    <a16:rowId xmlns:a16="http://schemas.microsoft.com/office/drawing/2014/main" val="464696613"/>
+                  </a:ext>
+                </a:extLst>
+              </a:tr>
+              <a:tr h="820889">
+                <a:tc>
+                  <a:txBody>
+                    <a:bodyPr/>
+                    <a:lstStyle/>
+                    <a:p>
+                      <a:endParaRPr lang="en-US" dirty="0"/>
+                    </a:p>
+                  </a:txBody>
+                  <a:tcPr/>
+                </a:tc>
+                <a:tc>
+                  <a:txBody>
+                    <a:bodyPr/>
+                    <a:lstStyle/>
+                    <a:p>
+                      <a:endParaRPr lang="en-US" dirty="0"/>
+                    </a:p>
+                  </a:txBody>
+                  <a:tcPr/>
+                </a:tc>
+                <a:tc>
+                  <a:txBody>
+                    <a:bodyPr/>
+                    <a:lstStyle/>
+                    <a:p>
+                      <a:endParaRPr lang="en-US" dirty="0"/>
+                    </a:p>
+                  </a:txBody>
+                  <a:tcPr/>
+                </a:tc>
+                <a:tc>
+                  <a:txBody>
+                    <a:bodyPr/>
+                    <a:lstStyle/>
+                    <a:p>
+                      <a:endParaRPr lang="en-US" dirty="0"/>
+                    </a:p>
+                  </a:txBody>
+                  <a:tcPr/>
+                </a:tc>
+                <a:extLst>
+                  <a:ext uri="{0D108BD9-81ED-4DB2-BD59-A6C34878D82A}">
+                    <a16:rowId xmlns:a16="http://schemas.microsoft.com/office/drawing/2014/main" val="3913006389"/>
+                  </a:ext>
+                </a:extLst>
+              </a:tr>
+            </a:tbl>
+          </a:graphicData>
+        </a:graphic>
+      </p:graphicFrame>
+    </p:spTree>
+    <p:extLst>
+      <p:ext uri="{BB962C8B-B14F-4D97-AF65-F5344CB8AC3E}">
+        <p14:creationId xmlns:p14="http://schemas.microsoft.com/office/powerpoint/2010/main" val="2520483718"/>
+      </p:ext>
+    </p:extLst>
+  </p:cSld>
+  <p:clrMapOvr>
+    <a:masterClrMapping/>
+  </p:clrMapOvr>
+</p:sld>
+</file>
+
+<file path=ppt/slides/slide8.xml><?xml version="1.0" encoding="utf-8"?>
+<p:sld xmlns:a="http://schemas.openxmlformats.org/drawingml/2006/main" xmlns:r="http://schemas.openxmlformats.org/officeDocument/2006/relationships" xmlns:p="http://schemas.openxmlformats.org/presentationml/2006/main">
+  <p:cSld>
+    <p:spTree>
+      <p:nvGrpSpPr>
+        <p:cNvPr id="1" name=""/>
+        <p:cNvGrpSpPr/>
+        <p:nvPr/>
+      </p:nvGrpSpPr>
+      <p:grpSpPr>
+        <a:xfrm>
+          <a:off x="0" y="0"/>
+          <a:ext cx="0" cy="0"/>
+          <a:chOff x="0" y="0"/>
+          <a:chExt cx="0" cy="0"/>
+        </a:xfrm>
+      </p:grpSpPr>
+      <p:sp>
+        <p:nvSpPr>
+          <p:cNvPr id="2" name="Title 1">
+            <a:extLst>
+              <a:ext uri="{FF2B5EF4-FFF2-40B4-BE49-F238E27FC236}">
+                <a16:creationId xmlns:a16="http://schemas.microsoft.com/office/drawing/2014/main" id="{E0F81C4D-916B-D03A-1DAF-DB9C7F4F9487}"/>
+              </a:ext>
+            </a:extLst>
+          </p:cNvPr>
+          <p:cNvSpPr>
+            <a:spLocks noGrp="1"/>
+          </p:cNvSpPr>
+          <p:nvPr>
+            <p:ph type="title"/>
+          </p:nvPr>
+        </p:nvSpPr>
+        <p:spPr/>
+        <p:txBody>
+          <a:bodyPr/>
+          <a:lstStyle/>
+          <a:p>
+            <a:r>
+              <a:rPr lang="en-US" dirty="0"/>
+              <a:t>String Addition</a:t>
+            </a:r>
+          </a:p>
+        </p:txBody>
+      </p:sp>
+      <p:sp>
+        <p:nvSpPr>
+          <p:cNvPr id="3" name="Text Placeholder 2">
+            <a:extLst>
+              <a:ext uri="{FF2B5EF4-FFF2-40B4-BE49-F238E27FC236}">
+                <a16:creationId xmlns:a16="http://schemas.microsoft.com/office/drawing/2014/main" id="{074A2FDA-9CBE-30CD-945F-ACCE93068C5B}"/>
+              </a:ext>
+            </a:extLst>
+          </p:cNvPr>
+          <p:cNvSpPr>
+            <a:spLocks noGrp="1"/>
+          </p:cNvSpPr>
+          <p:nvPr>
+            <p:ph type="body" idx="1"/>
+          </p:nvPr>
+        </p:nvSpPr>
+        <p:spPr/>
+        <p:txBody>
+          <a:bodyPr/>
+          <a:lstStyle/>
+          <a:p>
+            <a:endParaRPr lang="en-US" dirty="0"/>
+          </a:p>
+        </p:txBody>
+      </p:sp>
+    </p:spTree>
+    <p:extLst>
+      <p:ext uri="{BB962C8B-B14F-4D97-AF65-F5344CB8AC3E}">
+        <p14:creationId xmlns:p14="http://schemas.microsoft.com/office/powerpoint/2010/main" val="3899765202"/>
       </p:ext>
     </p:extLst>
   </p:cSld>
@@ -5114,7 +6547,7 @@
           <p:cNvPr id="2" name="Title 1">
             <a:extLst>
               <a:ext uri="{FF2B5EF4-FFF2-40B4-BE49-F238E27FC236}">
-                <a16:creationId xmlns:a16="http://schemas.microsoft.com/office/drawing/2014/main" id="{8E8A971F-DC27-82BA-789B-3CC6303CA13D}"/>
+                <a16:creationId xmlns:a16="http://schemas.microsoft.com/office/drawing/2014/main" id="{1B0BC176-D984-EFCC-C9E4-66B1284700AA}"/>
               </a:ext>
             </a:extLst>
           </p:cNvPr>
@@ -5132,7 +6565,7 @@
           <a:p>
             <a:r>
               <a:rPr lang="en-US" dirty="0"/>
-              <a:t>Discussion</a:t>
+              <a:t>Method</a:t>
             </a:r>
           </a:p>
         </p:txBody>
@@ -5142,7 +6575,7 @@
           <p:cNvPr id="3" name="Content Placeholder 2">
             <a:extLst>
               <a:ext uri="{FF2B5EF4-FFF2-40B4-BE49-F238E27FC236}">
-                <a16:creationId xmlns:a16="http://schemas.microsoft.com/office/drawing/2014/main" id="{7879C320-4460-0EEC-6D80-6837FD94BE26}"/>
+                <a16:creationId xmlns:a16="http://schemas.microsoft.com/office/drawing/2014/main" id="{066A7482-CC8B-ACCA-300B-2E4441751191}"/>
               </a:ext>
             </a:extLst>
           </p:cNvPr>
@@ -5155,106 +6588,44 @@
         </p:nvSpPr>
         <p:spPr/>
         <p:txBody>
-          <a:bodyPr>
-            <a:normAutofit fontScale="85000" lnSpcReduction="10000"/>
-          </a:bodyPr>
+          <a:bodyPr/>
           <a:lstStyle/>
           <a:p>
             <a:r>
               <a:rPr lang="en-US" dirty="0"/>
-              <a:t>Straight ICL does not work</a:t>
-            </a:r>
-          </a:p>
-          <a:p>
-            <a:pPr lvl="1"/>
+              <a:t>Intermediate 1: …</a:t>
+            </a:r>
+          </a:p>
+          <a:p>
             <a:r>
               <a:rPr lang="en-US" dirty="0"/>
-              <a:t>Performs the same as baseline</a:t>
+              <a:t>Intermediate 2: …</a:t>
             </a:r>
           </a:p>
           <a:p>
             <a:r>
               <a:rPr lang="en-US" dirty="0"/>
-              <a:t>Predicting First step is easy given only first step ICL (This is technically fine as a separate step, because every molecule has a reshape as first intermediate)</a:t>
+              <a:t>…</a:t>
             </a:r>
           </a:p>
           <a:p>
             <a:r>
               <a:rPr lang="en-US" dirty="0"/>
-              <a:t>Some intermediates are “invalid” in the sense that you cannot sanitize the molecule using </a:t>
-            </a:r>
-            <a:r>
-              <a:rPr lang="en-US" dirty="0" err="1"/>
-              <a:t>MolFromSmiles</a:t>
-            </a:r>
-            <a:endParaRPr lang="en-US" dirty="0"/>
-          </a:p>
-          <a:p>
-            <a:pPr lvl="1"/>
+              <a:t>Intermediate 1: …</a:t>
+            </a:r>
+          </a:p>
+          <a:p>
             <a:r>
               <a:rPr lang="en-US" dirty="0"/>
-              <a:t>The line Chemically reasonable may or may not cause issues</a:t>
-            </a:r>
-          </a:p>
-          <a:p>
-            <a:r>
-              <a:rPr lang="en-US" dirty="0"/>
-              <a:t>Predicting the 2</a:t>
-            </a:r>
-            <a:r>
-              <a:rPr lang="en-US" baseline="30000" dirty="0"/>
-              <a:t>nd</a:t>
-            </a:r>
-            <a:r>
-              <a:rPr lang="en-US" dirty="0"/>
-              <a:t> Intermediate is awful.</a:t>
-            </a:r>
-          </a:p>
-          <a:p>
-            <a:pPr lvl="1"/>
-            <a:r>
-              <a:rPr lang="en-US" dirty="0"/>
-              <a:t>w/ The full version, it doesn’t include a + somewhere or includes it incorrectly</a:t>
-            </a:r>
-          </a:p>
-          <a:p>
-            <a:pPr lvl="1"/>
-            <a:r>
-              <a:rPr lang="en-US" dirty="0"/>
-              <a:t>w/ The partial version, it may select wrong place to put a +</a:t>
-            </a:r>
-          </a:p>
-          <a:p>
-            <a:pPr lvl="2"/>
-            <a:r>
-              <a:rPr lang="en-US" dirty="0"/>
-              <a:t>~12 is wrong for this reason</a:t>
-            </a:r>
-          </a:p>
-          <a:p>
-            <a:pPr lvl="2"/>
-            <a:r>
-              <a:rPr lang="en-US" dirty="0"/>
-              <a:t>Several have different number of A</a:t>
-            </a:r>
-          </a:p>
-          <a:p>
-            <a:pPr lvl="1"/>
-            <a:r>
-              <a:rPr lang="en-US" dirty="0"/>
-              <a:t>Many are just wrong</a:t>
-            </a:r>
-          </a:p>
-          <a:p>
-            <a:pPr lvl="1"/>
-            <a:endParaRPr lang="en-US" dirty="0"/>
+              <a:t>Intermediate 2: ?</a:t>
+            </a:r>
           </a:p>
         </p:txBody>
       </p:sp>
     </p:spTree>
     <p:extLst>
       <p:ext uri="{BB962C8B-B14F-4D97-AF65-F5344CB8AC3E}">
-        <p14:creationId xmlns:p14="http://schemas.microsoft.com/office/powerpoint/2010/main" val="155742377"/>
+        <p14:creationId xmlns:p14="http://schemas.microsoft.com/office/powerpoint/2010/main" val="3793641640"/>
       </p:ext>
     </p:extLst>
   </p:cSld>

--- a/pptx/7-21-2023.pptx
+++ b/pptx/7-21-2023.pptx
@@ -11,14 +11,18 @@
     <p:sldId id="266" r:id="rId5"/>
     <p:sldId id="267" r:id="rId6"/>
     <p:sldId id="271" r:id="rId7"/>
-    <p:sldId id="269" r:id="rId8"/>
-    <p:sldId id="262" r:id="rId9"/>
-    <p:sldId id="275" r:id="rId10"/>
-    <p:sldId id="272" r:id="rId11"/>
-    <p:sldId id="276" r:id="rId12"/>
-    <p:sldId id="278" r:id="rId13"/>
-    <p:sldId id="277" r:id="rId14"/>
-    <p:sldId id="265" r:id="rId15"/>
+    <p:sldId id="279" r:id="rId8"/>
+    <p:sldId id="269" r:id="rId9"/>
+    <p:sldId id="262" r:id="rId10"/>
+    <p:sldId id="275" r:id="rId11"/>
+    <p:sldId id="272" r:id="rId12"/>
+    <p:sldId id="276" r:id="rId13"/>
+    <p:sldId id="278" r:id="rId14"/>
+    <p:sldId id="277" r:id="rId15"/>
+    <p:sldId id="265" r:id="rId16"/>
+    <p:sldId id="282" r:id="rId17"/>
+    <p:sldId id="280" r:id="rId18"/>
+    <p:sldId id="281" r:id="rId19"/>
   </p:sldIdLst>
   <p:sldSz cx="12192000" cy="6858000"/>
   <p:notesSz cx="6858000" cy="9144000"/>
@@ -3425,6 +3429,116 @@
           <a:chExt cx="0" cy="0"/>
         </a:xfrm>
       </p:grpSpPr>
+      <p:sp>
+        <p:nvSpPr>
+          <p:cNvPr id="2" name="Title 1">
+            <a:extLst>
+              <a:ext uri="{FF2B5EF4-FFF2-40B4-BE49-F238E27FC236}">
+                <a16:creationId xmlns:a16="http://schemas.microsoft.com/office/drawing/2014/main" id="{1B0BC176-D984-EFCC-C9E4-66B1284700AA}"/>
+              </a:ext>
+            </a:extLst>
+          </p:cNvPr>
+          <p:cNvSpPr>
+            <a:spLocks noGrp="1"/>
+          </p:cNvSpPr>
+          <p:nvPr>
+            <p:ph type="title"/>
+          </p:nvPr>
+        </p:nvSpPr>
+        <p:spPr/>
+        <p:txBody>
+          <a:bodyPr/>
+          <a:lstStyle/>
+          <a:p>
+            <a:r>
+              <a:rPr lang="en-US" dirty="0"/>
+              <a:t>Method</a:t>
+            </a:r>
+          </a:p>
+        </p:txBody>
+      </p:sp>
+      <p:sp>
+        <p:nvSpPr>
+          <p:cNvPr id="3" name="Content Placeholder 2">
+            <a:extLst>
+              <a:ext uri="{FF2B5EF4-FFF2-40B4-BE49-F238E27FC236}">
+                <a16:creationId xmlns:a16="http://schemas.microsoft.com/office/drawing/2014/main" id="{066A7482-CC8B-ACCA-300B-2E4441751191}"/>
+              </a:ext>
+            </a:extLst>
+          </p:cNvPr>
+          <p:cNvSpPr>
+            <a:spLocks noGrp="1"/>
+          </p:cNvSpPr>
+          <p:nvPr>
+            <p:ph idx="1"/>
+          </p:nvPr>
+        </p:nvSpPr>
+        <p:spPr/>
+        <p:txBody>
+          <a:bodyPr/>
+          <a:lstStyle/>
+          <a:p>
+            <a:r>
+              <a:rPr lang="en-US" dirty="0"/>
+              <a:t>Intermediate 1: …</a:t>
+            </a:r>
+          </a:p>
+          <a:p>
+            <a:r>
+              <a:rPr lang="en-US" dirty="0"/>
+              <a:t>Intermediate 2: …</a:t>
+            </a:r>
+          </a:p>
+          <a:p>
+            <a:r>
+              <a:rPr lang="en-US" dirty="0"/>
+              <a:t>…</a:t>
+            </a:r>
+          </a:p>
+          <a:p>
+            <a:r>
+              <a:rPr lang="en-US" dirty="0"/>
+              <a:t>Intermediate 1: …</a:t>
+            </a:r>
+          </a:p>
+          <a:p>
+            <a:r>
+              <a:rPr lang="en-US" dirty="0"/>
+              <a:t>Intermediate 2: ?</a:t>
+            </a:r>
+          </a:p>
+        </p:txBody>
+      </p:sp>
+    </p:spTree>
+    <p:extLst>
+      <p:ext uri="{BB962C8B-B14F-4D97-AF65-F5344CB8AC3E}">
+        <p14:creationId xmlns:p14="http://schemas.microsoft.com/office/powerpoint/2010/main" val="3793641640"/>
+      </p:ext>
+    </p:extLst>
+  </p:cSld>
+  <p:clrMapOvr>
+    <a:masterClrMapping/>
+  </p:clrMapOvr>
+</p:sld>
+</file>
+
+<file path=ppt/slides/slide11.xml><?xml version="1.0" encoding="utf-8"?>
+<p:sld xmlns:a="http://schemas.openxmlformats.org/drawingml/2006/main" xmlns:r="http://schemas.openxmlformats.org/officeDocument/2006/relationships" xmlns:p="http://schemas.openxmlformats.org/presentationml/2006/main">
+  <p:cSld>
+    <p:spTree>
+      <p:nvGrpSpPr>
+        <p:cNvPr id="1" name=""/>
+        <p:cNvGrpSpPr/>
+        <p:nvPr/>
+      </p:nvGrpSpPr>
+      <p:grpSpPr>
+        <a:xfrm>
+          <a:off x="0" y="0"/>
+          <a:ext cx="0" cy="0"/>
+          <a:chOff x="0" y="0"/>
+          <a:chExt cx="0" cy="0"/>
+        </a:xfrm>
+      </p:grpSpPr>
       <p:graphicFrame>
         <p:nvGraphicFramePr>
           <p:cNvPr id="4" name="Content Placeholder 3">
@@ -3809,90 +3923,6 @@
 </p:sld>
 </file>
 
-<file path=ppt/slides/slide11.xml><?xml version="1.0" encoding="utf-8"?>
-<p:sld xmlns:a="http://schemas.openxmlformats.org/drawingml/2006/main" xmlns:r="http://schemas.openxmlformats.org/officeDocument/2006/relationships" xmlns:p="http://schemas.openxmlformats.org/presentationml/2006/main">
-  <p:cSld>
-    <p:spTree>
-      <p:nvGrpSpPr>
-        <p:cNvPr id="1" name=""/>
-        <p:cNvGrpSpPr/>
-        <p:nvPr/>
-      </p:nvGrpSpPr>
-      <p:grpSpPr>
-        <a:xfrm>
-          <a:off x="0" y="0"/>
-          <a:ext cx="0" cy="0"/>
-          <a:chOff x="0" y="0"/>
-          <a:chExt cx="0" cy="0"/>
-        </a:xfrm>
-      </p:grpSpPr>
-      <p:sp>
-        <p:nvSpPr>
-          <p:cNvPr id="2" name="Title 1">
-            <a:extLst>
-              <a:ext uri="{FF2B5EF4-FFF2-40B4-BE49-F238E27FC236}">
-                <a16:creationId xmlns:a16="http://schemas.microsoft.com/office/drawing/2014/main" id="{E0F81C4D-916B-D03A-1DAF-DB9C7F4F9487}"/>
-              </a:ext>
-            </a:extLst>
-          </p:cNvPr>
-          <p:cNvSpPr>
-            <a:spLocks noGrp="1"/>
-          </p:cNvSpPr>
-          <p:nvPr>
-            <p:ph type="title"/>
-          </p:nvPr>
-        </p:nvSpPr>
-        <p:spPr/>
-        <p:txBody>
-          <a:bodyPr/>
-          <a:lstStyle/>
-          <a:p>
-            <a:r>
-              <a:rPr lang="en-US" dirty="0" err="1"/>
-              <a:t>CoT</a:t>
-            </a:r>
-            <a:endParaRPr lang="en-US" dirty="0"/>
-          </a:p>
-        </p:txBody>
-      </p:sp>
-      <p:sp>
-        <p:nvSpPr>
-          <p:cNvPr id="3" name="Text Placeholder 2">
-            <a:extLst>
-              <a:ext uri="{FF2B5EF4-FFF2-40B4-BE49-F238E27FC236}">
-                <a16:creationId xmlns:a16="http://schemas.microsoft.com/office/drawing/2014/main" id="{074A2FDA-9CBE-30CD-945F-ACCE93068C5B}"/>
-              </a:ext>
-            </a:extLst>
-          </p:cNvPr>
-          <p:cNvSpPr>
-            <a:spLocks noGrp="1"/>
-          </p:cNvSpPr>
-          <p:nvPr>
-            <p:ph type="body" idx="1"/>
-          </p:nvPr>
-        </p:nvSpPr>
-        <p:spPr/>
-        <p:txBody>
-          <a:bodyPr/>
-          <a:lstStyle/>
-          <a:p>
-            <a:endParaRPr lang="en-US" dirty="0"/>
-          </a:p>
-        </p:txBody>
-      </p:sp>
-    </p:spTree>
-    <p:extLst>
-      <p:ext uri="{BB962C8B-B14F-4D97-AF65-F5344CB8AC3E}">
-        <p14:creationId xmlns:p14="http://schemas.microsoft.com/office/powerpoint/2010/main" val="1402137188"/>
-      </p:ext>
-    </p:extLst>
-  </p:cSld>
-  <p:clrMapOvr>
-    <a:masterClrMapping/>
-  </p:clrMapOvr>
-</p:sld>
-</file>
-
 <file path=ppt/slides/slide12.xml><?xml version="1.0" encoding="utf-8"?>
 <p:sld xmlns:a="http://schemas.openxmlformats.org/drawingml/2006/main" xmlns:r="http://schemas.openxmlformats.org/officeDocument/2006/relationships" xmlns:p="http://schemas.openxmlformats.org/presentationml/2006/main">
   <p:cSld>
@@ -3915,6 +3945,90 @@
           <p:cNvPr id="2" name="Title 1">
             <a:extLst>
               <a:ext uri="{FF2B5EF4-FFF2-40B4-BE49-F238E27FC236}">
+                <a16:creationId xmlns:a16="http://schemas.microsoft.com/office/drawing/2014/main" id="{E0F81C4D-916B-D03A-1DAF-DB9C7F4F9487}"/>
+              </a:ext>
+            </a:extLst>
+          </p:cNvPr>
+          <p:cNvSpPr>
+            <a:spLocks noGrp="1"/>
+          </p:cNvSpPr>
+          <p:nvPr>
+            <p:ph type="title"/>
+          </p:nvPr>
+        </p:nvSpPr>
+        <p:spPr/>
+        <p:txBody>
+          <a:bodyPr/>
+          <a:lstStyle/>
+          <a:p>
+            <a:r>
+              <a:rPr lang="en-US" dirty="0" err="1"/>
+              <a:t>CoT</a:t>
+            </a:r>
+            <a:endParaRPr lang="en-US" dirty="0"/>
+          </a:p>
+        </p:txBody>
+      </p:sp>
+      <p:sp>
+        <p:nvSpPr>
+          <p:cNvPr id="3" name="Text Placeholder 2">
+            <a:extLst>
+              <a:ext uri="{FF2B5EF4-FFF2-40B4-BE49-F238E27FC236}">
+                <a16:creationId xmlns:a16="http://schemas.microsoft.com/office/drawing/2014/main" id="{074A2FDA-9CBE-30CD-945F-ACCE93068C5B}"/>
+              </a:ext>
+            </a:extLst>
+          </p:cNvPr>
+          <p:cNvSpPr>
+            <a:spLocks noGrp="1"/>
+          </p:cNvSpPr>
+          <p:nvPr>
+            <p:ph type="body" idx="1"/>
+          </p:nvPr>
+        </p:nvSpPr>
+        <p:spPr/>
+        <p:txBody>
+          <a:bodyPr/>
+          <a:lstStyle/>
+          <a:p>
+            <a:endParaRPr lang="en-US" dirty="0"/>
+          </a:p>
+        </p:txBody>
+      </p:sp>
+    </p:spTree>
+    <p:extLst>
+      <p:ext uri="{BB962C8B-B14F-4D97-AF65-F5344CB8AC3E}">
+        <p14:creationId xmlns:p14="http://schemas.microsoft.com/office/powerpoint/2010/main" val="1402137188"/>
+      </p:ext>
+    </p:extLst>
+  </p:cSld>
+  <p:clrMapOvr>
+    <a:masterClrMapping/>
+  </p:clrMapOvr>
+</p:sld>
+</file>
+
+<file path=ppt/slides/slide13.xml><?xml version="1.0" encoding="utf-8"?>
+<p:sld xmlns:a="http://schemas.openxmlformats.org/drawingml/2006/main" xmlns:r="http://schemas.openxmlformats.org/officeDocument/2006/relationships" xmlns:p="http://schemas.openxmlformats.org/presentationml/2006/main">
+  <p:cSld>
+    <p:spTree>
+      <p:nvGrpSpPr>
+        <p:cNvPr id="1" name=""/>
+        <p:cNvGrpSpPr/>
+        <p:nvPr/>
+      </p:nvGrpSpPr>
+      <p:grpSpPr>
+        <a:xfrm>
+          <a:off x="0" y="0"/>
+          <a:ext cx="0" cy="0"/>
+          <a:chOff x="0" y="0"/>
+          <a:chExt cx="0" cy="0"/>
+        </a:xfrm>
+      </p:grpSpPr>
+      <p:sp>
+        <p:nvSpPr>
+          <p:cNvPr id="2" name="Title 1">
+            <a:extLst>
+              <a:ext uri="{FF2B5EF4-FFF2-40B4-BE49-F238E27FC236}">
                 <a16:creationId xmlns:a16="http://schemas.microsoft.com/office/drawing/2014/main" id="{CC50B107-F44D-CF37-0B17-DC71597C7307}"/>
               </a:ext>
             </a:extLst>
@@ -4046,7 +4160,7 @@
 </p:sld>
 </file>
 
-<file path=ppt/slides/slide13.xml><?xml version="1.0" encoding="utf-8"?>
+<file path=ppt/slides/slide14.xml><?xml version="1.0" encoding="utf-8"?>
 <p:sld xmlns:a="http://schemas.openxmlformats.org/drawingml/2006/main" xmlns:r="http://schemas.openxmlformats.org/officeDocument/2006/relationships" xmlns:p="http://schemas.openxmlformats.org/presentationml/2006/main">
   <p:cSld>
     <p:spTree>
@@ -4480,7 +4594,7 @@
 </p:sld>
 </file>
 
-<file path=ppt/slides/slide14.xml><?xml version="1.0" encoding="utf-8"?>
+<file path=ppt/slides/slide15.xml><?xml version="1.0" encoding="utf-8"?>
 <p:sld xmlns:a="http://schemas.openxmlformats.org/drawingml/2006/main" xmlns:r="http://schemas.openxmlformats.org/officeDocument/2006/relationships" xmlns:p="http://schemas.openxmlformats.org/presentationml/2006/main">
   <p:cSld>
     <p:spTree>
@@ -4662,6 +4776,392 @@
     <p:extLst>
       <p:ext uri="{BB962C8B-B14F-4D97-AF65-F5344CB8AC3E}">
         <p14:creationId xmlns:p14="http://schemas.microsoft.com/office/powerpoint/2010/main" val="2588232990"/>
+      </p:ext>
+    </p:extLst>
+  </p:cSld>
+  <p:clrMapOvr>
+    <a:masterClrMapping/>
+  </p:clrMapOvr>
+</p:sld>
+</file>
+
+<file path=ppt/slides/slide16.xml><?xml version="1.0" encoding="utf-8"?>
+<p:sld xmlns:a="http://schemas.openxmlformats.org/drawingml/2006/main" xmlns:r="http://schemas.openxmlformats.org/officeDocument/2006/relationships" xmlns:p="http://schemas.openxmlformats.org/presentationml/2006/main">
+  <p:cSld>
+    <p:spTree>
+      <p:nvGrpSpPr>
+        <p:cNvPr id="1" name=""/>
+        <p:cNvGrpSpPr/>
+        <p:nvPr/>
+      </p:nvGrpSpPr>
+      <p:grpSpPr>
+        <a:xfrm>
+          <a:off x="0" y="0"/>
+          <a:ext cx="0" cy="0"/>
+          <a:chOff x="0" y="0"/>
+          <a:chExt cx="0" cy="0"/>
+        </a:xfrm>
+      </p:grpSpPr>
+      <p:sp>
+        <p:nvSpPr>
+          <p:cNvPr id="2" name="Title 1">
+            <a:extLst>
+              <a:ext uri="{FF2B5EF4-FFF2-40B4-BE49-F238E27FC236}">
+                <a16:creationId xmlns:a16="http://schemas.microsoft.com/office/drawing/2014/main" id="{3557108A-9D44-F183-5823-2C190AD25868}"/>
+              </a:ext>
+            </a:extLst>
+          </p:cNvPr>
+          <p:cNvSpPr>
+            <a:spLocks noGrp="1"/>
+          </p:cNvSpPr>
+          <p:nvPr>
+            <p:ph type="title"/>
+          </p:nvPr>
+        </p:nvSpPr>
+        <p:spPr/>
+        <p:txBody>
+          <a:bodyPr/>
+          <a:lstStyle/>
+          <a:p>
+            <a:r>
+              <a:rPr lang="en-US" dirty="0"/>
+              <a:t>Notes</a:t>
+            </a:r>
+          </a:p>
+        </p:txBody>
+      </p:sp>
+      <p:sp>
+        <p:nvSpPr>
+          <p:cNvPr id="3" name="Content Placeholder 2">
+            <a:extLst>
+              <a:ext uri="{FF2B5EF4-FFF2-40B4-BE49-F238E27FC236}">
+                <a16:creationId xmlns:a16="http://schemas.microsoft.com/office/drawing/2014/main" id="{ED7B3824-179D-85E4-2E36-0E951174F3FC}"/>
+              </a:ext>
+            </a:extLst>
+          </p:cNvPr>
+          <p:cNvSpPr>
+            <a:spLocks noGrp="1"/>
+          </p:cNvSpPr>
+          <p:nvPr>
+            <p:ph idx="1"/>
+          </p:nvPr>
+        </p:nvSpPr>
+        <p:spPr/>
+        <p:txBody>
+          <a:bodyPr/>
+          <a:lstStyle/>
+          <a:p>
+            <a:r>
+              <a:rPr lang="en-US" dirty="0"/>
+              <a:t>Int 1 is </a:t>
+            </a:r>
+            <a:r>
+              <a:rPr lang="en-US" dirty="0" err="1"/>
+              <a:t>kekulization</a:t>
+            </a:r>
+            <a:endParaRPr lang="en-US" dirty="0"/>
+          </a:p>
+          <a:p>
+            <a:r>
+              <a:rPr lang="en-US" dirty="0"/>
+              <a:t>There is issues with sanitizing molecules in intermediates</a:t>
+            </a:r>
+          </a:p>
+          <a:p>
+            <a:pPr lvl="1"/>
+            <a:r>
+              <a:rPr lang="en-US" dirty="0"/>
+              <a:t>Therefore, we first try to get canonical mols w/ sanitization. Otherwise, we try without sanitization.</a:t>
+            </a:r>
+          </a:p>
+          <a:p>
+            <a:pPr lvl="1"/>
+            <a:r>
+              <a:rPr lang="en-US" dirty="0"/>
+              <a:t>Thus invalid means it can’t be converted even </a:t>
+            </a:r>
+            <a:r>
+              <a:rPr lang="en-US"/>
+              <a:t>without sanitization.</a:t>
+            </a:r>
+            <a:endParaRPr lang="en-US" dirty="0"/>
+          </a:p>
+        </p:txBody>
+      </p:sp>
+    </p:spTree>
+    <p:extLst>
+      <p:ext uri="{BB962C8B-B14F-4D97-AF65-F5344CB8AC3E}">
+        <p14:creationId xmlns:p14="http://schemas.microsoft.com/office/powerpoint/2010/main" val="3084338108"/>
+      </p:ext>
+    </p:extLst>
+  </p:cSld>
+  <p:clrMapOvr>
+    <a:masterClrMapping/>
+  </p:clrMapOvr>
+</p:sld>
+</file>
+
+<file path=ppt/slides/slide17.xml><?xml version="1.0" encoding="utf-8"?>
+<p:sld xmlns:a="http://schemas.openxmlformats.org/drawingml/2006/main" xmlns:r="http://schemas.openxmlformats.org/officeDocument/2006/relationships" xmlns:p="http://schemas.openxmlformats.org/presentationml/2006/main">
+  <p:cSld>
+    <p:spTree>
+      <p:nvGrpSpPr>
+        <p:cNvPr id="1" name=""/>
+        <p:cNvGrpSpPr/>
+        <p:nvPr/>
+      </p:nvGrpSpPr>
+      <p:grpSpPr>
+        <a:xfrm>
+          <a:off x="0" y="0"/>
+          <a:ext cx="0" cy="0"/>
+          <a:chOff x="0" y="0"/>
+          <a:chExt cx="0" cy="0"/>
+        </a:xfrm>
+      </p:grpSpPr>
+      <p:sp>
+        <p:nvSpPr>
+          <p:cNvPr id="2" name="Title 1">
+            <a:extLst>
+              <a:ext uri="{FF2B5EF4-FFF2-40B4-BE49-F238E27FC236}">
+                <a16:creationId xmlns:a16="http://schemas.microsoft.com/office/drawing/2014/main" id="{95C2A439-0EC8-E5A4-9786-9B6C888B8F92}"/>
+              </a:ext>
+            </a:extLst>
+          </p:cNvPr>
+          <p:cNvSpPr>
+            <a:spLocks noGrp="1"/>
+          </p:cNvSpPr>
+          <p:nvPr>
+            <p:ph type="title"/>
+          </p:nvPr>
+        </p:nvSpPr>
+        <p:spPr/>
+        <p:txBody>
+          <a:bodyPr/>
+          <a:lstStyle/>
+          <a:p>
+            <a:r>
+              <a:rPr lang="en-US" dirty="0"/>
+              <a:t>Steps</a:t>
+            </a:r>
+          </a:p>
+        </p:txBody>
+      </p:sp>
+      <p:sp>
+        <p:nvSpPr>
+          <p:cNvPr id="3" name="Content Placeholder 2">
+            <a:extLst>
+              <a:ext uri="{FF2B5EF4-FFF2-40B4-BE49-F238E27FC236}">
+                <a16:creationId xmlns:a16="http://schemas.microsoft.com/office/drawing/2014/main" id="{C1D9BB80-8867-29B0-2758-C04C51292FF5}"/>
+              </a:ext>
+            </a:extLst>
+          </p:cNvPr>
+          <p:cNvSpPr>
+            <a:spLocks noGrp="1"/>
+          </p:cNvSpPr>
+          <p:nvPr>
+            <p:ph idx="1"/>
+          </p:nvPr>
+        </p:nvSpPr>
+        <p:spPr/>
+        <p:txBody>
+          <a:bodyPr/>
+          <a:lstStyle/>
+          <a:p>
+            <a:r>
+              <a:rPr lang="en-US" dirty="0"/>
+              <a:t>Double Check </a:t>
+            </a:r>
+            <a:r>
+              <a:rPr lang="en-US" dirty="0" err="1"/>
+              <a:t>kekulization</a:t>
+            </a:r>
+            <a:endParaRPr lang="en-US" dirty="0"/>
+          </a:p>
+          <a:p>
+            <a:pPr lvl="1"/>
+            <a:r>
+              <a:rPr lang="en-US" dirty="0"/>
+              <a:t>If GPT can accurately do </a:t>
+            </a:r>
+            <a:r>
+              <a:rPr lang="en-US" dirty="0" err="1"/>
+              <a:t>kekulization</a:t>
+            </a:r>
+            <a:r>
+              <a:rPr lang="en-US" dirty="0"/>
+              <a:t> (step1), then it is fine</a:t>
+            </a:r>
+          </a:p>
+          <a:p>
+            <a:pPr lvl="1"/>
+            <a:r>
+              <a:rPr lang="en-US" dirty="0"/>
+              <a:t>Otherwise, just use the </a:t>
+            </a:r>
+            <a:r>
+              <a:rPr lang="en-US" dirty="0" err="1"/>
+              <a:t>kekulized</a:t>
+            </a:r>
+            <a:r>
+              <a:rPr lang="en-US" dirty="0"/>
+              <a:t> form as the first reactant</a:t>
+            </a:r>
+          </a:p>
+          <a:p>
+            <a:r>
+              <a:rPr lang="en-US" dirty="0"/>
+              <a:t>Baselines are based on canonical forms</a:t>
+            </a:r>
+          </a:p>
+          <a:p>
+            <a:r>
+              <a:rPr lang="en-US" dirty="0"/>
+              <a:t>Step 2 can be based on the </a:t>
+            </a:r>
+            <a:r>
+              <a:rPr lang="en-US" dirty="0" err="1"/>
+              <a:t>kekulized</a:t>
+            </a:r>
+            <a:r>
+              <a:rPr lang="en-US" dirty="0"/>
+              <a:t> form</a:t>
+            </a:r>
+          </a:p>
+          <a:p>
+            <a:r>
+              <a:rPr lang="en-US" dirty="0" err="1"/>
+              <a:t>CoT</a:t>
+            </a:r>
+            <a:r>
+              <a:rPr lang="en-US" dirty="0"/>
+              <a:t> (NL)</a:t>
+            </a:r>
+          </a:p>
+          <a:p>
+            <a:pPr lvl="1"/>
+            <a:r>
+              <a:rPr lang="en-US" dirty="0"/>
+              <a:t>Can specify remove add alternation for which molecule by performing a mapping.</a:t>
+            </a:r>
+          </a:p>
+          <a:p>
+            <a:pPr lvl="1"/>
+            <a:r>
+              <a:rPr lang="en-US" dirty="0"/>
+              <a:t>Add Natural Language to it</a:t>
+            </a:r>
+          </a:p>
+        </p:txBody>
+      </p:sp>
+    </p:spTree>
+    <p:extLst>
+      <p:ext uri="{BB962C8B-B14F-4D97-AF65-F5344CB8AC3E}">
+        <p14:creationId xmlns:p14="http://schemas.microsoft.com/office/powerpoint/2010/main" val="3910174168"/>
+      </p:ext>
+    </p:extLst>
+  </p:cSld>
+  <p:clrMapOvr>
+    <a:masterClrMapping/>
+  </p:clrMapOvr>
+</p:sld>
+</file>
+
+<file path=ppt/slides/slide18.xml><?xml version="1.0" encoding="utf-8"?>
+<p:sld xmlns:a="http://schemas.openxmlformats.org/drawingml/2006/main" xmlns:r="http://schemas.openxmlformats.org/officeDocument/2006/relationships" xmlns:p="http://schemas.openxmlformats.org/presentationml/2006/main">
+  <p:cSld>
+    <p:spTree>
+      <p:nvGrpSpPr>
+        <p:cNvPr id="1" name=""/>
+        <p:cNvGrpSpPr/>
+        <p:nvPr/>
+      </p:nvGrpSpPr>
+      <p:grpSpPr>
+        <a:xfrm>
+          <a:off x="0" y="0"/>
+          <a:ext cx="0" cy="0"/>
+          <a:chOff x="0" y="0"/>
+          <a:chExt cx="0" cy="0"/>
+        </a:xfrm>
+      </p:grpSpPr>
+      <p:sp>
+        <p:nvSpPr>
+          <p:cNvPr id="2" name="Title 1">
+            <a:extLst>
+              <a:ext uri="{FF2B5EF4-FFF2-40B4-BE49-F238E27FC236}">
+                <a16:creationId xmlns:a16="http://schemas.microsoft.com/office/drawing/2014/main" id="{8A47A361-E578-86AC-CDFB-8294ACDDD42E}"/>
+              </a:ext>
+            </a:extLst>
+          </p:cNvPr>
+          <p:cNvSpPr>
+            <a:spLocks noGrp="1"/>
+          </p:cNvSpPr>
+          <p:nvPr>
+            <p:ph type="title"/>
+          </p:nvPr>
+        </p:nvSpPr>
+        <p:spPr/>
+        <p:txBody>
+          <a:bodyPr/>
+          <a:lstStyle/>
+          <a:p>
+            <a:endParaRPr lang="en-US" dirty="0"/>
+          </a:p>
+        </p:txBody>
+      </p:sp>
+      <p:sp>
+        <p:nvSpPr>
+          <p:cNvPr id="3" name="Content Placeholder 2">
+            <a:extLst>
+              <a:ext uri="{FF2B5EF4-FFF2-40B4-BE49-F238E27FC236}">
+                <a16:creationId xmlns:a16="http://schemas.microsoft.com/office/drawing/2014/main" id="{324CB503-A21E-29B4-9468-6B1F94836B5A}"/>
+              </a:ext>
+            </a:extLst>
+          </p:cNvPr>
+          <p:cNvSpPr>
+            <a:spLocks noGrp="1"/>
+          </p:cNvSpPr>
+          <p:nvPr>
+            <p:ph idx="1"/>
+          </p:nvPr>
+        </p:nvSpPr>
+        <p:spPr/>
+        <p:txBody>
+          <a:bodyPr/>
+          <a:lstStyle/>
+          <a:p>
+            <a:r>
+              <a:rPr lang="en-US" dirty="0"/>
+              <a:t>Write Code to do parametrize from 0 – 1</a:t>
+            </a:r>
+          </a:p>
+          <a:p>
+            <a:pPr lvl="1"/>
+            <a:r>
+              <a:rPr lang="en-US" dirty="0"/>
+              <a:t>Should be the same regardless of what method we chose (if it is localized, all the other points will just be 0)</a:t>
+            </a:r>
+          </a:p>
+          <a:p>
+            <a:r>
+              <a:rPr lang="en-US" dirty="0"/>
+              <a:t>Write code to run ML method</a:t>
+            </a:r>
+          </a:p>
+          <a:p>
+            <a:r>
+              <a:rPr lang="en-US" dirty="0"/>
+              <a:t>Prep for meeting with Elena</a:t>
+            </a:r>
+          </a:p>
+          <a:p>
+            <a:endParaRPr lang="en-US" dirty="0"/>
+          </a:p>
+        </p:txBody>
+      </p:sp>
+    </p:spTree>
+    <p:extLst>
+      <p:ext uri="{BB962C8B-B14F-4D97-AF65-F5344CB8AC3E}">
+        <p14:creationId xmlns:p14="http://schemas.microsoft.com/office/powerpoint/2010/main" val="846774126"/>
       </p:ext>
     </p:extLst>
   </p:cSld>
@@ -5739,7 +6239,28 @@
           <a:p>
             <a:r>
               <a:rPr lang="en-US" dirty="0"/>
-              <a:t>It decreases the accuracy of the Step1</a:t>
+              <a:t>It decreases the accuracy of the Step1 </a:t>
+            </a:r>
+          </a:p>
+          <a:p>
+            <a:pPr lvl="1"/>
+            <a:r>
+              <a:rPr lang="en-US" dirty="0"/>
+              <a:t>This is an inaccurate metric because only 5/20 of the actually change</a:t>
+            </a:r>
+          </a:p>
+          <a:p>
+            <a:pPr lvl="1"/>
+            <a:r>
+              <a:rPr lang="en-US" dirty="0"/>
+              <a:t>Of the 5/20 that do change, most of them are predicted wrong because they are predicted with no change</a:t>
+            </a:r>
+          </a:p>
+          <a:p>
+            <a:pPr lvl="1"/>
+            <a:r>
+              <a:rPr lang="en-US" dirty="0"/>
+              <a:t>1/20 does predict a change when no change should exist.</a:t>
             </a:r>
           </a:p>
           <a:p>
@@ -5886,17 +6407,17 @@
           <a:p>
             <a:r>
               <a:rPr lang="en-US" dirty="0"/>
-              <a:t>Difference</a:t>
+              <a:t>Prompts (Few-Shot, Step 1)</a:t>
             </a:r>
           </a:p>
         </p:txBody>
       </p:sp>
       <p:pic>
         <p:nvPicPr>
-          <p:cNvPr id="7" name="Picture 6" descr="A black screen with white text&#10;&#10;Description automatically generated">
-            <a:extLst>
-              <a:ext uri="{FF2B5EF4-FFF2-40B4-BE49-F238E27FC236}">
-                <a16:creationId xmlns:a16="http://schemas.microsoft.com/office/drawing/2014/main" id="{69EAE7B1-5D69-F2E9-6AF0-A201C37E153F}"/>
+          <p:cNvPr id="20" name="Picture 19" descr="A screenshot of a computer&#10;&#10;Description automatically generated">
+            <a:extLst>
+              <a:ext uri="{FF2B5EF4-FFF2-40B4-BE49-F238E27FC236}">
+                <a16:creationId xmlns:a16="http://schemas.microsoft.com/office/drawing/2014/main" id="{8E991B74-9742-818A-B4E1-B3722FBE12E3}"/>
               </a:ext>
             </a:extLst>
           </p:cNvPr>
@@ -5913,8 +6434,8 @@
         </p:blipFill>
         <p:spPr>
           <a:xfrm>
-            <a:off x="663301" y="1460034"/>
-            <a:ext cx="10603414" cy="2364487"/>
+            <a:off x="1126307" y="1296830"/>
+            <a:ext cx="9939385" cy="2600256"/>
           </a:xfrm>
           <a:prstGeom prst="rect">
             <a:avLst/>
@@ -5923,10 +6444,10 @@
       </p:pic>
       <p:pic>
         <p:nvPicPr>
-          <p:cNvPr id="18" name="Picture 17" descr="A screenshot of a computer program&#10;&#10;Description automatically generated">
-            <a:extLst>
-              <a:ext uri="{FF2B5EF4-FFF2-40B4-BE49-F238E27FC236}">
-                <a16:creationId xmlns:a16="http://schemas.microsoft.com/office/drawing/2014/main" id="{7DC07060-F8CF-3D18-4A61-1365D90CAB0E}"/>
+          <p:cNvPr id="22" name="Picture 21" descr="A screenshot of a computer&#10;&#10;Description automatically generated">
+            <a:extLst>
+              <a:ext uri="{FF2B5EF4-FFF2-40B4-BE49-F238E27FC236}">
+                <a16:creationId xmlns:a16="http://schemas.microsoft.com/office/drawing/2014/main" id="{6BE54E9D-0B40-BF1A-C9F7-5E80727E7B56}"/>
               </a:ext>
             </a:extLst>
           </p:cNvPr>
@@ -5943,8 +6464,8 @@
         </p:blipFill>
         <p:spPr>
           <a:xfrm>
-            <a:off x="663301" y="3959650"/>
-            <a:ext cx="10603414" cy="2563242"/>
+            <a:off x="1126307" y="4143580"/>
+            <a:ext cx="9939384" cy="2518752"/>
           </a:xfrm>
           <a:prstGeom prst="rect">
             <a:avLst/>
@@ -5981,6 +6502,93 @@
           <a:chExt cx="0" cy="0"/>
         </a:xfrm>
       </p:grpSpPr>
+      <p:sp>
+        <p:nvSpPr>
+          <p:cNvPr id="2" name="Title 1">
+            <a:extLst>
+              <a:ext uri="{FF2B5EF4-FFF2-40B4-BE49-F238E27FC236}">
+                <a16:creationId xmlns:a16="http://schemas.microsoft.com/office/drawing/2014/main" id="{265C548D-542C-61DD-1DCE-38014D68AFF4}"/>
+              </a:ext>
+            </a:extLst>
+          </p:cNvPr>
+          <p:cNvSpPr>
+            <a:spLocks noGrp="1"/>
+          </p:cNvSpPr>
+          <p:nvPr>
+            <p:ph type="title"/>
+          </p:nvPr>
+        </p:nvSpPr>
+        <p:spPr/>
+        <p:txBody>
+          <a:bodyPr/>
+          <a:lstStyle/>
+          <a:p>
+            <a:r>
+              <a:rPr lang="en-US" dirty="0"/>
+              <a:t>Prompts (Step 2)</a:t>
+            </a:r>
+          </a:p>
+        </p:txBody>
+      </p:sp>
+      <p:pic>
+        <p:nvPicPr>
+          <p:cNvPr id="5" name="Content Placeholder 4" descr="A screen shot of a computer&#10;&#10;Description automatically generated">
+            <a:extLst>
+              <a:ext uri="{FF2B5EF4-FFF2-40B4-BE49-F238E27FC236}">
+                <a16:creationId xmlns:a16="http://schemas.microsoft.com/office/drawing/2014/main" id="{CFC20049-35D6-BAB0-8A3D-3074012C76D4}"/>
+              </a:ext>
+            </a:extLst>
+          </p:cNvPr>
+          <p:cNvPicPr>
+            <a:picLocks noGrp="1" noChangeAspect="1"/>
+          </p:cNvPicPr>
+          <p:nvPr>
+            <p:ph idx="1"/>
+          </p:nvPr>
+        </p:nvPicPr>
+        <p:blipFill>
+          <a:blip r:embed="rId2"/>
+          <a:stretch>
+            <a:fillRect/>
+          </a:stretch>
+        </p:blipFill>
+        <p:spPr>
+          <a:xfrm>
+            <a:off x="838200" y="2523480"/>
+            <a:ext cx="10515600" cy="2955627"/>
+          </a:xfrm>
+        </p:spPr>
+      </p:pic>
+    </p:spTree>
+    <p:extLst>
+      <p:ext uri="{BB962C8B-B14F-4D97-AF65-F5344CB8AC3E}">
+        <p14:creationId xmlns:p14="http://schemas.microsoft.com/office/powerpoint/2010/main" val="1082616699"/>
+      </p:ext>
+    </p:extLst>
+  </p:cSld>
+  <p:clrMapOvr>
+    <a:masterClrMapping/>
+  </p:clrMapOvr>
+</p:sld>
+</file>
+
+<file path=ppt/slides/slide8.xml><?xml version="1.0" encoding="utf-8"?>
+<p:sld xmlns:a="http://schemas.openxmlformats.org/drawingml/2006/main" xmlns:r="http://schemas.openxmlformats.org/officeDocument/2006/relationships" xmlns:p="http://schemas.openxmlformats.org/presentationml/2006/main">
+  <p:cSld>
+    <p:spTree>
+      <p:nvGrpSpPr>
+        <p:cNvPr id="1" name=""/>
+        <p:cNvGrpSpPr/>
+        <p:nvPr/>
+      </p:nvGrpSpPr>
+      <p:grpSpPr>
+        <a:xfrm>
+          <a:off x="0" y="0"/>
+          <a:ext cx="0" cy="0"/>
+          <a:chOff x="0" y="0"/>
+          <a:chExt cx="0" cy="0"/>
+        </a:xfrm>
+      </p:grpSpPr>
       <p:graphicFrame>
         <p:nvGraphicFramePr>
           <p:cNvPr id="4" name="Content Placeholder 3">
@@ -5997,7 +6605,7 @@
             <p:ph idx="1"/>
             <p:extLst>
               <p:ext uri="{D42A27DB-BD31-4B8C-83A1-F6EECF244321}">
-                <p14:modId xmlns:p14="http://schemas.microsoft.com/office/powerpoint/2010/main" val="1160661863"/>
+                <p14:modId xmlns:p14="http://schemas.microsoft.com/office/powerpoint/2010/main" val="3627330843"/>
               </p:ext>
             </p:extLst>
           </p:nvPr>
@@ -6135,7 +6743,7 @@
                     <a:p>
                       <a:r>
                         <a:rPr lang="en-US" dirty="0"/>
-                        <a:t>10</a:t>
+                        <a:t>11</a:t>
                       </a:r>
                     </a:p>
                   </a:txBody>
@@ -6273,20 +6881,20 @@
                     <a:p>
                       <a:r>
                         <a:rPr lang="en-US" dirty="0"/>
-                        <a:t>5</a:t>
-                      </a:r>
-                    </a:p>
-                  </a:txBody>
-                  <a:tcPr/>
-                </a:tc>
-                <a:tc>
-                  <a:txBody>
-                    <a:bodyPr/>
-                    <a:lstStyle/>
-                    <a:p>
-                      <a:r>
-                        <a:rPr lang="en-US" dirty="0"/>
-                        <a:t>2</a:t>
+                        <a:t>7</a:t>
+                      </a:r>
+                    </a:p>
+                  </a:txBody>
+                  <a:tcPr/>
+                </a:tc>
+                <a:tc>
+                  <a:txBody>
+                    <a:bodyPr/>
+                    <a:lstStyle/>
+                    <a:p>
+                      <a:r>
+                        <a:rPr lang="en-US" dirty="0"/>
+                        <a:t>0</a:t>
                       </a:r>
                     </a:p>
                   </a:txBody>
@@ -6338,10 +6946,9 @@
                     <a:lstStyle/>
                     <a:p>
                       <a:r>
-                        <a:rPr lang="en-US"/>
+                        <a:rPr lang="en-US" dirty="0"/>
                         <a:t>GPT-4</a:t>
                       </a:r>
-                      <a:endParaRPr lang="en-US" dirty="0"/>
                     </a:p>
                   </a:txBody>
                   <a:tcPr/>
@@ -6433,89 +7040,6 @@
     <p:extLst>
       <p:ext uri="{BB962C8B-B14F-4D97-AF65-F5344CB8AC3E}">
         <p14:creationId xmlns:p14="http://schemas.microsoft.com/office/powerpoint/2010/main" val="2520483718"/>
-      </p:ext>
-    </p:extLst>
-  </p:cSld>
-  <p:clrMapOvr>
-    <a:masterClrMapping/>
-  </p:clrMapOvr>
-</p:sld>
-</file>
-
-<file path=ppt/slides/slide8.xml><?xml version="1.0" encoding="utf-8"?>
-<p:sld xmlns:a="http://schemas.openxmlformats.org/drawingml/2006/main" xmlns:r="http://schemas.openxmlformats.org/officeDocument/2006/relationships" xmlns:p="http://schemas.openxmlformats.org/presentationml/2006/main">
-  <p:cSld>
-    <p:spTree>
-      <p:nvGrpSpPr>
-        <p:cNvPr id="1" name=""/>
-        <p:cNvGrpSpPr/>
-        <p:nvPr/>
-      </p:nvGrpSpPr>
-      <p:grpSpPr>
-        <a:xfrm>
-          <a:off x="0" y="0"/>
-          <a:ext cx="0" cy="0"/>
-          <a:chOff x="0" y="0"/>
-          <a:chExt cx="0" cy="0"/>
-        </a:xfrm>
-      </p:grpSpPr>
-      <p:sp>
-        <p:nvSpPr>
-          <p:cNvPr id="2" name="Title 1">
-            <a:extLst>
-              <a:ext uri="{FF2B5EF4-FFF2-40B4-BE49-F238E27FC236}">
-                <a16:creationId xmlns:a16="http://schemas.microsoft.com/office/drawing/2014/main" id="{E0F81C4D-916B-D03A-1DAF-DB9C7F4F9487}"/>
-              </a:ext>
-            </a:extLst>
-          </p:cNvPr>
-          <p:cNvSpPr>
-            <a:spLocks noGrp="1"/>
-          </p:cNvSpPr>
-          <p:nvPr>
-            <p:ph type="title"/>
-          </p:nvPr>
-        </p:nvSpPr>
-        <p:spPr/>
-        <p:txBody>
-          <a:bodyPr/>
-          <a:lstStyle/>
-          <a:p>
-            <a:r>
-              <a:rPr lang="en-US" dirty="0"/>
-              <a:t>String Addition</a:t>
-            </a:r>
-          </a:p>
-        </p:txBody>
-      </p:sp>
-      <p:sp>
-        <p:nvSpPr>
-          <p:cNvPr id="3" name="Text Placeholder 2">
-            <a:extLst>
-              <a:ext uri="{FF2B5EF4-FFF2-40B4-BE49-F238E27FC236}">
-                <a16:creationId xmlns:a16="http://schemas.microsoft.com/office/drawing/2014/main" id="{074A2FDA-9CBE-30CD-945F-ACCE93068C5B}"/>
-              </a:ext>
-            </a:extLst>
-          </p:cNvPr>
-          <p:cNvSpPr>
-            <a:spLocks noGrp="1"/>
-          </p:cNvSpPr>
-          <p:nvPr>
-            <p:ph type="body" idx="1"/>
-          </p:nvPr>
-        </p:nvSpPr>
-        <p:spPr/>
-        <p:txBody>
-          <a:bodyPr/>
-          <a:lstStyle/>
-          <a:p>
-            <a:endParaRPr lang="en-US" dirty="0"/>
-          </a:p>
-        </p:txBody>
-      </p:sp>
-    </p:spTree>
-    <p:extLst>
-      <p:ext uri="{BB962C8B-B14F-4D97-AF65-F5344CB8AC3E}">
-        <p14:creationId xmlns:p14="http://schemas.microsoft.com/office/powerpoint/2010/main" val="3899765202"/>
       </p:ext>
     </p:extLst>
   </p:cSld>
@@ -6547,7 +7071,7 @@
           <p:cNvPr id="2" name="Title 1">
             <a:extLst>
               <a:ext uri="{FF2B5EF4-FFF2-40B4-BE49-F238E27FC236}">
-                <a16:creationId xmlns:a16="http://schemas.microsoft.com/office/drawing/2014/main" id="{1B0BC176-D984-EFCC-C9E4-66B1284700AA}"/>
+                <a16:creationId xmlns:a16="http://schemas.microsoft.com/office/drawing/2014/main" id="{E0F81C4D-916B-D03A-1DAF-DB9C7F4F9487}"/>
               </a:ext>
             </a:extLst>
           </p:cNvPr>
@@ -6565,25 +7089,25 @@
           <a:p>
             <a:r>
               <a:rPr lang="en-US" dirty="0"/>
-              <a:t>Method</a:t>
-            </a:r>
-          </a:p>
-        </p:txBody>
-      </p:sp>
-      <p:sp>
-        <p:nvSpPr>
-          <p:cNvPr id="3" name="Content Placeholder 2">
-            <a:extLst>
-              <a:ext uri="{FF2B5EF4-FFF2-40B4-BE49-F238E27FC236}">
-                <a16:creationId xmlns:a16="http://schemas.microsoft.com/office/drawing/2014/main" id="{066A7482-CC8B-ACCA-300B-2E4441751191}"/>
-              </a:ext>
-            </a:extLst>
-          </p:cNvPr>
-          <p:cNvSpPr>
-            <a:spLocks noGrp="1"/>
-          </p:cNvSpPr>
-          <p:nvPr>
-            <p:ph idx="1"/>
+              <a:t>String Addition</a:t>
+            </a:r>
+          </a:p>
+        </p:txBody>
+      </p:sp>
+      <p:sp>
+        <p:nvSpPr>
+          <p:cNvPr id="3" name="Text Placeholder 2">
+            <a:extLst>
+              <a:ext uri="{FF2B5EF4-FFF2-40B4-BE49-F238E27FC236}">
+                <a16:creationId xmlns:a16="http://schemas.microsoft.com/office/drawing/2014/main" id="{074A2FDA-9CBE-30CD-945F-ACCE93068C5B}"/>
+              </a:ext>
+            </a:extLst>
+          </p:cNvPr>
+          <p:cNvSpPr>
+            <a:spLocks noGrp="1"/>
+          </p:cNvSpPr>
+          <p:nvPr>
+            <p:ph type="body" idx="1"/>
           </p:nvPr>
         </p:nvSpPr>
         <p:spPr/>
@@ -6591,41 +7115,14 @@
           <a:bodyPr/>
           <a:lstStyle/>
           <a:p>
-            <a:r>
-              <a:rPr lang="en-US" dirty="0"/>
-              <a:t>Intermediate 1: …</a:t>
-            </a:r>
-          </a:p>
-          <a:p>
-            <a:r>
-              <a:rPr lang="en-US" dirty="0"/>
-              <a:t>Intermediate 2: …</a:t>
-            </a:r>
-          </a:p>
-          <a:p>
-            <a:r>
-              <a:rPr lang="en-US" dirty="0"/>
-              <a:t>…</a:t>
-            </a:r>
-          </a:p>
-          <a:p>
-            <a:r>
-              <a:rPr lang="en-US" dirty="0"/>
-              <a:t>Intermediate 1: …</a:t>
-            </a:r>
-          </a:p>
-          <a:p>
-            <a:r>
-              <a:rPr lang="en-US" dirty="0"/>
-              <a:t>Intermediate 2: ?</a:t>
-            </a:r>
+            <a:endParaRPr lang="en-US" dirty="0"/>
           </a:p>
         </p:txBody>
       </p:sp>
     </p:spTree>
     <p:extLst>
       <p:ext uri="{BB962C8B-B14F-4D97-AF65-F5344CB8AC3E}">
-        <p14:creationId xmlns:p14="http://schemas.microsoft.com/office/powerpoint/2010/main" val="3793641640"/>
+        <p14:creationId xmlns:p14="http://schemas.microsoft.com/office/powerpoint/2010/main" val="3899765202"/>
       </p:ext>
     </p:extLst>
   </p:cSld>
